--- a/Presentation & Documentation/DigiBitak.pptx
+++ b/Presentation & Documentation/DigiBitak.pptx
@@ -6,10 +6,14 @@
   </p:sldMasterIdLst>
   <p:sldIdLst>
     <p:sldId id="256" r:id="rId2"/>
-    <p:sldId id="259" r:id="rId3"/>
+    <p:sldId id="257" r:id="rId3"/>
     <p:sldId id="258" r:id="rId4"/>
-    <p:sldId id="257" r:id="rId5"/>
-    <p:sldId id="260" r:id="rId6"/>
+    <p:sldId id="259" r:id="rId5"/>
+    <p:sldId id="261" r:id="rId6"/>
+    <p:sldId id="262" r:id="rId7"/>
+    <p:sldId id="263" r:id="rId8"/>
+    <p:sldId id="264" r:id="rId9"/>
+    <p:sldId id="260" r:id="rId10"/>
   </p:sldIdLst>
   <p:sldSz cx="12192000" cy="6858000"/>
   <p:notesSz cx="6858000" cy="9144000"/>
@@ -116,15 +120,3083 @@
 </p:presentation>
 </file>
 
+<file path=ppt/commentAuthors.xml><?xml version="1.0" encoding="utf-8"?>
+<p:cmAuthorLst xmlns:a="http://schemas.openxmlformats.org/drawingml/2006/main" xmlns:r="http://schemas.openxmlformats.org/officeDocument/2006/relationships" xmlns:p="http://schemas.openxmlformats.org/presentationml/2006/main">
+  <p:cmAuthor id="1" name="Илиян Димитров Илиев" initials="ИДИ" lastIdx="1" clrIdx="0">
+    <p:extLst>
+      <p:ext uri="{19B8F6BF-5375-455C-9EA6-DF929625EA0E}">
+        <p15:presenceInfo xmlns:p15="http://schemas.microsoft.com/office/powerpoint/2012/main" userId="S-1-5-21-2487769592-410517077-2051271458-3449" providerId="AD"/>
+      </p:ext>
+    </p:extLst>
+  </p:cmAuthor>
+</p:cmAuthorLst>
+</file>
+
 <file path=ppt/revisionInfo.xml><?xml version="1.0" encoding="utf-8"?>
 <p1510:revInfo xmlns:a="http://schemas.openxmlformats.org/drawingml/2006/main" xmlns:r="http://schemas.openxmlformats.org/officeDocument/2006/relationships" xmlns:p1510="http://schemas.microsoft.com/office/powerpoint/2015/10/main">
   <p1510:revLst>
     <p1510:client id="{28CBDBB6-8FD2-E55F-F5C5-C6E801343CD5}" v="719" dt="2020-05-01T08:39:47.379"/>
+    <p1510:client id="{2B8E5AF7-BFBE-2720-9D1F-883D8DFB5D74}" v="3" dt="2020-05-05T13:47:16.906"/>
     <p1510:client id="{50DBA5B3-900D-09C5-D19D-8AC4949F0612}" v="4" dt="2020-05-01T21:19:42.860"/>
     <p1510:client id="{A69411AA-6475-3175-ACCD-BC64F06BFA4D}" v="444" dt="2020-05-01T09:01:39.094"/>
     <p1510:client id="{DA4B5A85-B288-5CA2-8C0E-14C973B97596}" v="42" dt="2020-05-01T13:43:42.693"/>
+    <p1510:client id="{E7D35410-AB1C-565D-66DB-EBDCC1210956}" v="157" dt="2020-05-06T07:52:20.972"/>
   </p1510:revLst>
 </p1510:revInfo>
+</file>
+
+<file path=ppt/comments/comment1.xml><?xml version="1.0" encoding="utf-8"?>
+<p:cmLst xmlns:a="http://schemas.openxmlformats.org/drawingml/2006/main" xmlns:r="http://schemas.openxmlformats.org/officeDocument/2006/relationships" xmlns:p="http://schemas.openxmlformats.org/presentationml/2006/main">
+  <p:cm authorId="1" dt="2020-05-06T09:07:17.433" idx="1">
+    <p:pos x="6977" y="1942"/>
+    <p:text>Integrated development environment</p:text>
+    <p:extLst>
+      <p:ext uri="{C676402C-5697-4E1C-873F-D02D1690AC5C}">
+        <p15:threadingInfo xmlns:p15="http://schemas.microsoft.com/office/powerpoint/2012/main" timeZoneBias="-180"/>
+      </p:ext>
+    </p:extLst>
+  </p:cm>
+</p:cmLst>
+</file>
+
+<file path=ppt/diagrams/colors1.xml><?xml version="1.0" encoding="utf-8"?>
+<dgm:colorsDef xmlns:dgm="http://schemas.openxmlformats.org/drawingml/2006/diagram" xmlns:a="http://schemas.openxmlformats.org/drawingml/2006/main" uniqueId="urn:microsoft.com/office/officeart/2018/5/colors/Iconchunking_neutralbg_colorful1">
+  <dgm:title val=""/>
+  <dgm:desc val=""/>
+  <dgm:catLst>
+    <dgm:cat type="colorful" pri="10100"/>
+  </dgm:catLst>
+  <dgm:styleLbl name="node0">
+    <dgm:fillClrLst meth="repeat">
+      <a:schemeClr val="accent1"/>
+    </dgm:fillClrLst>
+    <dgm:linClrLst meth="repeat">
+      <a:schemeClr val="lt1"/>
+    </dgm:linClrLst>
+    <dgm:effectClrLst/>
+    <dgm:txLinClrLst/>
+    <dgm:txFillClrLst/>
+    <dgm:txEffectClrLst/>
+  </dgm:styleLbl>
+  <dgm:styleLbl name="node1">
+    <dgm:fillClrLst meth="repeat">
+      <a:schemeClr val="accent2"/>
+      <a:schemeClr val="accent3"/>
+      <a:schemeClr val="accent4"/>
+      <a:schemeClr val="accent5"/>
+      <a:schemeClr val="accent6"/>
+    </dgm:fillClrLst>
+    <dgm:linClrLst meth="repeat">
+      <a:schemeClr val="lt1">
+        <a:alpha val="0"/>
+      </a:schemeClr>
+    </dgm:linClrLst>
+    <dgm:effectClrLst/>
+    <dgm:txLinClrLst/>
+    <dgm:txFillClrLst/>
+    <dgm:txEffectClrLst/>
+  </dgm:styleLbl>
+  <dgm:styleLbl name="alignNode1">
+    <dgm:fillClrLst meth="repeat">
+      <a:schemeClr val="accent2"/>
+      <a:schemeClr val="accent3"/>
+      <a:schemeClr val="accent4"/>
+      <a:schemeClr val="accent5"/>
+      <a:schemeClr val="accent6"/>
+    </dgm:fillClrLst>
+    <dgm:linClrLst meth="repeat">
+      <a:schemeClr val="accent2"/>
+      <a:schemeClr val="accent3"/>
+      <a:schemeClr val="accent4"/>
+      <a:schemeClr val="accent5"/>
+      <a:schemeClr val="accent6"/>
+    </dgm:linClrLst>
+    <dgm:effectClrLst/>
+    <dgm:txLinClrLst/>
+    <dgm:txFillClrLst/>
+    <dgm:txEffectClrLst/>
+  </dgm:styleLbl>
+  <dgm:styleLbl name="lnNode1">
+    <dgm:fillClrLst meth="repeat">
+      <a:schemeClr val="accent2"/>
+      <a:schemeClr val="accent3"/>
+      <a:schemeClr val="accent4"/>
+      <a:schemeClr val="accent5"/>
+      <a:schemeClr val="accent6"/>
+    </dgm:fillClrLst>
+    <dgm:linClrLst meth="repeat">
+      <a:schemeClr val="lt1"/>
+    </dgm:linClrLst>
+    <dgm:effectClrLst/>
+    <dgm:txLinClrLst/>
+    <dgm:txFillClrLst/>
+    <dgm:txEffectClrLst/>
+  </dgm:styleLbl>
+  <dgm:styleLbl name="vennNode1">
+    <dgm:fillClrLst meth="repeat">
+      <a:schemeClr val="accent2">
+        <a:alpha val="50000"/>
+      </a:schemeClr>
+      <a:schemeClr val="accent3">
+        <a:alpha val="50000"/>
+      </a:schemeClr>
+      <a:schemeClr val="accent4">
+        <a:alpha val="50000"/>
+      </a:schemeClr>
+      <a:schemeClr val="accent5">
+        <a:alpha val="50000"/>
+      </a:schemeClr>
+      <a:schemeClr val="accent6">
+        <a:alpha val="50000"/>
+      </a:schemeClr>
+    </dgm:fillClrLst>
+    <dgm:linClrLst meth="repeat">
+      <a:schemeClr val="lt1"/>
+    </dgm:linClrLst>
+    <dgm:effectClrLst/>
+    <dgm:txLinClrLst/>
+    <dgm:txFillClrLst/>
+    <dgm:txEffectClrLst/>
+  </dgm:styleLbl>
+  <dgm:styleLbl name="node2">
+    <dgm:fillClrLst>
+      <a:schemeClr val="accent2"/>
+    </dgm:fillClrLst>
+    <dgm:linClrLst meth="repeat">
+      <a:schemeClr val="lt1"/>
+    </dgm:linClrLst>
+    <dgm:effectClrLst/>
+    <dgm:txLinClrLst/>
+    <dgm:txFillClrLst/>
+    <dgm:txEffectClrLst/>
+  </dgm:styleLbl>
+  <dgm:styleLbl name="node3">
+    <dgm:fillClrLst>
+      <a:schemeClr val="accent3"/>
+    </dgm:fillClrLst>
+    <dgm:linClrLst meth="repeat">
+      <a:schemeClr val="lt1"/>
+    </dgm:linClrLst>
+    <dgm:effectClrLst/>
+    <dgm:txLinClrLst/>
+    <dgm:txFillClrLst/>
+    <dgm:txEffectClrLst/>
+  </dgm:styleLbl>
+  <dgm:styleLbl name="node4">
+    <dgm:fillClrLst>
+      <a:schemeClr val="accent4"/>
+    </dgm:fillClrLst>
+    <dgm:linClrLst meth="repeat">
+      <a:schemeClr val="lt1"/>
+    </dgm:linClrLst>
+    <dgm:effectClrLst/>
+    <dgm:txLinClrLst/>
+    <dgm:txFillClrLst/>
+    <dgm:txEffectClrLst/>
+  </dgm:styleLbl>
+  <dgm:styleLbl name="fgImgPlace1">
+    <dgm:fillClrLst meth="repeat">
+      <a:schemeClr val="accent2">
+        <a:tint val="50000"/>
+      </a:schemeClr>
+      <a:schemeClr val="accent3">
+        <a:tint val="50000"/>
+      </a:schemeClr>
+      <a:schemeClr val="accent4">
+        <a:tint val="50000"/>
+      </a:schemeClr>
+      <a:schemeClr val="accent5">
+        <a:tint val="50000"/>
+      </a:schemeClr>
+      <a:schemeClr val="accent6">
+        <a:tint val="50000"/>
+      </a:schemeClr>
+    </dgm:fillClrLst>
+    <dgm:linClrLst meth="repeat">
+      <a:schemeClr val="lt1"/>
+    </dgm:linClrLst>
+    <dgm:effectClrLst/>
+    <dgm:txLinClrLst/>
+    <dgm:txFillClrLst meth="repeat">
+      <a:schemeClr val="lt1"/>
+    </dgm:txFillClrLst>
+    <dgm:txEffectClrLst/>
+  </dgm:styleLbl>
+  <dgm:styleLbl name="alignImgPlace1">
+    <dgm:fillClrLst>
+      <a:schemeClr val="accent1">
+        <a:tint val="50000"/>
+      </a:schemeClr>
+      <a:schemeClr val="accent2">
+        <a:tint val="20000"/>
+      </a:schemeClr>
+    </dgm:fillClrLst>
+    <dgm:linClrLst meth="repeat">
+      <a:schemeClr val="lt1"/>
+    </dgm:linClrLst>
+    <dgm:effectClrLst/>
+    <dgm:txLinClrLst/>
+    <dgm:txFillClrLst meth="repeat">
+      <a:schemeClr val="lt1"/>
+    </dgm:txFillClrLst>
+    <dgm:txEffectClrLst/>
+  </dgm:styleLbl>
+  <dgm:styleLbl name="bgImgPlace1">
+    <dgm:fillClrLst>
+      <a:schemeClr val="accent1">
+        <a:tint val="50000"/>
+      </a:schemeClr>
+      <a:schemeClr val="accent2">
+        <a:tint val="20000"/>
+      </a:schemeClr>
+    </dgm:fillClrLst>
+    <dgm:linClrLst meth="repeat">
+      <a:schemeClr val="lt1"/>
+    </dgm:linClrLst>
+    <dgm:effectClrLst/>
+    <dgm:txLinClrLst/>
+    <dgm:txFillClrLst meth="repeat">
+      <a:schemeClr val="lt1"/>
+    </dgm:txFillClrLst>
+    <dgm:txEffectClrLst/>
+  </dgm:styleLbl>
+  <dgm:styleLbl name="sibTrans2D1">
+    <dgm:fillClrLst meth="repeat">
+      <a:schemeClr val="accent2"/>
+      <a:schemeClr val="accent3"/>
+      <a:schemeClr val="accent4"/>
+      <a:schemeClr val="accent5"/>
+      <a:schemeClr val="accent6"/>
+    </dgm:fillClrLst>
+    <dgm:linClrLst meth="cycle">
+      <a:schemeClr val="lt1"/>
+    </dgm:linClrLst>
+    <dgm:effectClrLst/>
+    <dgm:txLinClrLst/>
+    <dgm:txFillClrLst/>
+    <dgm:txEffectClrLst/>
+  </dgm:styleLbl>
+  <dgm:styleLbl name="fgSibTrans2D1">
+    <dgm:fillClrLst meth="repeat">
+      <a:schemeClr val="accent2"/>
+      <a:schemeClr val="accent3"/>
+      <a:schemeClr val="accent4"/>
+      <a:schemeClr val="accent5"/>
+      <a:schemeClr val="accent6"/>
+    </dgm:fillClrLst>
+    <dgm:linClrLst meth="cycle">
+      <a:schemeClr val="lt1"/>
+    </dgm:linClrLst>
+    <dgm:effectClrLst/>
+    <dgm:txLinClrLst/>
+    <dgm:txFillClrLst meth="repeat">
+      <a:schemeClr val="lt1"/>
+    </dgm:txFillClrLst>
+    <dgm:txEffectClrLst/>
+  </dgm:styleLbl>
+  <dgm:styleLbl name="bgSibTrans2D1">
+    <dgm:fillClrLst meth="repeat">
+      <a:schemeClr val="accent2"/>
+      <a:schemeClr val="accent3"/>
+      <a:schemeClr val="accent4"/>
+      <a:schemeClr val="accent5"/>
+      <a:schemeClr val="accent6"/>
+    </dgm:fillClrLst>
+    <dgm:linClrLst meth="cycle">
+      <a:schemeClr val="lt1"/>
+    </dgm:linClrLst>
+    <dgm:effectClrLst/>
+    <dgm:txLinClrLst/>
+    <dgm:txFillClrLst meth="repeat">
+      <a:schemeClr val="lt1"/>
+    </dgm:txFillClrLst>
+    <dgm:txEffectClrLst/>
+  </dgm:styleLbl>
+  <dgm:styleLbl name="sibTrans1D1">
+    <dgm:fillClrLst meth="repeat">
+      <a:schemeClr val="accent2"/>
+      <a:schemeClr val="accent3"/>
+      <a:schemeClr val="accent4"/>
+      <a:schemeClr val="accent5"/>
+      <a:schemeClr val="accent6"/>
+    </dgm:fillClrLst>
+    <dgm:linClrLst meth="repeat">
+      <a:schemeClr val="accent2"/>
+      <a:schemeClr val="accent3"/>
+      <a:schemeClr val="accent4"/>
+      <a:schemeClr val="accent5"/>
+      <a:schemeClr val="accent6"/>
+    </dgm:linClrLst>
+    <dgm:effectClrLst/>
+    <dgm:txLinClrLst/>
+    <dgm:txFillClrLst meth="repeat">
+      <a:schemeClr val="tx1"/>
+    </dgm:txFillClrLst>
+    <dgm:txEffectClrLst/>
+  </dgm:styleLbl>
+  <dgm:styleLbl name="callout">
+    <dgm:fillClrLst meth="repeat">
+      <a:schemeClr val="accent2"/>
+    </dgm:fillClrLst>
+    <dgm:linClrLst meth="repeat">
+      <a:schemeClr val="accent2">
+        <a:tint val="50000"/>
+      </a:schemeClr>
+    </dgm:linClrLst>
+    <dgm:effectClrLst/>
+    <dgm:txLinClrLst/>
+    <dgm:txFillClrLst meth="repeat">
+      <a:schemeClr val="tx1"/>
+    </dgm:txFillClrLst>
+    <dgm:txEffectClrLst/>
+  </dgm:styleLbl>
+  <dgm:styleLbl name="asst0">
+    <dgm:fillClrLst meth="repeat">
+      <a:schemeClr val="accent1"/>
+    </dgm:fillClrLst>
+    <dgm:linClrLst meth="repeat">
+      <a:schemeClr val="lt1"/>
+    </dgm:linClrLst>
+    <dgm:effectClrLst/>
+    <dgm:txLinClrLst/>
+    <dgm:txFillClrLst/>
+    <dgm:txEffectClrLst/>
+  </dgm:styleLbl>
+  <dgm:styleLbl name="asst1">
+    <dgm:fillClrLst meth="repeat">
+      <a:schemeClr val="accent2"/>
+    </dgm:fillClrLst>
+    <dgm:linClrLst meth="repeat">
+      <a:schemeClr val="lt1"/>
+    </dgm:linClrLst>
+    <dgm:effectClrLst/>
+    <dgm:txLinClrLst/>
+    <dgm:txFillClrLst/>
+    <dgm:txEffectClrLst/>
+  </dgm:styleLbl>
+  <dgm:styleLbl name="asst2">
+    <dgm:fillClrLst>
+      <a:schemeClr val="accent3"/>
+    </dgm:fillClrLst>
+    <dgm:linClrLst meth="repeat">
+      <a:schemeClr val="lt1"/>
+    </dgm:linClrLst>
+    <dgm:effectClrLst/>
+    <dgm:txLinClrLst/>
+    <dgm:txFillClrLst/>
+    <dgm:txEffectClrLst/>
+  </dgm:styleLbl>
+  <dgm:styleLbl name="asst3">
+    <dgm:fillClrLst>
+      <a:schemeClr val="accent4"/>
+    </dgm:fillClrLst>
+    <dgm:linClrLst meth="repeat">
+      <a:schemeClr val="lt1"/>
+    </dgm:linClrLst>
+    <dgm:effectClrLst/>
+    <dgm:txLinClrLst/>
+    <dgm:txFillClrLst/>
+    <dgm:txEffectClrLst/>
+  </dgm:styleLbl>
+  <dgm:styleLbl name="asst4">
+    <dgm:fillClrLst>
+      <a:schemeClr val="accent5"/>
+    </dgm:fillClrLst>
+    <dgm:linClrLst meth="repeat">
+      <a:schemeClr val="lt1"/>
+    </dgm:linClrLst>
+    <dgm:effectClrLst/>
+    <dgm:txLinClrLst/>
+    <dgm:txFillClrLst/>
+    <dgm:txEffectClrLst/>
+  </dgm:styleLbl>
+  <dgm:styleLbl name="parChTrans2D1">
+    <dgm:fillClrLst meth="repeat">
+      <a:schemeClr val="accent2"/>
+    </dgm:fillClrLst>
+    <dgm:linClrLst meth="repeat">
+      <a:schemeClr val="lt1"/>
+    </dgm:linClrLst>
+    <dgm:effectClrLst/>
+    <dgm:txLinClrLst/>
+    <dgm:txFillClrLst meth="repeat">
+      <a:schemeClr val="lt1"/>
+    </dgm:txFillClrLst>
+    <dgm:txEffectClrLst/>
+  </dgm:styleLbl>
+  <dgm:styleLbl name="parChTrans2D2">
+    <dgm:fillClrLst meth="repeat">
+      <a:schemeClr val="accent3"/>
+    </dgm:fillClrLst>
+    <dgm:linClrLst meth="repeat">
+      <a:schemeClr val="lt1"/>
+    </dgm:linClrLst>
+    <dgm:effectClrLst/>
+    <dgm:txLinClrLst/>
+    <dgm:txFillClrLst/>
+    <dgm:txEffectClrLst/>
+  </dgm:styleLbl>
+  <dgm:styleLbl name="parChTrans2D3">
+    <dgm:fillClrLst meth="repeat">
+      <a:schemeClr val="accent4"/>
+    </dgm:fillClrLst>
+    <dgm:linClrLst meth="repeat">
+      <a:schemeClr val="lt1"/>
+    </dgm:linClrLst>
+    <dgm:effectClrLst/>
+    <dgm:txLinClrLst/>
+    <dgm:txFillClrLst/>
+    <dgm:txEffectClrLst/>
+  </dgm:styleLbl>
+  <dgm:styleLbl name="parChTrans2D4">
+    <dgm:fillClrLst meth="repeat">
+      <a:schemeClr val="accent5"/>
+    </dgm:fillClrLst>
+    <dgm:linClrLst meth="repeat">
+      <a:schemeClr val="lt1"/>
+    </dgm:linClrLst>
+    <dgm:effectClrLst/>
+    <dgm:txLinClrLst/>
+    <dgm:txFillClrLst meth="repeat">
+      <a:schemeClr val="lt1"/>
+    </dgm:txFillClrLst>
+    <dgm:txEffectClrLst/>
+  </dgm:styleLbl>
+  <dgm:styleLbl name="parChTrans1D1">
+    <dgm:fillClrLst meth="repeat">
+      <a:schemeClr val="accent2"/>
+    </dgm:fillClrLst>
+    <dgm:linClrLst meth="repeat">
+      <a:schemeClr val="accent1"/>
+    </dgm:linClrLst>
+    <dgm:effectClrLst/>
+    <dgm:txLinClrLst/>
+    <dgm:txFillClrLst meth="repeat">
+      <a:schemeClr val="tx1"/>
+    </dgm:txFillClrLst>
+    <dgm:txEffectClrLst/>
+  </dgm:styleLbl>
+  <dgm:styleLbl name="parChTrans1D2">
+    <dgm:fillClrLst meth="repeat">
+      <a:schemeClr val="accent3">
+        <a:tint val="90000"/>
+      </a:schemeClr>
+    </dgm:fillClrLst>
+    <dgm:linClrLst meth="repeat">
+      <a:schemeClr val="accent2"/>
+    </dgm:linClrLst>
+    <dgm:effectClrLst/>
+    <dgm:txLinClrLst/>
+    <dgm:txFillClrLst meth="repeat">
+      <a:schemeClr val="tx1"/>
+    </dgm:txFillClrLst>
+    <dgm:txEffectClrLst/>
+  </dgm:styleLbl>
+  <dgm:styleLbl name="parChTrans1D3">
+    <dgm:fillClrLst meth="repeat">
+      <a:schemeClr val="accent4">
+        <a:tint val="70000"/>
+      </a:schemeClr>
+    </dgm:fillClrLst>
+    <dgm:linClrLst meth="repeat">
+      <a:schemeClr val="accent3"/>
+    </dgm:linClrLst>
+    <dgm:effectClrLst/>
+    <dgm:txLinClrLst/>
+    <dgm:txFillClrLst meth="repeat">
+      <a:schemeClr val="tx1"/>
+    </dgm:txFillClrLst>
+    <dgm:txEffectClrLst/>
+  </dgm:styleLbl>
+  <dgm:styleLbl name="parChTrans1D4">
+    <dgm:fillClrLst meth="repeat">
+      <a:schemeClr val="accent5">
+        <a:tint val="50000"/>
+      </a:schemeClr>
+    </dgm:fillClrLst>
+    <dgm:linClrLst meth="repeat">
+      <a:schemeClr val="accent4"/>
+    </dgm:linClrLst>
+    <dgm:effectClrLst/>
+    <dgm:txLinClrLst/>
+    <dgm:txFillClrLst meth="repeat">
+      <a:schemeClr val="tx1"/>
+    </dgm:txFillClrLst>
+    <dgm:txEffectClrLst/>
+  </dgm:styleLbl>
+  <dgm:styleLbl name="fgAcc1">
+    <dgm:fillClrLst meth="repeat">
+      <a:schemeClr val="lt1">
+        <a:alpha val="90000"/>
+      </a:schemeClr>
+    </dgm:fillClrLst>
+    <dgm:linClrLst meth="repeat">
+      <a:schemeClr val="accent2"/>
+      <a:schemeClr val="accent3"/>
+      <a:schemeClr val="accent4"/>
+      <a:schemeClr val="accent5"/>
+      <a:schemeClr val="accent6"/>
+    </dgm:linClrLst>
+    <dgm:effectClrLst/>
+    <dgm:txLinClrLst/>
+    <dgm:txFillClrLst meth="repeat">
+      <a:schemeClr val="dk1"/>
+    </dgm:txFillClrLst>
+    <dgm:txEffectClrLst/>
+  </dgm:styleLbl>
+  <dgm:styleLbl name="conFgAcc1">
+    <dgm:fillClrLst meth="repeat">
+      <a:schemeClr val="lt1">
+        <a:alpha val="90000"/>
+      </a:schemeClr>
+    </dgm:fillClrLst>
+    <dgm:linClrLst meth="repeat">
+      <a:schemeClr val="accent2"/>
+      <a:schemeClr val="accent3"/>
+      <a:schemeClr val="accent4"/>
+      <a:schemeClr val="accent5"/>
+      <a:schemeClr val="accent6"/>
+    </dgm:linClrLst>
+    <dgm:effectClrLst/>
+    <dgm:txLinClrLst/>
+    <dgm:txFillClrLst meth="repeat">
+      <a:schemeClr val="dk1"/>
+    </dgm:txFillClrLst>
+    <dgm:txEffectClrLst/>
+  </dgm:styleLbl>
+  <dgm:styleLbl name="alignAcc1">
+    <dgm:fillClrLst meth="repeat">
+      <a:schemeClr val="lt1">
+        <a:alpha val="90000"/>
+      </a:schemeClr>
+    </dgm:fillClrLst>
+    <dgm:linClrLst meth="repeat">
+      <a:schemeClr val="accent2"/>
+      <a:schemeClr val="accent3"/>
+      <a:schemeClr val="accent4"/>
+      <a:schemeClr val="accent5"/>
+      <a:schemeClr val="accent6"/>
+    </dgm:linClrLst>
+    <dgm:effectClrLst/>
+    <dgm:txLinClrLst/>
+    <dgm:txFillClrLst meth="repeat">
+      <a:schemeClr val="dk1"/>
+    </dgm:txFillClrLst>
+    <dgm:txEffectClrLst/>
+  </dgm:styleLbl>
+  <dgm:styleLbl name="trAlignAcc1">
+    <dgm:fillClrLst meth="repeat">
+      <a:schemeClr val="lt1">
+        <a:alpha val="40000"/>
+      </a:schemeClr>
+    </dgm:fillClrLst>
+    <dgm:linClrLst meth="repeat">
+      <a:schemeClr val="accent1"/>
+    </dgm:linClrLst>
+    <dgm:effectClrLst/>
+    <dgm:txLinClrLst/>
+    <dgm:txFillClrLst meth="repeat">
+      <a:schemeClr val="dk1"/>
+    </dgm:txFillClrLst>
+    <dgm:txEffectClrLst/>
+  </dgm:styleLbl>
+  <dgm:styleLbl name="bgAcc1">
+    <dgm:fillClrLst meth="repeat">
+      <a:schemeClr val="lt1">
+        <a:alpha val="90000"/>
+      </a:schemeClr>
+    </dgm:fillClrLst>
+    <dgm:linClrLst meth="repeat">
+      <a:schemeClr val="accent2"/>
+      <a:schemeClr val="accent3"/>
+      <a:schemeClr val="accent4"/>
+      <a:schemeClr val="accent5"/>
+      <a:schemeClr val="accent6"/>
+    </dgm:linClrLst>
+    <dgm:effectClrLst/>
+    <dgm:txLinClrLst/>
+    <dgm:txFillClrLst meth="repeat">
+      <a:schemeClr val="dk1"/>
+    </dgm:txFillClrLst>
+    <dgm:txEffectClrLst/>
+  </dgm:styleLbl>
+  <dgm:styleLbl name="solidFgAcc1">
+    <dgm:fillClrLst meth="repeat">
+      <a:schemeClr val="lt1"/>
+    </dgm:fillClrLst>
+    <dgm:linClrLst meth="repeat">
+      <a:schemeClr val="accent2"/>
+      <a:schemeClr val="accent3"/>
+      <a:schemeClr val="accent4"/>
+      <a:schemeClr val="accent5"/>
+      <a:schemeClr val="accent6"/>
+    </dgm:linClrLst>
+    <dgm:effectClrLst/>
+    <dgm:txLinClrLst/>
+    <dgm:txFillClrLst meth="repeat">
+      <a:schemeClr val="dk1"/>
+    </dgm:txFillClrLst>
+    <dgm:txEffectClrLst/>
+  </dgm:styleLbl>
+  <dgm:styleLbl name="solidAlignAcc1">
+    <dgm:fillClrLst meth="repeat">
+      <a:schemeClr val="lt1"/>
+    </dgm:fillClrLst>
+    <dgm:linClrLst meth="repeat">
+      <a:schemeClr val="accent2"/>
+      <a:schemeClr val="accent3"/>
+      <a:schemeClr val="accent4"/>
+      <a:schemeClr val="accent5"/>
+      <a:schemeClr val="accent6"/>
+    </dgm:linClrLst>
+    <dgm:effectClrLst/>
+    <dgm:txLinClrLst/>
+    <dgm:txFillClrLst meth="repeat">
+      <a:schemeClr val="dk1"/>
+    </dgm:txFillClrLst>
+    <dgm:txEffectClrLst/>
+  </dgm:styleLbl>
+  <dgm:styleLbl name="solidBgAcc1">
+    <dgm:fillClrLst meth="repeat">
+      <a:schemeClr val="lt1"/>
+    </dgm:fillClrLst>
+    <dgm:linClrLst meth="repeat">
+      <a:schemeClr val="accent2"/>
+      <a:schemeClr val="accent3"/>
+      <a:schemeClr val="accent4"/>
+      <a:schemeClr val="accent5"/>
+      <a:schemeClr val="accent6"/>
+    </dgm:linClrLst>
+    <dgm:effectClrLst/>
+    <dgm:txLinClrLst/>
+    <dgm:txFillClrLst meth="repeat">
+      <a:schemeClr val="dk1"/>
+    </dgm:txFillClrLst>
+    <dgm:txEffectClrLst/>
+  </dgm:styleLbl>
+  <dgm:styleLbl name="fgAccFollowNode1">
+    <dgm:fillClrLst meth="repeat">
+      <a:schemeClr val="accent2">
+        <a:tint val="40000"/>
+        <a:alpha val="90000"/>
+      </a:schemeClr>
+      <a:schemeClr val="accent3">
+        <a:tint val="40000"/>
+        <a:alpha val="90000"/>
+      </a:schemeClr>
+      <a:schemeClr val="accent4">
+        <a:tint val="40000"/>
+        <a:alpha val="90000"/>
+      </a:schemeClr>
+      <a:schemeClr val="accent5">
+        <a:tint val="40000"/>
+        <a:alpha val="90000"/>
+      </a:schemeClr>
+      <a:schemeClr val="accent6">
+        <a:tint val="40000"/>
+        <a:alpha val="90000"/>
+      </a:schemeClr>
+    </dgm:fillClrLst>
+    <dgm:linClrLst meth="repeat">
+      <a:schemeClr val="accent2">
+        <a:tint val="40000"/>
+        <a:alpha val="90000"/>
+      </a:schemeClr>
+      <a:schemeClr val="accent3">
+        <a:tint val="40000"/>
+        <a:alpha val="90000"/>
+      </a:schemeClr>
+      <a:schemeClr val="accent4">
+        <a:tint val="40000"/>
+        <a:alpha val="90000"/>
+      </a:schemeClr>
+      <a:schemeClr val="accent5">
+        <a:tint val="40000"/>
+        <a:alpha val="90000"/>
+      </a:schemeClr>
+      <a:schemeClr val="accent6">
+        <a:tint val="40000"/>
+        <a:alpha val="90000"/>
+      </a:schemeClr>
+    </dgm:linClrLst>
+    <dgm:effectClrLst/>
+    <dgm:txLinClrLst/>
+    <dgm:txFillClrLst meth="repeat">
+      <a:schemeClr val="dk1"/>
+    </dgm:txFillClrLst>
+    <dgm:txEffectClrLst/>
+  </dgm:styleLbl>
+  <dgm:styleLbl name="alignAccFollowNode1">
+    <dgm:fillClrLst meth="repeat">
+      <a:schemeClr val="accent2">
+        <a:tint val="40000"/>
+        <a:alpha val="90000"/>
+      </a:schemeClr>
+      <a:schemeClr val="accent3">
+        <a:tint val="40000"/>
+        <a:alpha val="90000"/>
+      </a:schemeClr>
+      <a:schemeClr val="accent4">
+        <a:tint val="40000"/>
+        <a:alpha val="90000"/>
+      </a:schemeClr>
+      <a:schemeClr val="accent5">
+        <a:tint val="40000"/>
+        <a:alpha val="90000"/>
+      </a:schemeClr>
+      <a:schemeClr val="accent6">
+        <a:tint val="40000"/>
+        <a:alpha val="90000"/>
+      </a:schemeClr>
+    </dgm:fillClrLst>
+    <dgm:linClrLst meth="repeat">
+      <a:schemeClr val="accent2">
+        <a:tint val="40000"/>
+        <a:alpha val="90000"/>
+      </a:schemeClr>
+      <a:schemeClr val="accent3">
+        <a:tint val="40000"/>
+        <a:alpha val="90000"/>
+      </a:schemeClr>
+      <a:schemeClr val="accent4">
+        <a:tint val="40000"/>
+        <a:alpha val="90000"/>
+      </a:schemeClr>
+      <a:schemeClr val="accent5">
+        <a:tint val="40000"/>
+        <a:alpha val="90000"/>
+      </a:schemeClr>
+      <a:schemeClr val="accent6">
+        <a:tint val="40000"/>
+        <a:alpha val="90000"/>
+      </a:schemeClr>
+    </dgm:linClrLst>
+    <dgm:effectClrLst/>
+    <dgm:txLinClrLst/>
+    <dgm:txFillClrLst meth="repeat">
+      <a:schemeClr val="dk1"/>
+    </dgm:txFillClrLst>
+    <dgm:txEffectClrLst/>
+  </dgm:styleLbl>
+  <dgm:styleLbl name="bgAccFollowNode1">
+    <dgm:fillClrLst meth="repeat">
+      <a:schemeClr val="accent2">
+        <a:tint val="40000"/>
+        <a:alpha val="90000"/>
+      </a:schemeClr>
+      <a:schemeClr val="accent3">
+        <a:tint val="40000"/>
+        <a:alpha val="90000"/>
+      </a:schemeClr>
+      <a:schemeClr val="accent4">
+        <a:tint val="40000"/>
+        <a:alpha val="90000"/>
+      </a:schemeClr>
+      <a:schemeClr val="accent5">
+        <a:tint val="40000"/>
+        <a:alpha val="90000"/>
+      </a:schemeClr>
+      <a:schemeClr val="accent6">
+        <a:tint val="40000"/>
+        <a:alpha val="90000"/>
+      </a:schemeClr>
+    </dgm:fillClrLst>
+    <dgm:linClrLst meth="repeat">
+      <a:schemeClr val="accent2">
+        <a:tint val="40000"/>
+        <a:alpha val="90000"/>
+      </a:schemeClr>
+      <a:schemeClr val="accent3">
+        <a:tint val="40000"/>
+        <a:alpha val="90000"/>
+      </a:schemeClr>
+      <a:schemeClr val="accent4">
+        <a:tint val="40000"/>
+        <a:alpha val="90000"/>
+      </a:schemeClr>
+      <a:schemeClr val="accent5">
+        <a:tint val="40000"/>
+        <a:alpha val="90000"/>
+      </a:schemeClr>
+      <a:schemeClr val="accent6">
+        <a:tint val="40000"/>
+        <a:alpha val="90000"/>
+      </a:schemeClr>
+    </dgm:linClrLst>
+    <dgm:effectClrLst/>
+    <dgm:txLinClrLst/>
+    <dgm:txFillClrLst meth="repeat">
+      <a:schemeClr val="dk1"/>
+    </dgm:txFillClrLst>
+    <dgm:txEffectClrLst/>
+  </dgm:styleLbl>
+  <dgm:styleLbl name="fgAcc0">
+    <dgm:fillClrLst meth="repeat">
+      <a:schemeClr val="lt1">
+        <a:alpha val="90000"/>
+      </a:schemeClr>
+    </dgm:fillClrLst>
+    <dgm:linClrLst>
+      <a:schemeClr val="accent1"/>
+    </dgm:linClrLst>
+    <dgm:effectClrLst/>
+    <dgm:txLinClrLst/>
+    <dgm:txFillClrLst meth="repeat">
+      <a:schemeClr val="dk1"/>
+    </dgm:txFillClrLst>
+    <dgm:txEffectClrLst/>
+  </dgm:styleLbl>
+  <dgm:styleLbl name="fgAcc2">
+    <dgm:fillClrLst meth="repeat">
+      <a:schemeClr val="lt1">
+        <a:alpha val="90000"/>
+      </a:schemeClr>
+    </dgm:fillClrLst>
+    <dgm:linClrLst>
+      <a:schemeClr val="accent2"/>
+    </dgm:linClrLst>
+    <dgm:effectClrLst/>
+    <dgm:txLinClrLst/>
+    <dgm:txFillClrLst meth="repeat">
+      <a:schemeClr val="dk1"/>
+    </dgm:txFillClrLst>
+    <dgm:txEffectClrLst/>
+  </dgm:styleLbl>
+  <dgm:styleLbl name="fgAcc3">
+    <dgm:fillClrLst meth="repeat">
+      <a:schemeClr val="lt1">
+        <a:alpha val="90000"/>
+      </a:schemeClr>
+    </dgm:fillClrLst>
+    <dgm:linClrLst>
+      <a:schemeClr val="accent3"/>
+    </dgm:linClrLst>
+    <dgm:effectClrLst/>
+    <dgm:txLinClrLst/>
+    <dgm:txFillClrLst meth="repeat">
+      <a:schemeClr val="dk1"/>
+    </dgm:txFillClrLst>
+    <dgm:txEffectClrLst/>
+  </dgm:styleLbl>
+  <dgm:styleLbl name="fgAcc4">
+    <dgm:fillClrLst meth="repeat">
+      <a:schemeClr val="lt1">
+        <a:alpha val="90000"/>
+      </a:schemeClr>
+    </dgm:fillClrLst>
+    <dgm:linClrLst>
+      <a:schemeClr val="accent4"/>
+    </dgm:linClrLst>
+    <dgm:effectClrLst/>
+    <dgm:txLinClrLst/>
+    <dgm:txFillClrLst meth="repeat">
+      <a:schemeClr val="dk1"/>
+    </dgm:txFillClrLst>
+    <dgm:txEffectClrLst/>
+  </dgm:styleLbl>
+  <dgm:styleLbl name="bgShp">
+    <dgm:fillClrLst meth="repeat">
+      <a:schemeClr val="bg1">
+        <a:lumMod val="95000"/>
+      </a:schemeClr>
+    </dgm:fillClrLst>
+    <dgm:linClrLst meth="repeat">
+      <a:schemeClr val="dk1"/>
+    </dgm:linClrLst>
+    <dgm:effectClrLst/>
+    <dgm:txLinClrLst/>
+    <dgm:txFillClrLst meth="repeat">
+      <a:schemeClr val="dk1"/>
+    </dgm:txFillClrLst>
+    <dgm:txEffectClrLst/>
+  </dgm:styleLbl>
+  <dgm:styleLbl name="dkBgShp">
+    <dgm:fillClrLst meth="repeat">
+      <a:schemeClr val="accent2">
+        <a:shade val="90000"/>
+      </a:schemeClr>
+    </dgm:fillClrLst>
+    <dgm:linClrLst meth="repeat">
+      <a:schemeClr val="dk1"/>
+    </dgm:linClrLst>
+    <dgm:effectClrLst/>
+    <dgm:txLinClrLst/>
+    <dgm:txFillClrLst meth="repeat">
+      <a:schemeClr val="lt1"/>
+    </dgm:txFillClrLst>
+    <dgm:txEffectClrLst/>
+  </dgm:styleLbl>
+  <dgm:styleLbl name="trBgShp">
+    <dgm:fillClrLst meth="repeat">
+      <a:schemeClr val="accent1">
+        <a:tint val="50000"/>
+        <a:alpha val="40000"/>
+      </a:schemeClr>
+    </dgm:fillClrLst>
+    <dgm:linClrLst meth="repeat">
+      <a:schemeClr val="accent2"/>
+    </dgm:linClrLst>
+    <dgm:effectClrLst/>
+    <dgm:txLinClrLst/>
+    <dgm:txFillClrLst meth="repeat">
+      <a:schemeClr val="lt1"/>
+    </dgm:txFillClrLst>
+    <dgm:txEffectClrLst/>
+  </dgm:styleLbl>
+  <dgm:styleLbl name="fgShp">
+    <dgm:fillClrLst meth="repeat">
+      <a:schemeClr val="accent2">
+        <a:tint val="40000"/>
+      </a:schemeClr>
+    </dgm:fillClrLst>
+    <dgm:linClrLst meth="repeat">
+      <a:schemeClr val="lt1"/>
+    </dgm:linClrLst>
+    <dgm:effectClrLst/>
+    <dgm:txLinClrLst/>
+    <dgm:txFillClrLst meth="repeat">
+      <a:schemeClr val="dk1"/>
+    </dgm:txFillClrLst>
+    <dgm:txEffectClrLst/>
+  </dgm:styleLbl>
+  <dgm:styleLbl name="revTx">
+    <dgm:fillClrLst meth="repeat">
+      <a:schemeClr val="lt1">
+        <a:alpha val="0"/>
+      </a:schemeClr>
+    </dgm:fillClrLst>
+    <dgm:linClrLst meth="repeat">
+      <a:schemeClr val="dk1">
+        <a:alpha val="0"/>
+      </a:schemeClr>
+    </dgm:linClrLst>
+    <dgm:effectClrLst/>
+    <dgm:txLinClrLst/>
+    <dgm:txFillClrLst meth="repeat">
+      <a:schemeClr val="tx1"/>
+    </dgm:txFillClrLst>
+    <dgm:txEffectClrLst/>
+  </dgm:styleLbl>
+</dgm:colorsDef>
+</file>
+
+<file path=ppt/diagrams/data1.xml><?xml version="1.0" encoding="utf-8"?>
+<dgm:dataModel xmlns:dgm="http://schemas.openxmlformats.org/drawingml/2006/diagram" xmlns:a="http://schemas.openxmlformats.org/drawingml/2006/main">
+  <dgm:ptLst>
+    <dgm:pt modelId="{F414C1C3-FDFD-40C8-A780-499961A33951}" type="doc">
+      <dgm:prSet loTypeId="urn:microsoft.com/office/officeart/2018/2/layout/IconVerticalSolidList" loCatId="icon" qsTypeId="urn:microsoft.com/office/officeart/2005/8/quickstyle/simple1" qsCatId="simple" csTypeId="urn:microsoft.com/office/officeart/2018/5/colors/Iconchunking_neutralbg_colorful1" csCatId="colorful" phldr="1"/>
+      <dgm:spPr/>
+      <dgm:t>
+        <a:bodyPr/>
+        <a:lstStyle/>
+        <a:p>
+          <a:endParaRPr lang="en-US"/>
+        </a:p>
+      </dgm:t>
+    </dgm:pt>
+    <dgm:pt modelId="{34C6671D-E30A-4FA2-9DB3-BB08199732FC}">
+      <dgm:prSet/>
+      <dgm:spPr/>
+      <dgm:t>
+        <a:bodyPr/>
+        <a:lstStyle/>
+        <a:p>
+          <a:r>
+            <a:rPr lang="en-US"/>
+            <a:t>Code Optimization</a:t>
+          </a:r>
+        </a:p>
+      </dgm:t>
+    </dgm:pt>
+    <dgm:pt modelId="{7BB138D4-3D32-4866-A375-1CDE91408F6A}" type="parTrans" cxnId="{857F2E63-505A-4CAF-8D30-8234AFBF61BE}">
+      <dgm:prSet/>
+      <dgm:spPr/>
+      <dgm:t>
+        <a:bodyPr/>
+        <a:lstStyle/>
+        <a:p>
+          <a:endParaRPr lang="en-US"/>
+        </a:p>
+      </dgm:t>
+    </dgm:pt>
+    <dgm:pt modelId="{FB5D306D-10AB-4EAC-B059-90C8182B1ACA}" type="sibTrans" cxnId="{857F2E63-505A-4CAF-8D30-8234AFBF61BE}">
+      <dgm:prSet/>
+      <dgm:spPr/>
+      <dgm:t>
+        <a:bodyPr/>
+        <a:lstStyle/>
+        <a:p>
+          <a:endParaRPr lang="en-US"/>
+        </a:p>
+      </dgm:t>
+    </dgm:pt>
+    <dgm:pt modelId="{29A67118-F275-4475-A223-F74842B4A61F}">
+      <dgm:prSet/>
+      <dgm:spPr/>
+      <dgm:t>
+        <a:bodyPr/>
+        <a:lstStyle/>
+        <a:p>
+          <a:r>
+            <a:rPr lang="en-US"/>
+            <a:t>Real Database</a:t>
+          </a:r>
+        </a:p>
+      </dgm:t>
+    </dgm:pt>
+    <dgm:pt modelId="{9D4D41D0-BFDC-4D36-A076-5FC34E4FEF41}" type="parTrans" cxnId="{92A3BB40-DF5C-4F40-AB2E-1BCFDC1C1D91}">
+      <dgm:prSet/>
+      <dgm:spPr/>
+      <dgm:t>
+        <a:bodyPr/>
+        <a:lstStyle/>
+        <a:p>
+          <a:endParaRPr lang="en-US"/>
+        </a:p>
+      </dgm:t>
+    </dgm:pt>
+    <dgm:pt modelId="{D4CFAA8B-99F7-4286-A0E5-E11A051B7EBE}" type="sibTrans" cxnId="{92A3BB40-DF5C-4F40-AB2E-1BCFDC1C1D91}">
+      <dgm:prSet/>
+      <dgm:spPr/>
+      <dgm:t>
+        <a:bodyPr/>
+        <a:lstStyle/>
+        <a:p>
+          <a:endParaRPr lang="en-US"/>
+        </a:p>
+      </dgm:t>
+    </dgm:pt>
+    <dgm:pt modelId="{4BFDB16A-487E-49B6-AA21-1180901A5091}">
+      <dgm:prSet/>
+      <dgm:spPr/>
+      <dgm:t>
+        <a:bodyPr/>
+        <a:lstStyle/>
+        <a:p>
+          <a:r>
+            <a:rPr lang="en-US"/>
+            <a:t>Make our team bigger</a:t>
+          </a:r>
+        </a:p>
+      </dgm:t>
+    </dgm:pt>
+    <dgm:pt modelId="{24DDC979-BAC2-4760-A702-202FA88B29B2}" type="parTrans" cxnId="{25066587-C5C7-4079-B7AF-7CCA2292F3EA}">
+      <dgm:prSet/>
+      <dgm:spPr/>
+      <dgm:t>
+        <a:bodyPr/>
+        <a:lstStyle/>
+        <a:p>
+          <a:endParaRPr lang="en-US"/>
+        </a:p>
+      </dgm:t>
+    </dgm:pt>
+    <dgm:pt modelId="{920E970A-00D8-4E76-BA90-18B6EE0F3483}" type="sibTrans" cxnId="{25066587-C5C7-4079-B7AF-7CCA2292F3EA}">
+      <dgm:prSet/>
+      <dgm:spPr/>
+      <dgm:t>
+        <a:bodyPr/>
+        <a:lstStyle/>
+        <a:p>
+          <a:endParaRPr lang="en-US"/>
+        </a:p>
+      </dgm:t>
+    </dgm:pt>
+    <dgm:pt modelId="{C746640E-F529-462C-BA77-53D096E71B48}" type="pres">
+      <dgm:prSet presAssocID="{F414C1C3-FDFD-40C8-A780-499961A33951}" presName="root" presStyleCnt="0">
+        <dgm:presLayoutVars>
+          <dgm:dir/>
+          <dgm:resizeHandles val="exact"/>
+        </dgm:presLayoutVars>
+      </dgm:prSet>
+      <dgm:spPr/>
+    </dgm:pt>
+    <dgm:pt modelId="{C641B58A-0E7C-4632-8324-E924753B6C1E}" type="pres">
+      <dgm:prSet presAssocID="{34C6671D-E30A-4FA2-9DB3-BB08199732FC}" presName="compNode" presStyleCnt="0"/>
+      <dgm:spPr/>
+    </dgm:pt>
+    <dgm:pt modelId="{353A893F-36BE-4A56-8B32-AE462857E9EB}" type="pres">
+      <dgm:prSet presAssocID="{34C6671D-E30A-4FA2-9DB3-BB08199732FC}" presName="bgRect" presStyleLbl="bgShp" presStyleIdx="0" presStyleCnt="3"/>
+      <dgm:spPr/>
+    </dgm:pt>
+    <dgm:pt modelId="{6FBF7C05-AF59-4B92-AAA6-3B48A81E419F}" type="pres">
+      <dgm:prSet presAssocID="{34C6671D-E30A-4FA2-9DB3-BB08199732FC}" presName="iconRect" presStyleLbl="node1" presStyleIdx="0" presStyleCnt="3"/>
+      <dgm:spPr>
+        <a:blipFill>
+          <a:blip xmlns:r="http://schemas.openxmlformats.org/officeDocument/2006/relationships" r:embed="rId1">
+            <a:extLst>
+              <a:ext uri="{28A0092B-C50C-407E-A947-70E740481C1C}">
+                <a14:useLocalDpi xmlns:a14="http://schemas.microsoft.com/office/drawing/2010/main" val="0"/>
+              </a:ext>
+              <a:ext uri="{96DAC541-7B7A-43D3-8B79-37D633B846F1}">
+                <asvg:svgBlip xmlns:asvg="http://schemas.microsoft.com/office/drawing/2016/SVG/main" r:embed="rId2"/>
+              </a:ext>
+            </a:extLst>
+          </a:blip>
+          <a:stretch>
+            <a:fillRect/>
+          </a:stretch>
+        </a:blipFill>
+        <a:ln>
+          <a:noFill/>
+        </a:ln>
+      </dgm:spPr>
+      <dgm:extLst>
+        <a:ext uri="{E40237B7-FDA0-4F09-8148-C483321AD2D9}">
+          <dgm14:cNvPr xmlns:dgm14="http://schemas.microsoft.com/office/drawing/2010/diagram" id="0" name="" descr="Gears"/>
+        </a:ext>
+      </dgm:extLst>
+    </dgm:pt>
+    <dgm:pt modelId="{415374A1-48BF-4A7C-8378-F7F5560633AE}" type="pres">
+      <dgm:prSet presAssocID="{34C6671D-E30A-4FA2-9DB3-BB08199732FC}" presName="spaceRect" presStyleCnt="0"/>
+      <dgm:spPr/>
+    </dgm:pt>
+    <dgm:pt modelId="{5A3BCD64-209E-4BD9-A8A1-D6258B107963}" type="pres">
+      <dgm:prSet presAssocID="{34C6671D-E30A-4FA2-9DB3-BB08199732FC}" presName="parTx" presStyleLbl="revTx" presStyleIdx="0" presStyleCnt="3">
+        <dgm:presLayoutVars>
+          <dgm:chMax val="0"/>
+          <dgm:chPref val="0"/>
+        </dgm:presLayoutVars>
+      </dgm:prSet>
+      <dgm:spPr/>
+    </dgm:pt>
+    <dgm:pt modelId="{8281D77B-1170-414D-8FE6-A143F206B26A}" type="pres">
+      <dgm:prSet presAssocID="{FB5D306D-10AB-4EAC-B059-90C8182B1ACA}" presName="sibTrans" presStyleCnt="0"/>
+      <dgm:spPr/>
+    </dgm:pt>
+    <dgm:pt modelId="{CD432C31-000E-4FEE-9B8E-1906D0742F6A}" type="pres">
+      <dgm:prSet presAssocID="{29A67118-F275-4475-A223-F74842B4A61F}" presName="compNode" presStyleCnt="0"/>
+      <dgm:spPr/>
+    </dgm:pt>
+    <dgm:pt modelId="{906D0A9B-8B96-4213-B1F4-7129CD9FF8D4}" type="pres">
+      <dgm:prSet presAssocID="{29A67118-F275-4475-A223-F74842B4A61F}" presName="bgRect" presStyleLbl="bgShp" presStyleIdx="1" presStyleCnt="3"/>
+      <dgm:spPr/>
+    </dgm:pt>
+    <dgm:pt modelId="{37DA8081-809E-47CB-A888-2D878262C3C0}" type="pres">
+      <dgm:prSet presAssocID="{29A67118-F275-4475-A223-F74842B4A61F}" presName="iconRect" presStyleLbl="node1" presStyleIdx="1" presStyleCnt="3"/>
+      <dgm:spPr>
+        <a:blipFill>
+          <a:blip xmlns:r="http://schemas.openxmlformats.org/officeDocument/2006/relationships" r:embed="rId3">
+            <a:extLst>
+              <a:ext uri="{28A0092B-C50C-407E-A947-70E740481C1C}">
+                <a14:useLocalDpi xmlns:a14="http://schemas.microsoft.com/office/drawing/2010/main" val="0"/>
+              </a:ext>
+              <a:ext uri="{96DAC541-7B7A-43D3-8B79-37D633B846F1}">
+                <asvg:svgBlip xmlns:asvg="http://schemas.microsoft.com/office/drawing/2016/SVG/main" r:embed="rId4"/>
+              </a:ext>
+            </a:extLst>
+          </a:blip>
+          <a:stretch>
+            <a:fillRect/>
+          </a:stretch>
+        </a:blipFill>
+        <a:ln>
+          <a:noFill/>
+        </a:ln>
+      </dgm:spPr>
+      <dgm:extLst>
+        <a:ext uri="{E40237B7-FDA0-4F09-8148-C483321AD2D9}">
+          <dgm14:cNvPr xmlns:dgm14="http://schemas.microsoft.com/office/drawing/2010/diagram" id="0" name="" descr="Database"/>
+        </a:ext>
+      </dgm:extLst>
+    </dgm:pt>
+    <dgm:pt modelId="{CBADE19C-F248-4CBC-9F6D-921C3B1688B3}" type="pres">
+      <dgm:prSet presAssocID="{29A67118-F275-4475-A223-F74842B4A61F}" presName="spaceRect" presStyleCnt="0"/>
+      <dgm:spPr/>
+    </dgm:pt>
+    <dgm:pt modelId="{D886E707-6EBC-41A1-A818-BA1F3549ED33}" type="pres">
+      <dgm:prSet presAssocID="{29A67118-F275-4475-A223-F74842B4A61F}" presName="parTx" presStyleLbl="revTx" presStyleIdx="1" presStyleCnt="3">
+        <dgm:presLayoutVars>
+          <dgm:chMax val="0"/>
+          <dgm:chPref val="0"/>
+        </dgm:presLayoutVars>
+      </dgm:prSet>
+      <dgm:spPr/>
+    </dgm:pt>
+    <dgm:pt modelId="{BA5CDEB3-D7A9-4A06-B9A8-F22581656C0C}" type="pres">
+      <dgm:prSet presAssocID="{D4CFAA8B-99F7-4286-A0E5-E11A051B7EBE}" presName="sibTrans" presStyleCnt="0"/>
+      <dgm:spPr/>
+    </dgm:pt>
+    <dgm:pt modelId="{1374D6E1-BB8C-4A94-BD91-C0322B0F6627}" type="pres">
+      <dgm:prSet presAssocID="{4BFDB16A-487E-49B6-AA21-1180901A5091}" presName="compNode" presStyleCnt="0"/>
+      <dgm:spPr/>
+    </dgm:pt>
+    <dgm:pt modelId="{7ED4574E-E660-48A7-8976-6659C3284096}" type="pres">
+      <dgm:prSet presAssocID="{4BFDB16A-487E-49B6-AA21-1180901A5091}" presName="bgRect" presStyleLbl="bgShp" presStyleIdx="2" presStyleCnt="3"/>
+      <dgm:spPr/>
+    </dgm:pt>
+    <dgm:pt modelId="{9BFDC75C-2612-4F1C-89B8-FC796D44FA31}" type="pres">
+      <dgm:prSet presAssocID="{4BFDB16A-487E-49B6-AA21-1180901A5091}" presName="iconRect" presStyleLbl="node1" presStyleIdx="2" presStyleCnt="3"/>
+      <dgm:spPr>
+        <a:blipFill>
+          <a:blip xmlns:r="http://schemas.openxmlformats.org/officeDocument/2006/relationships" r:embed="rId5">
+            <a:extLst>
+              <a:ext uri="{28A0092B-C50C-407E-A947-70E740481C1C}">
+                <a14:useLocalDpi xmlns:a14="http://schemas.microsoft.com/office/drawing/2010/main" val="0"/>
+              </a:ext>
+              <a:ext uri="{96DAC541-7B7A-43D3-8B79-37D633B846F1}">
+                <asvg:svgBlip xmlns:asvg="http://schemas.microsoft.com/office/drawing/2016/SVG/main" r:embed="rId6"/>
+              </a:ext>
+            </a:extLst>
+          </a:blip>
+          <a:stretch>
+            <a:fillRect/>
+          </a:stretch>
+        </a:blipFill>
+        <a:ln>
+          <a:noFill/>
+        </a:ln>
+      </dgm:spPr>
+      <dgm:extLst>
+        <a:ext uri="{E40237B7-FDA0-4F09-8148-C483321AD2D9}">
+          <dgm14:cNvPr xmlns:dgm14="http://schemas.microsoft.com/office/drawing/2010/diagram" id="0" name="" descr="Cheers"/>
+        </a:ext>
+      </dgm:extLst>
+    </dgm:pt>
+    <dgm:pt modelId="{BF058FFE-4CFA-45B8-84E0-DB02C51B96BD}" type="pres">
+      <dgm:prSet presAssocID="{4BFDB16A-487E-49B6-AA21-1180901A5091}" presName="spaceRect" presStyleCnt="0"/>
+      <dgm:spPr/>
+    </dgm:pt>
+    <dgm:pt modelId="{DBDC7400-C01C-4AD2-BFD9-553F1C06A785}" type="pres">
+      <dgm:prSet presAssocID="{4BFDB16A-487E-49B6-AA21-1180901A5091}" presName="parTx" presStyleLbl="revTx" presStyleIdx="2" presStyleCnt="3">
+        <dgm:presLayoutVars>
+          <dgm:chMax val="0"/>
+          <dgm:chPref val="0"/>
+        </dgm:presLayoutVars>
+      </dgm:prSet>
+      <dgm:spPr/>
+    </dgm:pt>
+  </dgm:ptLst>
+  <dgm:cxnLst>
+    <dgm:cxn modelId="{08C77E2A-474A-4669-9D18-E4E1BFFA8C8E}" type="presOf" srcId="{34C6671D-E30A-4FA2-9DB3-BB08199732FC}" destId="{5A3BCD64-209E-4BD9-A8A1-D6258B107963}" srcOrd="0" destOrd="0" presId="urn:microsoft.com/office/officeart/2018/2/layout/IconVerticalSolidList"/>
+    <dgm:cxn modelId="{92A3BB40-DF5C-4F40-AB2E-1BCFDC1C1D91}" srcId="{F414C1C3-FDFD-40C8-A780-499961A33951}" destId="{29A67118-F275-4475-A223-F74842B4A61F}" srcOrd="1" destOrd="0" parTransId="{9D4D41D0-BFDC-4D36-A076-5FC34E4FEF41}" sibTransId="{D4CFAA8B-99F7-4286-A0E5-E11A051B7EBE}"/>
+    <dgm:cxn modelId="{857F2E63-505A-4CAF-8D30-8234AFBF61BE}" srcId="{F414C1C3-FDFD-40C8-A780-499961A33951}" destId="{34C6671D-E30A-4FA2-9DB3-BB08199732FC}" srcOrd="0" destOrd="0" parTransId="{7BB138D4-3D32-4866-A375-1CDE91408F6A}" sibTransId="{FB5D306D-10AB-4EAC-B059-90C8182B1ACA}"/>
+    <dgm:cxn modelId="{460FDB49-C4BA-4135-AE69-31E4239A2C8A}" type="presOf" srcId="{4BFDB16A-487E-49B6-AA21-1180901A5091}" destId="{DBDC7400-C01C-4AD2-BFD9-553F1C06A785}" srcOrd="0" destOrd="0" presId="urn:microsoft.com/office/officeart/2018/2/layout/IconVerticalSolidList"/>
+    <dgm:cxn modelId="{25066587-C5C7-4079-B7AF-7CCA2292F3EA}" srcId="{F414C1C3-FDFD-40C8-A780-499961A33951}" destId="{4BFDB16A-487E-49B6-AA21-1180901A5091}" srcOrd="2" destOrd="0" parTransId="{24DDC979-BAC2-4760-A702-202FA88B29B2}" sibTransId="{920E970A-00D8-4E76-BA90-18B6EE0F3483}"/>
+    <dgm:cxn modelId="{28656BA3-0F15-4A89-9B36-8051127FBDCC}" type="presOf" srcId="{F414C1C3-FDFD-40C8-A780-499961A33951}" destId="{C746640E-F529-462C-BA77-53D096E71B48}" srcOrd="0" destOrd="0" presId="urn:microsoft.com/office/officeart/2018/2/layout/IconVerticalSolidList"/>
+    <dgm:cxn modelId="{F45A15C9-8DD7-4173-914D-A590771EA7A7}" type="presOf" srcId="{29A67118-F275-4475-A223-F74842B4A61F}" destId="{D886E707-6EBC-41A1-A818-BA1F3549ED33}" srcOrd="0" destOrd="0" presId="urn:microsoft.com/office/officeart/2018/2/layout/IconVerticalSolidList"/>
+    <dgm:cxn modelId="{7AEF6DF6-FFCB-4B3C-AD9C-EBEDB9751436}" type="presParOf" srcId="{C746640E-F529-462C-BA77-53D096E71B48}" destId="{C641B58A-0E7C-4632-8324-E924753B6C1E}" srcOrd="0" destOrd="0" presId="urn:microsoft.com/office/officeart/2018/2/layout/IconVerticalSolidList"/>
+    <dgm:cxn modelId="{896267A2-755F-48DD-B507-E90B3B970BE6}" type="presParOf" srcId="{C641B58A-0E7C-4632-8324-E924753B6C1E}" destId="{353A893F-36BE-4A56-8B32-AE462857E9EB}" srcOrd="0" destOrd="0" presId="urn:microsoft.com/office/officeart/2018/2/layout/IconVerticalSolidList"/>
+    <dgm:cxn modelId="{E5116139-804B-4372-9708-393F36A530A5}" type="presParOf" srcId="{C641B58A-0E7C-4632-8324-E924753B6C1E}" destId="{6FBF7C05-AF59-4B92-AAA6-3B48A81E419F}" srcOrd="1" destOrd="0" presId="urn:microsoft.com/office/officeart/2018/2/layout/IconVerticalSolidList"/>
+    <dgm:cxn modelId="{0861CDA5-1CAC-4F35-9228-08E31554D84C}" type="presParOf" srcId="{C641B58A-0E7C-4632-8324-E924753B6C1E}" destId="{415374A1-48BF-4A7C-8378-F7F5560633AE}" srcOrd="2" destOrd="0" presId="urn:microsoft.com/office/officeart/2018/2/layout/IconVerticalSolidList"/>
+    <dgm:cxn modelId="{630D5757-C86D-4DE7-AF34-7A5BED078EB9}" type="presParOf" srcId="{C641B58A-0E7C-4632-8324-E924753B6C1E}" destId="{5A3BCD64-209E-4BD9-A8A1-D6258B107963}" srcOrd="3" destOrd="0" presId="urn:microsoft.com/office/officeart/2018/2/layout/IconVerticalSolidList"/>
+    <dgm:cxn modelId="{A353F8D5-8507-430B-A252-3F0D2A13C7D0}" type="presParOf" srcId="{C746640E-F529-462C-BA77-53D096E71B48}" destId="{8281D77B-1170-414D-8FE6-A143F206B26A}" srcOrd="1" destOrd="0" presId="urn:microsoft.com/office/officeart/2018/2/layout/IconVerticalSolidList"/>
+    <dgm:cxn modelId="{56753C84-173F-41D0-8744-845DB0DDF612}" type="presParOf" srcId="{C746640E-F529-462C-BA77-53D096E71B48}" destId="{CD432C31-000E-4FEE-9B8E-1906D0742F6A}" srcOrd="2" destOrd="0" presId="urn:microsoft.com/office/officeart/2018/2/layout/IconVerticalSolidList"/>
+    <dgm:cxn modelId="{1DE28ABA-31A4-43AE-AC9A-9FB5ED2CE9A5}" type="presParOf" srcId="{CD432C31-000E-4FEE-9B8E-1906D0742F6A}" destId="{906D0A9B-8B96-4213-B1F4-7129CD9FF8D4}" srcOrd="0" destOrd="0" presId="urn:microsoft.com/office/officeart/2018/2/layout/IconVerticalSolidList"/>
+    <dgm:cxn modelId="{C6162D22-ADDA-41FB-9419-1042723BEE63}" type="presParOf" srcId="{CD432C31-000E-4FEE-9B8E-1906D0742F6A}" destId="{37DA8081-809E-47CB-A888-2D878262C3C0}" srcOrd="1" destOrd="0" presId="urn:microsoft.com/office/officeart/2018/2/layout/IconVerticalSolidList"/>
+    <dgm:cxn modelId="{C39FD63F-B9FB-4C3F-A116-26B5AFB59110}" type="presParOf" srcId="{CD432C31-000E-4FEE-9B8E-1906D0742F6A}" destId="{CBADE19C-F248-4CBC-9F6D-921C3B1688B3}" srcOrd="2" destOrd="0" presId="urn:microsoft.com/office/officeart/2018/2/layout/IconVerticalSolidList"/>
+    <dgm:cxn modelId="{20085119-994D-45E5-AA37-EEAAD6458C1D}" type="presParOf" srcId="{CD432C31-000E-4FEE-9B8E-1906D0742F6A}" destId="{D886E707-6EBC-41A1-A818-BA1F3549ED33}" srcOrd="3" destOrd="0" presId="urn:microsoft.com/office/officeart/2018/2/layout/IconVerticalSolidList"/>
+    <dgm:cxn modelId="{93B6A283-4C00-4E7E-B506-3B26FBEE3481}" type="presParOf" srcId="{C746640E-F529-462C-BA77-53D096E71B48}" destId="{BA5CDEB3-D7A9-4A06-B9A8-F22581656C0C}" srcOrd="3" destOrd="0" presId="urn:microsoft.com/office/officeart/2018/2/layout/IconVerticalSolidList"/>
+    <dgm:cxn modelId="{4F6B7475-D204-4B7D-9C0C-F754CE671C45}" type="presParOf" srcId="{C746640E-F529-462C-BA77-53D096E71B48}" destId="{1374D6E1-BB8C-4A94-BD91-C0322B0F6627}" srcOrd="4" destOrd="0" presId="urn:microsoft.com/office/officeart/2018/2/layout/IconVerticalSolidList"/>
+    <dgm:cxn modelId="{D44FFC66-8FD1-4525-B93C-5AF2BA765578}" type="presParOf" srcId="{1374D6E1-BB8C-4A94-BD91-C0322B0F6627}" destId="{7ED4574E-E660-48A7-8976-6659C3284096}" srcOrd="0" destOrd="0" presId="urn:microsoft.com/office/officeart/2018/2/layout/IconVerticalSolidList"/>
+    <dgm:cxn modelId="{429543B9-3423-49BA-BB11-81C300C35F60}" type="presParOf" srcId="{1374D6E1-BB8C-4A94-BD91-C0322B0F6627}" destId="{9BFDC75C-2612-4F1C-89B8-FC796D44FA31}" srcOrd="1" destOrd="0" presId="urn:microsoft.com/office/officeart/2018/2/layout/IconVerticalSolidList"/>
+    <dgm:cxn modelId="{EDA77037-6F33-4102-B820-4B686D19B8C6}" type="presParOf" srcId="{1374D6E1-BB8C-4A94-BD91-C0322B0F6627}" destId="{BF058FFE-4CFA-45B8-84E0-DB02C51B96BD}" srcOrd="2" destOrd="0" presId="urn:microsoft.com/office/officeart/2018/2/layout/IconVerticalSolidList"/>
+    <dgm:cxn modelId="{482A908F-3E5A-494F-904A-82687D239756}" type="presParOf" srcId="{1374D6E1-BB8C-4A94-BD91-C0322B0F6627}" destId="{DBDC7400-C01C-4AD2-BFD9-553F1C06A785}" srcOrd="3" destOrd="0" presId="urn:microsoft.com/office/officeart/2018/2/layout/IconVerticalSolidList"/>
+  </dgm:cxnLst>
+  <dgm:bg/>
+  <dgm:whole/>
+  <dgm:extLst>
+    <a:ext uri="http://schemas.microsoft.com/office/drawing/2008/diagram">
+      <dsp:dataModelExt xmlns:dsp="http://schemas.microsoft.com/office/drawing/2008/diagram" relId="rId6" minVer="http://schemas.openxmlformats.org/drawingml/2006/diagram"/>
+    </a:ext>
+  </dgm:extLst>
+</dgm:dataModel>
+</file>
+
+<file path=ppt/diagrams/drawing1.xml><?xml version="1.0" encoding="utf-8"?>
+<dsp:drawing xmlns:dgm="http://schemas.openxmlformats.org/drawingml/2006/diagram" xmlns:dsp="http://schemas.microsoft.com/office/drawing/2008/diagram" xmlns:a="http://schemas.openxmlformats.org/drawingml/2006/main">
+  <dsp:spTree>
+    <dsp:nvGrpSpPr>
+      <dsp:cNvPr id="0" name=""/>
+      <dsp:cNvGrpSpPr/>
+    </dsp:nvGrpSpPr>
+    <dsp:grpSpPr/>
+    <dsp:sp modelId="{353A893F-36BE-4A56-8B32-AE462857E9EB}">
+      <dsp:nvSpPr>
+        <dsp:cNvPr id="0" name=""/>
+        <dsp:cNvSpPr/>
+      </dsp:nvSpPr>
+      <dsp:spPr>
+        <a:xfrm>
+          <a:off x="0" y="718"/>
+          <a:ext cx="6513603" cy="1681139"/>
+        </a:xfrm>
+        <a:prstGeom prst="roundRect">
+          <a:avLst>
+            <a:gd name="adj" fmla="val 10000"/>
+          </a:avLst>
+        </a:prstGeom>
+        <a:solidFill>
+          <a:schemeClr val="bg1">
+            <a:lumMod val="95000"/>
+            <a:hueOff val="0"/>
+            <a:satOff val="0"/>
+            <a:lumOff val="0"/>
+            <a:alphaOff val="0"/>
+          </a:schemeClr>
+        </a:solidFill>
+        <a:ln>
+          <a:noFill/>
+        </a:ln>
+        <a:effectLst/>
+      </dsp:spPr>
+      <dsp:style>
+        <a:lnRef idx="0">
+          <a:scrgbClr r="0" g="0" b="0"/>
+        </a:lnRef>
+        <a:fillRef idx="1">
+          <a:scrgbClr r="0" g="0" b="0"/>
+        </a:fillRef>
+        <a:effectRef idx="0">
+          <a:scrgbClr r="0" g="0" b="0"/>
+        </a:effectRef>
+        <a:fontRef idx="minor"/>
+      </dsp:style>
+    </dsp:sp>
+    <dsp:sp modelId="{6FBF7C05-AF59-4B92-AAA6-3B48A81E419F}">
+      <dsp:nvSpPr>
+        <dsp:cNvPr id="0" name=""/>
+        <dsp:cNvSpPr/>
+      </dsp:nvSpPr>
+      <dsp:spPr>
+        <a:xfrm>
+          <a:off x="508544" y="378974"/>
+          <a:ext cx="924626" cy="924626"/>
+        </a:xfrm>
+        <a:prstGeom prst="rect">
+          <a:avLst/>
+        </a:prstGeom>
+        <a:blipFill>
+          <a:blip xmlns:r="http://schemas.openxmlformats.org/officeDocument/2006/relationships" r:embed="rId1">
+            <a:extLst>
+              <a:ext uri="{28A0092B-C50C-407E-A947-70E740481C1C}">
+                <a14:useLocalDpi xmlns:a14="http://schemas.microsoft.com/office/drawing/2010/main" val="0"/>
+              </a:ext>
+              <a:ext uri="{96DAC541-7B7A-43D3-8B79-37D633B846F1}">
+                <asvg:svgBlip xmlns:asvg="http://schemas.microsoft.com/office/drawing/2016/SVG/main" r:embed="rId2"/>
+              </a:ext>
+            </a:extLst>
+          </a:blip>
+          <a:stretch>
+            <a:fillRect/>
+          </a:stretch>
+        </a:blipFill>
+        <a:ln w="12700" cap="flat" cmpd="sng" algn="ctr">
+          <a:noFill/>
+          <a:prstDash val="solid"/>
+          <a:miter lim="800000"/>
+        </a:ln>
+        <a:effectLst/>
+      </dsp:spPr>
+      <dsp:style>
+        <a:lnRef idx="2">
+          <a:scrgbClr r="0" g="0" b="0"/>
+        </a:lnRef>
+        <a:fillRef idx="1">
+          <a:scrgbClr r="0" g="0" b="0"/>
+        </a:fillRef>
+        <a:effectRef idx="0">
+          <a:scrgbClr r="0" g="0" b="0"/>
+        </a:effectRef>
+        <a:fontRef idx="minor">
+          <a:schemeClr val="lt1"/>
+        </a:fontRef>
+      </dsp:style>
+    </dsp:sp>
+    <dsp:sp modelId="{5A3BCD64-209E-4BD9-A8A1-D6258B107963}">
+      <dsp:nvSpPr>
+        <dsp:cNvPr id="0" name=""/>
+        <dsp:cNvSpPr/>
+      </dsp:nvSpPr>
+      <dsp:spPr>
+        <a:xfrm>
+          <a:off x="1941716" y="718"/>
+          <a:ext cx="4571887" cy="1681139"/>
+        </a:xfrm>
+        <a:prstGeom prst="rect">
+          <a:avLst/>
+        </a:prstGeom>
+        <a:noFill/>
+        <a:ln>
+          <a:noFill/>
+        </a:ln>
+        <a:effectLst/>
+      </dsp:spPr>
+      <dsp:style>
+        <a:lnRef idx="0">
+          <a:scrgbClr r="0" g="0" b="0"/>
+        </a:lnRef>
+        <a:fillRef idx="0">
+          <a:scrgbClr r="0" g="0" b="0"/>
+        </a:fillRef>
+        <a:effectRef idx="0">
+          <a:scrgbClr r="0" g="0" b="0"/>
+        </a:effectRef>
+        <a:fontRef idx="minor"/>
+      </dsp:style>
+      <dsp:txBody>
+        <a:bodyPr spcFirstLastPara="0" vert="horz" wrap="square" lIns="177921" tIns="177921" rIns="177921" bIns="177921" numCol="1" spcCol="1270" anchor="ctr" anchorCtr="0">
+          <a:noAutofit/>
+        </a:bodyPr>
+        <a:lstStyle/>
+        <a:p>
+          <a:pPr marL="0" lvl="0" indent="0" algn="l" defTabSz="1111250">
+            <a:lnSpc>
+              <a:spcPct val="90000"/>
+            </a:lnSpc>
+            <a:spcBef>
+              <a:spcPct val="0"/>
+            </a:spcBef>
+            <a:spcAft>
+              <a:spcPct val="35000"/>
+            </a:spcAft>
+            <a:buNone/>
+          </a:pPr>
+          <a:r>
+            <a:rPr lang="en-US" sz="2500" kern="1200"/>
+            <a:t>Code Optimization</a:t>
+          </a:r>
+        </a:p>
+      </dsp:txBody>
+      <dsp:txXfrm>
+        <a:off x="1941716" y="718"/>
+        <a:ext cx="4571887" cy="1681139"/>
+      </dsp:txXfrm>
+    </dsp:sp>
+    <dsp:sp modelId="{906D0A9B-8B96-4213-B1F4-7129CD9FF8D4}">
+      <dsp:nvSpPr>
+        <dsp:cNvPr id="0" name=""/>
+        <dsp:cNvSpPr/>
+      </dsp:nvSpPr>
+      <dsp:spPr>
+        <a:xfrm>
+          <a:off x="0" y="2102143"/>
+          <a:ext cx="6513603" cy="1681139"/>
+        </a:xfrm>
+        <a:prstGeom prst="roundRect">
+          <a:avLst>
+            <a:gd name="adj" fmla="val 10000"/>
+          </a:avLst>
+        </a:prstGeom>
+        <a:solidFill>
+          <a:schemeClr val="bg1">
+            <a:lumMod val="95000"/>
+            <a:hueOff val="0"/>
+            <a:satOff val="0"/>
+            <a:lumOff val="0"/>
+            <a:alphaOff val="0"/>
+          </a:schemeClr>
+        </a:solidFill>
+        <a:ln>
+          <a:noFill/>
+        </a:ln>
+        <a:effectLst/>
+      </dsp:spPr>
+      <dsp:style>
+        <a:lnRef idx="0">
+          <a:scrgbClr r="0" g="0" b="0"/>
+        </a:lnRef>
+        <a:fillRef idx="1">
+          <a:scrgbClr r="0" g="0" b="0"/>
+        </a:fillRef>
+        <a:effectRef idx="0">
+          <a:scrgbClr r="0" g="0" b="0"/>
+        </a:effectRef>
+        <a:fontRef idx="minor"/>
+      </dsp:style>
+    </dsp:sp>
+    <dsp:sp modelId="{37DA8081-809E-47CB-A888-2D878262C3C0}">
+      <dsp:nvSpPr>
+        <dsp:cNvPr id="0" name=""/>
+        <dsp:cNvSpPr/>
+      </dsp:nvSpPr>
+      <dsp:spPr>
+        <a:xfrm>
+          <a:off x="508544" y="2480399"/>
+          <a:ext cx="924626" cy="924626"/>
+        </a:xfrm>
+        <a:prstGeom prst="rect">
+          <a:avLst/>
+        </a:prstGeom>
+        <a:blipFill>
+          <a:blip xmlns:r="http://schemas.openxmlformats.org/officeDocument/2006/relationships" r:embed="rId3">
+            <a:extLst>
+              <a:ext uri="{28A0092B-C50C-407E-A947-70E740481C1C}">
+                <a14:useLocalDpi xmlns:a14="http://schemas.microsoft.com/office/drawing/2010/main" val="0"/>
+              </a:ext>
+              <a:ext uri="{96DAC541-7B7A-43D3-8B79-37D633B846F1}">
+                <asvg:svgBlip xmlns:asvg="http://schemas.microsoft.com/office/drawing/2016/SVG/main" r:embed="rId4"/>
+              </a:ext>
+            </a:extLst>
+          </a:blip>
+          <a:stretch>
+            <a:fillRect/>
+          </a:stretch>
+        </a:blipFill>
+        <a:ln w="12700" cap="flat" cmpd="sng" algn="ctr">
+          <a:noFill/>
+          <a:prstDash val="solid"/>
+          <a:miter lim="800000"/>
+        </a:ln>
+        <a:effectLst/>
+      </dsp:spPr>
+      <dsp:style>
+        <a:lnRef idx="2">
+          <a:scrgbClr r="0" g="0" b="0"/>
+        </a:lnRef>
+        <a:fillRef idx="1">
+          <a:scrgbClr r="0" g="0" b="0"/>
+        </a:fillRef>
+        <a:effectRef idx="0">
+          <a:scrgbClr r="0" g="0" b="0"/>
+        </a:effectRef>
+        <a:fontRef idx="minor">
+          <a:schemeClr val="lt1"/>
+        </a:fontRef>
+      </dsp:style>
+    </dsp:sp>
+    <dsp:sp modelId="{D886E707-6EBC-41A1-A818-BA1F3549ED33}">
+      <dsp:nvSpPr>
+        <dsp:cNvPr id="0" name=""/>
+        <dsp:cNvSpPr/>
+      </dsp:nvSpPr>
+      <dsp:spPr>
+        <a:xfrm>
+          <a:off x="1941716" y="2102143"/>
+          <a:ext cx="4571887" cy="1681139"/>
+        </a:xfrm>
+        <a:prstGeom prst="rect">
+          <a:avLst/>
+        </a:prstGeom>
+        <a:noFill/>
+        <a:ln>
+          <a:noFill/>
+        </a:ln>
+        <a:effectLst/>
+      </dsp:spPr>
+      <dsp:style>
+        <a:lnRef idx="0">
+          <a:scrgbClr r="0" g="0" b="0"/>
+        </a:lnRef>
+        <a:fillRef idx="0">
+          <a:scrgbClr r="0" g="0" b="0"/>
+        </a:fillRef>
+        <a:effectRef idx="0">
+          <a:scrgbClr r="0" g="0" b="0"/>
+        </a:effectRef>
+        <a:fontRef idx="minor"/>
+      </dsp:style>
+      <dsp:txBody>
+        <a:bodyPr spcFirstLastPara="0" vert="horz" wrap="square" lIns="177921" tIns="177921" rIns="177921" bIns="177921" numCol="1" spcCol="1270" anchor="ctr" anchorCtr="0">
+          <a:noAutofit/>
+        </a:bodyPr>
+        <a:lstStyle/>
+        <a:p>
+          <a:pPr marL="0" lvl="0" indent="0" algn="l" defTabSz="1111250">
+            <a:lnSpc>
+              <a:spcPct val="90000"/>
+            </a:lnSpc>
+            <a:spcBef>
+              <a:spcPct val="0"/>
+            </a:spcBef>
+            <a:spcAft>
+              <a:spcPct val="35000"/>
+            </a:spcAft>
+            <a:buNone/>
+          </a:pPr>
+          <a:r>
+            <a:rPr lang="en-US" sz="2500" kern="1200"/>
+            <a:t>Real Database</a:t>
+          </a:r>
+        </a:p>
+      </dsp:txBody>
+      <dsp:txXfrm>
+        <a:off x="1941716" y="2102143"/>
+        <a:ext cx="4571887" cy="1681139"/>
+      </dsp:txXfrm>
+    </dsp:sp>
+    <dsp:sp modelId="{7ED4574E-E660-48A7-8976-6659C3284096}">
+      <dsp:nvSpPr>
+        <dsp:cNvPr id="0" name=""/>
+        <dsp:cNvSpPr/>
+      </dsp:nvSpPr>
+      <dsp:spPr>
+        <a:xfrm>
+          <a:off x="0" y="4203567"/>
+          <a:ext cx="6513603" cy="1681139"/>
+        </a:xfrm>
+        <a:prstGeom prst="roundRect">
+          <a:avLst>
+            <a:gd name="adj" fmla="val 10000"/>
+          </a:avLst>
+        </a:prstGeom>
+        <a:solidFill>
+          <a:schemeClr val="bg1">
+            <a:lumMod val="95000"/>
+            <a:hueOff val="0"/>
+            <a:satOff val="0"/>
+            <a:lumOff val="0"/>
+            <a:alphaOff val="0"/>
+          </a:schemeClr>
+        </a:solidFill>
+        <a:ln>
+          <a:noFill/>
+        </a:ln>
+        <a:effectLst/>
+      </dsp:spPr>
+      <dsp:style>
+        <a:lnRef idx="0">
+          <a:scrgbClr r="0" g="0" b="0"/>
+        </a:lnRef>
+        <a:fillRef idx="1">
+          <a:scrgbClr r="0" g="0" b="0"/>
+        </a:fillRef>
+        <a:effectRef idx="0">
+          <a:scrgbClr r="0" g="0" b="0"/>
+        </a:effectRef>
+        <a:fontRef idx="minor"/>
+      </dsp:style>
+    </dsp:sp>
+    <dsp:sp modelId="{9BFDC75C-2612-4F1C-89B8-FC796D44FA31}">
+      <dsp:nvSpPr>
+        <dsp:cNvPr id="0" name=""/>
+        <dsp:cNvSpPr/>
+      </dsp:nvSpPr>
+      <dsp:spPr>
+        <a:xfrm>
+          <a:off x="508544" y="4581824"/>
+          <a:ext cx="924626" cy="924626"/>
+        </a:xfrm>
+        <a:prstGeom prst="rect">
+          <a:avLst/>
+        </a:prstGeom>
+        <a:blipFill>
+          <a:blip xmlns:r="http://schemas.openxmlformats.org/officeDocument/2006/relationships" r:embed="rId5">
+            <a:extLst>
+              <a:ext uri="{28A0092B-C50C-407E-A947-70E740481C1C}">
+                <a14:useLocalDpi xmlns:a14="http://schemas.microsoft.com/office/drawing/2010/main" val="0"/>
+              </a:ext>
+              <a:ext uri="{96DAC541-7B7A-43D3-8B79-37D633B846F1}">
+                <asvg:svgBlip xmlns:asvg="http://schemas.microsoft.com/office/drawing/2016/SVG/main" r:embed="rId6"/>
+              </a:ext>
+            </a:extLst>
+          </a:blip>
+          <a:stretch>
+            <a:fillRect/>
+          </a:stretch>
+        </a:blipFill>
+        <a:ln w="12700" cap="flat" cmpd="sng" algn="ctr">
+          <a:noFill/>
+          <a:prstDash val="solid"/>
+          <a:miter lim="800000"/>
+        </a:ln>
+        <a:effectLst/>
+      </dsp:spPr>
+      <dsp:style>
+        <a:lnRef idx="2">
+          <a:scrgbClr r="0" g="0" b="0"/>
+        </a:lnRef>
+        <a:fillRef idx="1">
+          <a:scrgbClr r="0" g="0" b="0"/>
+        </a:fillRef>
+        <a:effectRef idx="0">
+          <a:scrgbClr r="0" g="0" b="0"/>
+        </a:effectRef>
+        <a:fontRef idx="minor">
+          <a:schemeClr val="lt1"/>
+        </a:fontRef>
+      </dsp:style>
+    </dsp:sp>
+    <dsp:sp modelId="{DBDC7400-C01C-4AD2-BFD9-553F1C06A785}">
+      <dsp:nvSpPr>
+        <dsp:cNvPr id="0" name=""/>
+        <dsp:cNvSpPr/>
+      </dsp:nvSpPr>
+      <dsp:spPr>
+        <a:xfrm>
+          <a:off x="1941716" y="4203567"/>
+          <a:ext cx="4571887" cy="1681139"/>
+        </a:xfrm>
+        <a:prstGeom prst="rect">
+          <a:avLst/>
+        </a:prstGeom>
+        <a:noFill/>
+        <a:ln>
+          <a:noFill/>
+        </a:ln>
+        <a:effectLst/>
+      </dsp:spPr>
+      <dsp:style>
+        <a:lnRef idx="0">
+          <a:scrgbClr r="0" g="0" b="0"/>
+        </a:lnRef>
+        <a:fillRef idx="0">
+          <a:scrgbClr r="0" g="0" b="0"/>
+        </a:fillRef>
+        <a:effectRef idx="0">
+          <a:scrgbClr r="0" g="0" b="0"/>
+        </a:effectRef>
+        <a:fontRef idx="minor"/>
+      </dsp:style>
+      <dsp:txBody>
+        <a:bodyPr spcFirstLastPara="0" vert="horz" wrap="square" lIns="177921" tIns="177921" rIns="177921" bIns="177921" numCol="1" spcCol="1270" anchor="ctr" anchorCtr="0">
+          <a:noAutofit/>
+        </a:bodyPr>
+        <a:lstStyle/>
+        <a:p>
+          <a:pPr marL="0" lvl="0" indent="0" algn="l" defTabSz="1111250">
+            <a:lnSpc>
+              <a:spcPct val="90000"/>
+            </a:lnSpc>
+            <a:spcBef>
+              <a:spcPct val="0"/>
+            </a:spcBef>
+            <a:spcAft>
+              <a:spcPct val="35000"/>
+            </a:spcAft>
+            <a:buNone/>
+          </a:pPr>
+          <a:r>
+            <a:rPr lang="en-US" sz="2500" kern="1200"/>
+            <a:t>Make our team bigger</a:t>
+          </a:r>
+        </a:p>
+      </dsp:txBody>
+      <dsp:txXfrm>
+        <a:off x="1941716" y="4203567"/>
+        <a:ext cx="4571887" cy="1681139"/>
+      </dsp:txXfrm>
+    </dsp:sp>
+  </dsp:spTree>
+</dsp:drawing>
+</file>
+
+<file path=ppt/diagrams/layout1.xml><?xml version="1.0" encoding="utf-8"?>
+<dgm:layoutDef xmlns:dgm="http://schemas.openxmlformats.org/drawingml/2006/diagram" xmlns:a="http://schemas.openxmlformats.org/drawingml/2006/main" uniqueId="urn:microsoft.com/office/officeart/2018/2/layout/IconVerticalSolidList">
+  <dgm:title val="Icon Vertical Solid List"/>
+  <dgm:desc val="Use to show a series of visuals from top to bottom with Level 1 or Level 1 and Level 2 text grouped in a shape. Works best with icons or small pictures with lengthier descriptions."/>
+  <dgm:catLst>
+    <dgm:cat type="icon" pri="500"/>
+  </dgm:catLst>
+  <dgm:sampData useDef="1">
+    <dgm:dataModel>
+      <dgm:ptLst/>
+      <dgm:bg/>
+      <dgm:whole/>
+    </dgm:dataModel>
+  </dgm:sampData>
+  <dgm:styleData useDef="1">
+    <dgm:dataModel>
+      <dgm:ptLst/>
+      <dgm:bg/>
+      <dgm:whole/>
+    </dgm:dataModel>
+  </dgm:styleData>
+  <dgm:clrData useDef="1">
+    <dgm:dataModel>
+      <dgm:ptLst/>
+      <dgm:bg/>
+      <dgm:whole/>
+    </dgm:dataModel>
+  </dgm:clrData>
+  <dgm:layoutNode name="root">
+    <dgm:varLst>
+      <dgm:dir/>
+      <dgm:resizeHandles val="exact"/>
+    </dgm:varLst>
+    <dgm:choose name="Name0">
+      <dgm:if name="Name1" axis="self" func="var" arg="dir" op="equ" val="norm">
+        <dgm:alg type="lin">
+          <dgm:param type="linDir" val="fromT"/>
+          <dgm:param type="nodeHorzAlign" val="l"/>
+        </dgm:alg>
+      </dgm:if>
+      <dgm:else name="Name2">
+        <dgm:alg type="lin">
+          <dgm:param type="linDir" val="fromT"/>
+          <dgm:param type="nodeHorzAlign" val="r"/>
+        </dgm:alg>
+      </dgm:else>
+    </dgm:choose>
+    <dgm:shape xmlns:r="http://schemas.openxmlformats.org/officeDocument/2006/relationships" r:blip="">
+      <dgm:adjLst/>
+    </dgm:shape>
+    <dgm:presOf/>
+    <dgm:choose name="Name3">
+      <dgm:if name="Name4" axis="ch" ptType="node" func="cnt" op="lte" val="3">
+        <dgm:constrLst>
+          <dgm:constr type="h" for="ch" forName="compNode" refType="h" fact="0.3"/>
+          <dgm:constr type="w" for="ch" forName="compNode" refType="w"/>
+          <dgm:constr type="h" for="ch" forName="sibTrans" refType="h" refFor="ch" refForName="compNode" fact="0.25"/>
+          <dgm:constr type="primFontSz" for="des" forName="parTx" val="25"/>
+          <dgm:constr type="primFontSz" for="des" forName="desTx" refType="primFontSz" refFor="des" refForName="parTx" op="lte" fact="0.75"/>
+          <dgm:constr type="h" for="des" forName="compNode" op="equ"/>
+          <dgm:constr type="h" for="des" forName="bgRect" op="equ"/>
+          <dgm:constr type="h" for="des" forName="iconRect" op="equ"/>
+          <dgm:constr type="w" for="des" forName="iconRect" op="equ"/>
+          <dgm:constr type="h" for="des" forName="spaceRect" op="equ"/>
+          <dgm:constr type="h" for="des" forName="parTx" op="equ"/>
+          <dgm:constr type="h" for="des" forName="desTx" op="equ"/>
+        </dgm:constrLst>
+      </dgm:if>
+      <dgm:if name="Name5" axis="ch" ptType="node" func="cnt" op="lte" val="4">
+        <dgm:constrLst>
+          <dgm:constr type="h" for="ch" forName="compNode" refType="h" fact="0.3"/>
+          <dgm:constr type="w" for="ch" forName="compNode" refType="w"/>
+          <dgm:constr type="h" for="ch" forName="sibTrans" refType="h" refFor="ch" refForName="compNode" fact="0.25"/>
+          <dgm:constr type="primFontSz" for="des" forName="parTx" val="22"/>
+          <dgm:constr type="primFontSz" for="des" forName="desTx" refType="primFontSz" refFor="des" refForName="parTx" op="lte" fact="0.75"/>
+          <dgm:constr type="h" for="des" forName="compNode" op="equ"/>
+          <dgm:constr type="h" for="des" forName="bgRect" op="equ"/>
+          <dgm:constr type="h" for="des" forName="iconRect" op="equ"/>
+          <dgm:constr type="w" for="des" forName="iconRect" op="equ"/>
+          <dgm:constr type="h" for="des" forName="spaceRect" op="equ"/>
+          <dgm:constr type="h" for="des" forName="parTx" op="equ"/>
+          <dgm:constr type="h" for="des" forName="desTx" op="equ"/>
+        </dgm:constrLst>
+      </dgm:if>
+      <dgm:if name="Name6" axis="ch" ptType="node" func="cnt" op="lte" val="6">
+        <dgm:constrLst>
+          <dgm:constr type="h" for="ch" forName="compNode" refType="h" fact="0.3"/>
+          <dgm:constr type="w" for="ch" forName="compNode" refType="w"/>
+          <dgm:constr type="h" for="ch" forName="sibTrans" refType="h" refFor="ch" refForName="compNode" fact="0.25"/>
+          <dgm:constr type="primFontSz" for="des" forName="parTx" val="19"/>
+          <dgm:constr type="primFontSz" for="des" forName="desTx" refType="primFontSz" refFor="des" refForName="parTx" op="lte" fact="0.75"/>
+          <dgm:constr type="h" for="des" forName="compNode" op="equ"/>
+          <dgm:constr type="h" for="des" forName="bgRect" op="equ"/>
+          <dgm:constr type="h" for="des" forName="iconRect" op="equ"/>
+          <dgm:constr type="w" for="des" forName="iconRect" op="equ"/>
+          <dgm:constr type="h" for="des" forName="spaceRect" op="equ"/>
+          <dgm:constr type="h" for="des" forName="parTx" op="equ"/>
+          <dgm:constr type="h" for="des" forName="desTx" op="equ"/>
+        </dgm:constrLst>
+      </dgm:if>
+      <dgm:else name="Name7">
+        <dgm:constrLst>
+          <dgm:constr type="h" for="ch" forName="compNode" refType="h" fact="0.3"/>
+          <dgm:constr type="w" for="ch" forName="compNode" refType="w"/>
+          <dgm:constr type="h" for="ch" forName="sibTrans" refType="h" refFor="ch" refForName="compNode" fact="0.25"/>
+          <dgm:constr type="primFontSz" for="des" forName="parTx" val="16"/>
+          <dgm:constr type="primFontSz" for="des" forName="desTx" refType="primFontSz" refFor="des" refForName="parTx" op="lte" fact="0.75"/>
+          <dgm:constr type="h" for="des" forName="compNode" op="equ"/>
+          <dgm:constr type="h" for="des" forName="bgRect" op="equ"/>
+          <dgm:constr type="h" for="des" forName="iconRect" op="equ"/>
+          <dgm:constr type="w" for="des" forName="iconRect" op="equ"/>
+          <dgm:constr type="h" for="des" forName="spaceRect" op="equ"/>
+          <dgm:constr type="h" for="des" forName="parTx" op="equ"/>
+          <dgm:constr type="h" for="des" forName="desTx" op="equ"/>
+        </dgm:constrLst>
+      </dgm:else>
+    </dgm:choose>
+    <dgm:ruleLst>
+      <dgm:rule type="h" for="ch" forName="compNode" val="0" fact="NaN" max="NaN"/>
+    </dgm:ruleLst>
+    <dgm:forEach name="Name8" axis="ch" ptType="node">
+      <dgm:layoutNode name="compNode">
+        <dgm:alg type="composite"/>
+        <dgm:shape xmlns:r="http://schemas.openxmlformats.org/officeDocument/2006/relationships" r:blip="">
+          <dgm:adjLst/>
+        </dgm:shape>
+        <dgm:presOf axis="self"/>
+        <dgm:choose name="Name9">
+          <dgm:if name="Name10" axis="ch" ptType="node" func="cnt" op="gte" val="1">
+            <dgm:constrLst>
+              <dgm:constr type="w" for="ch" forName="bgRect" refType="w"/>
+              <dgm:constr type="h" for="ch" forName="bgRect" refType="h"/>
+              <dgm:constr type="l" for="ch" forName="bgRect"/>
+              <dgm:constr type="t" for="ch" forName="bgRect"/>
+              <dgm:constr type="h" for="ch" forName="iconRect" refType="h" fact="0.55"/>
+              <dgm:constr type="w" for="ch" forName="iconRect" refType="h" refFor="ch" refForName="iconRect"/>
+              <dgm:constr type="l" for="ch" forName="iconRect" refType="h" refFor="ch" refForName="iconRect" fact="0.55"/>
+              <dgm:constr type="ctrY" for="ch" forName="iconRect" refType="ctrY" refFor="ch" refForName="bgRect"/>
+              <dgm:constr type="w" for="ch" forName="spaceRect" refType="l" refFor="ch" refForName="iconRect"/>
+              <dgm:constr type="h" for="ch" forName="spaceRect" refType="h"/>
+              <dgm:constr type="l" for="ch" forName="spaceRect" refType="r" refFor="ch" refForName="iconRect"/>
+              <dgm:constr type="t" for="ch" forName="spaceRect"/>
+              <dgm:constr type="w" for="ch" forName="parTx" refType="w" fact="0.45"/>
+              <dgm:constr type="h" for="ch" forName="parTx" refType="h"/>
+              <dgm:constr type="l" for="ch" forName="parTx" refType="r" refFor="ch" refForName="spaceRect"/>
+              <dgm:constr type="t" for="ch" forName="parTx"/>
+              <dgm:constr type="h" for="ch" forName="desTx" refType="h"/>
+              <dgm:constr type="l" for="ch" forName="desTx" refType="r" refFor="ch" refForName="parTx"/>
+              <dgm:constr type="t" for="ch" forName="desTx"/>
+            </dgm:constrLst>
+          </dgm:if>
+          <dgm:else name="Name11">
+            <dgm:constrLst>
+              <dgm:constr type="w" for="ch" forName="bgRect" refType="w"/>
+              <dgm:constr type="h" for="ch" forName="bgRect" refType="h"/>
+              <dgm:constr type="l" for="ch" forName="bgRect"/>
+              <dgm:constr type="t" for="ch" forName="bgRect"/>
+              <dgm:constr type="h" for="ch" forName="iconRect" refType="h" fact="0.55"/>
+              <dgm:constr type="w" for="ch" forName="iconRect" refType="h" refFor="ch" refForName="iconRect"/>
+              <dgm:constr type="l" for="ch" forName="iconRect" refType="h" refFor="ch" refForName="iconRect" fact="0.55"/>
+              <dgm:constr type="ctrY" for="ch" forName="iconRect" refType="ctrY" refFor="ch" refForName="bgRect"/>
+              <dgm:constr type="w" for="ch" forName="spaceRect" refType="l" refFor="ch" refForName="iconRect"/>
+              <dgm:constr type="h" for="ch" forName="spaceRect" refType="h"/>
+              <dgm:constr type="l" for="ch" forName="spaceRect" refType="r" refFor="ch" refForName="iconRect"/>
+              <dgm:constr type="t" for="ch" forName="spaceRect"/>
+              <dgm:constr type="h" for="ch" forName="parTx" refType="h"/>
+              <dgm:constr type="l" for="ch" forName="parTx" refType="r" refFor="ch" refForName="spaceRect"/>
+              <dgm:constr type="t" for="ch" forName="parTx"/>
+            </dgm:constrLst>
+          </dgm:else>
+        </dgm:choose>
+        <dgm:ruleLst>
+          <dgm:rule type="h" val="INF" fact="NaN" max="NaN"/>
+        </dgm:ruleLst>
+        <dgm:layoutNode name="bgRect" styleLbl="bgShp">
+          <dgm:alg type="sp"/>
+          <dgm:shape xmlns:r="http://schemas.openxmlformats.org/officeDocument/2006/relationships" type="roundRect" r:blip="">
+            <dgm:adjLst>
+              <dgm:adj idx="1" val="0.1"/>
+            </dgm:adjLst>
+          </dgm:shape>
+          <dgm:presOf/>
+          <dgm:constrLst/>
+          <dgm:ruleLst/>
+        </dgm:layoutNode>
+        <dgm:layoutNode name="iconRect" styleLbl="node1">
+          <dgm:alg type="sp"/>
+          <dgm:shape xmlns:r="http://schemas.openxmlformats.org/officeDocument/2006/relationships" type="rect" r:blip="" blipPhldr="1">
+            <dgm:adjLst/>
+          </dgm:shape>
+          <dgm:presOf/>
+          <dgm:constrLst/>
+          <dgm:ruleLst/>
+        </dgm:layoutNode>
+        <dgm:layoutNode name="spaceRect">
+          <dgm:alg type="sp"/>
+          <dgm:shape xmlns:r="http://schemas.openxmlformats.org/officeDocument/2006/relationships" r:blip="">
+            <dgm:adjLst/>
+          </dgm:shape>
+          <dgm:presOf/>
+          <dgm:constrLst/>
+          <dgm:ruleLst/>
+        </dgm:layoutNode>
+        <dgm:layoutNode name="parTx" styleLbl="revTx">
+          <dgm:varLst>
+            <dgm:chMax val="0"/>
+            <dgm:chPref val="0"/>
+          </dgm:varLst>
+          <dgm:alg type="tx">
+            <dgm:param type="txAnchorVert" val="mid"/>
+            <dgm:param type="parTxLTRAlign" val="l"/>
+            <dgm:param type="shpTxLTRAlignCh" val="l"/>
+            <dgm:param type="parTxRTLAlign" val="r"/>
+            <dgm:param type="shpTxRTLAlignCh" val="r"/>
+          </dgm:alg>
+          <dgm:shape xmlns:r="http://schemas.openxmlformats.org/officeDocument/2006/relationships" type="rect" r:blip="">
+            <dgm:adjLst/>
+          </dgm:shape>
+          <dgm:presOf axis="self" ptType="node"/>
+          <dgm:constrLst>
+            <dgm:constr type="lMarg" refType="h" fact="0.3"/>
+            <dgm:constr type="rMarg" refType="h" fact="0.3"/>
+            <dgm:constr type="tMarg" refType="h" fact="0.3"/>
+            <dgm:constr type="bMarg" refType="h" fact="0.3"/>
+          </dgm:constrLst>
+          <dgm:ruleLst>
+            <dgm:rule type="primFontSz" val="14" fact="NaN" max="NaN"/>
+            <dgm:rule type="h" val="INF" fact="NaN" max="NaN"/>
+          </dgm:ruleLst>
+        </dgm:layoutNode>
+        <dgm:choose name="Name12">
+          <dgm:if name="Name13" axis="ch" ptType="node" func="cnt" op="gte" val="1">
+            <dgm:layoutNode name="desTx" styleLbl="revTx">
+              <dgm:varLst/>
+              <dgm:alg type="tx">
+                <dgm:param type="txAnchorVertCh" val="mid"/>
+                <dgm:param type="parTxLTRAlign" val="l"/>
+                <dgm:param type="shpTxLTRAlignCh" val="l"/>
+                <dgm:param type="parTxRTLAlign" val="r"/>
+                <dgm:param type="shpTxRTLAlignCh" val="r"/>
+                <dgm:param type="stBulletLvl" val="0"/>
+              </dgm:alg>
+              <dgm:shape xmlns:r="http://schemas.openxmlformats.org/officeDocument/2006/relationships" type="rect" r:blip="">
+                <dgm:adjLst/>
+              </dgm:shape>
+              <dgm:presOf axis="des" ptType="node"/>
+              <dgm:constrLst>
+                <dgm:constr type="primFontSz" val="18"/>
+                <dgm:constr type="secFontSz" refType="primFontSz"/>
+                <dgm:constr type="lMarg" refType="h" fact="0.3"/>
+                <dgm:constr type="rMarg" refType="h" fact="0.3"/>
+                <dgm:constr type="tMarg" refType="h" fact="0.3"/>
+                <dgm:constr type="bMarg" refType="h" fact="0.3"/>
+              </dgm:constrLst>
+              <dgm:ruleLst>
+                <dgm:rule type="primFontSz" val="11" fact="NaN" max="NaN"/>
+              </dgm:ruleLst>
+            </dgm:layoutNode>
+          </dgm:if>
+          <dgm:else name="Name14"/>
+        </dgm:choose>
+      </dgm:layoutNode>
+      <dgm:forEach name="Name15" axis="followSib" ptType="sibTrans" cnt="1">
+        <dgm:layoutNode name="sibTrans">
+          <dgm:alg type="sp"/>
+          <dgm:shape xmlns:r="http://schemas.openxmlformats.org/officeDocument/2006/relationships" r:blip="">
+            <dgm:adjLst/>
+          </dgm:shape>
+          <dgm:presOf axis="self"/>
+          <dgm:constrLst/>
+          <dgm:ruleLst/>
+        </dgm:layoutNode>
+      </dgm:forEach>
+    </dgm:forEach>
+  </dgm:layoutNode>
+  <dgm:extLst>
+    <a:ext uri="{68A01E43-0DF5-4B5B-8FA6-DAF915123BFB}">
+      <dgm1612:lstStyle xmlns:dgm1612="http://schemas.microsoft.com/office/drawing/2016/12/diagram">
+        <a:lvl1pPr>
+          <a:lnSpc>
+            <a:spcPct val="100000"/>
+          </a:lnSpc>
+        </a:lvl1pPr>
+        <a:lvl2pPr>
+          <a:lnSpc>
+            <a:spcPct val="100000"/>
+          </a:lnSpc>
+        </a:lvl2pPr>
+      </dgm1612:lstStyle>
+    </a:ext>
+  </dgm:extLst>
+</dgm:layoutDef>
+</file>
+
+<file path=ppt/diagrams/quickStyle1.xml><?xml version="1.0" encoding="utf-8"?>
+<dgm:styleDef xmlns:dgm="http://schemas.openxmlformats.org/drawingml/2006/diagram" xmlns:a="http://schemas.openxmlformats.org/drawingml/2006/main" uniqueId="urn:microsoft.com/office/officeart/2005/8/quickstyle/simple1">
+  <dgm:title val=""/>
+  <dgm:desc val=""/>
+  <dgm:catLst>
+    <dgm:cat type="simple" pri="10100"/>
+  </dgm:catLst>
+  <dgm:scene3d>
+    <a:camera prst="orthographicFront"/>
+    <a:lightRig rig="threePt" dir="t"/>
+  </dgm:scene3d>
+  <dgm:styleLbl name="node0">
+    <dgm:scene3d>
+      <a:camera prst="orthographicFront"/>
+      <a:lightRig rig="threePt" dir="t"/>
+    </dgm:scene3d>
+    <dgm:sp3d/>
+    <dgm:txPr/>
+    <dgm:style>
+      <a:lnRef idx="2">
+        <a:scrgbClr r="0" g="0" b="0"/>
+      </a:lnRef>
+      <a:fillRef idx="1">
+        <a:scrgbClr r="0" g="0" b="0"/>
+      </a:fillRef>
+      <a:effectRef idx="0">
+        <a:scrgbClr r="0" g="0" b="0"/>
+      </a:effectRef>
+      <a:fontRef idx="minor">
+        <a:schemeClr val="lt1"/>
+      </a:fontRef>
+    </dgm:style>
+  </dgm:styleLbl>
+  <dgm:styleLbl name="lnNode1">
+    <dgm:scene3d>
+      <a:camera prst="orthographicFront"/>
+      <a:lightRig rig="threePt" dir="t"/>
+    </dgm:scene3d>
+    <dgm:sp3d/>
+    <dgm:txPr/>
+    <dgm:style>
+      <a:lnRef idx="2">
+        <a:scrgbClr r="0" g="0" b="0"/>
+      </a:lnRef>
+      <a:fillRef idx="1">
+        <a:scrgbClr r="0" g="0" b="0"/>
+      </a:fillRef>
+      <a:effectRef idx="0">
+        <a:scrgbClr r="0" g="0" b="0"/>
+      </a:effectRef>
+      <a:fontRef idx="minor">
+        <a:schemeClr val="lt1"/>
+      </a:fontRef>
+    </dgm:style>
+  </dgm:styleLbl>
+  <dgm:styleLbl name="vennNode1">
+    <dgm:scene3d>
+      <a:camera prst="orthographicFront"/>
+      <a:lightRig rig="threePt" dir="t"/>
+    </dgm:scene3d>
+    <dgm:sp3d/>
+    <dgm:txPr/>
+    <dgm:style>
+      <a:lnRef idx="2">
+        <a:scrgbClr r="0" g="0" b="0"/>
+      </a:lnRef>
+      <a:fillRef idx="1">
+        <a:scrgbClr r="0" g="0" b="0"/>
+      </a:fillRef>
+      <a:effectRef idx="0">
+        <a:scrgbClr r="0" g="0" b="0"/>
+      </a:effectRef>
+      <a:fontRef idx="minor">
+        <a:schemeClr val="tx1"/>
+      </a:fontRef>
+    </dgm:style>
+  </dgm:styleLbl>
+  <dgm:styleLbl name="alignNode1">
+    <dgm:scene3d>
+      <a:camera prst="orthographicFront"/>
+      <a:lightRig rig="threePt" dir="t"/>
+    </dgm:scene3d>
+    <dgm:sp3d/>
+    <dgm:txPr/>
+    <dgm:style>
+      <a:lnRef idx="2">
+        <a:scrgbClr r="0" g="0" b="0"/>
+      </a:lnRef>
+      <a:fillRef idx="1">
+        <a:scrgbClr r="0" g="0" b="0"/>
+      </a:fillRef>
+      <a:effectRef idx="0">
+        <a:scrgbClr r="0" g="0" b="0"/>
+      </a:effectRef>
+      <a:fontRef idx="minor">
+        <a:schemeClr val="lt1"/>
+      </a:fontRef>
+    </dgm:style>
+  </dgm:styleLbl>
+  <dgm:styleLbl name="node1">
+    <dgm:scene3d>
+      <a:camera prst="orthographicFront"/>
+      <a:lightRig rig="threePt" dir="t"/>
+    </dgm:scene3d>
+    <dgm:sp3d/>
+    <dgm:txPr/>
+    <dgm:style>
+      <a:lnRef idx="2">
+        <a:scrgbClr r="0" g="0" b="0"/>
+      </a:lnRef>
+      <a:fillRef idx="1">
+        <a:scrgbClr r="0" g="0" b="0"/>
+      </a:fillRef>
+      <a:effectRef idx="0">
+        <a:scrgbClr r="0" g="0" b="0"/>
+      </a:effectRef>
+      <a:fontRef idx="minor">
+        <a:schemeClr val="lt1"/>
+      </a:fontRef>
+    </dgm:style>
+  </dgm:styleLbl>
+  <dgm:styleLbl name="node2">
+    <dgm:scene3d>
+      <a:camera prst="orthographicFront"/>
+      <a:lightRig rig="threePt" dir="t"/>
+    </dgm:scene3d>
+    <dgm:sp3d/>
+    <dgm:txPr/>
+    <dgm:style>
+      <a:lnRef idx="2">
+        <a:scrgbClr r="0" g="0" b="0"/>
+      </a:lnRef>
+      <a:fillRef idx="1">
+        <a:scrgbClr r="0" g="0" b="0"/>
+      </a:fillRef>
+      <a:effectRef idx="0">
+        <a:scrgbClr r="0" g="0" b="0"/>
+      </a:effectRef>
+      <a:fontRef idx="minor">
+        <a:schemeClr val="lt1"/>
+      </a:fontRef>
+    </dgm:style>
+  </dgm:styleLbl>
+  <dgm:styleLbl name="node3">
+    <dgm:scene3d>
+      <a:camera prst="orthographicFront"/>
+      <a:lightRig rig="threePt" dir="t"/>
+    </dgm:scene3d>
+    <dgm:sp3d/>
+    <dgm:txPr/>
+    <dgm:style>
+      <a:lnRef idx="2">
+        <a:scrgbClr r="0" g="0" b="0"/>
+      </a:lnRef>
+      <a:fillRef idx="1">
+        <a:scrgbClr r="0" g="0" b="0"/>
+      </a:fillRef>
+      <a:effectRef idx="0">
+        <a:scrgbClr r="0" g="0" b="0"/>
+      </a:effectRef>
+      <a:fontRef idx="minor">
+        <a:schemeClr val="lt1"/>
+      </a:fontRef>
+    </dgm:style>
+  </dgm:styleLbl>
+  <dgm:styleLbl name="node4">
+    <dgm:scene3d>
+      <a:camera prst="orthographicFront"/>
+      <a:lightRig rig="threePt" dir="t"/>
+    </dgm:scene3d>
+    <dgm:sp3d/>
+    <dgm:txPr/>
+    <dgm:style>
+      <a:lnRef idx="2">
+        <a:scrgbClr r="0" g="0" b="0"/>
+      </a:lnRef>
+      <a:fillRef idx="1">
+        <a:scrgbClr r="0" g="0" b="0"/>
+      </a:fillRef>
+      <a:effectRef idx="0">
+        <a:scrgbClr r="0" g="0" b="0"/>
+      </a:effectRef>
+      <a:fontRef idx="minor">
+        <a:schemeClr val="lt1"/>
+      </a:fontRef>
+    </dgm:style>
+  </dgm:styleLbl>
+  <dgm:styleLbl name="fgImgPlace1">
+    <dgm:scene3d>
+      <a:camera prst="orthographicFront"/>
+      <a:lightRig rig="threePt" dir="t"/>
+    </dgm:scene3d>
+    <dgm:sp3d/>
+    <dgm:txPr/>
+    <dgm:style>
+      <a:lnRef idx="2">
+        <a:scrgbClr r="0" g="0" b="0"/>
+      </a:lnRef>
+      <a:fillRef idx="1">
+        <a:scrgbClr r="0" g="0" b="0"/>
+      </a:fillRef>
+      <a:effectRef idx="0">
+        <a:scrgbClr r="0" g="0" b="0"/>
+      </a:effectRef>
+      <a:fontRef idx="minor"/>
+    </dgm:style>
+  </dgm:styleLbl>
+  <dgm:styleLbl name="alignImgPlace1">
+    <dgm:scene3d>
+      <a:camera prst="orthographicFront"/>
+      <a:lightRig rig="threePt" dir="t"/>
+    </dgm:scene3d>
+    <dgm:sp3d/>
+    <dgm:txPr/>
+    <dgm:style>
+      <a:lnRef idx="2">
+        <a:scrgbClr r="0" g="0" b="0"/>
+      </a:lnRef>
+      <a:fillRef idx="1">
+        <a:scrgbClr r="0" g="0" b="0"/>
+      </a:fillRef>
+      <a:effectRef idx="0">
+        <a:scrgbClr r="0" g="0" b="0"/>
+      </a:effectRef>
+      <a:fontRef idx="minor"/>
+    </dgm:style>
+  </dgm:styleLbl>
+  <dgm:styleLbl name="bgImgPlace1">
+    <dgm:scene3d>
+      <a:camera prst="orthographicFront"/>
+      <a:lightRig rig="threePt" dir="t"/>
+    </dgm:scene3d>
+    <dgm:sp3d/>
+    <dgm:txPr/>
+    <dgm:style>
+      <a:lnRef idx="2">
+        <a:scrgbClr r="0" g="0" b="0"/>
+      </a:lnRef>
+      <a:fillRef idx="1">
+        <a:scrgbClr r="0" g="0" b="0"/>
+      </a:fillRef>
+      <a:effectRef idx="0">
+        <a:scrgbClr r="0" g="0" b="0"/>
+      </a:effectRef>
+      <a:fontRef idx="minor"/>
+    </dgm:style>
+  </dgm:styleLbl>
+  <dgm:styleLbl name="sibTrans2D1">
+    <dgm:scene3d>
+      <a:camera prst="orthographicFront"/>
+      <a:lightRig rig="threePt" dir="t"/>
+    </dgm:scene3d>
+    <dgm:sp3d/>
+    <dgm:txPr/>
+    <dgm:style>
+      <a:lnRef idx="0">
+        <a:scrgbClr r="0" g="0" b="0"/>
+      </a:lnRef>
+      <a:fillRef idx="1">
+        <a:scrgbClr r="0" g="0" b="0"/>
+      </a:fillRef>
+      <a:effectRef idx="0">
+        <a:scrgbClr r="0" g="0" b="0"/>
+      </a:effectRef>
+      <a:fontRef idx="minor">
+        <a:schemeClr val="lt1"/>
+      </a:fontRef>
+    </dgm:style>
+  </dgm:styleLbl>
+  <dgm:styleLbl name="fgSibTrans2D1">
+    <dgm:scene3d>
+      <a:camera prst="orthographicFront"/>
+      <a:lightRig rig="threePt" dir="t"/>
+    </dgm:scene3d>
+    <dgm:sp3d/>
+    <dgm:txPr/>
+    <dgm:style>
+      <a:lnRef idx="0">
+        <a:scrgbClr r="0" g="0" b="0"/>
+      </a:lnRef>
+      <a:fillRef idx="1">
+        <a:scrgbClr r="0" g="0" b="0"/>
+      </a:fillRef>
+      <a:effectRef idx="0">
+        <a:scrgbClr r="0" g="0" b="0"/>
+      </a:effectRef>
+      <a:fontRef idx="minor">
+        <a:schemeClr val="lt1"/>
+      </a:fontRef>
+    </dgm:style>
+  </dgm:styleLbl>
+  <dgm:styleLbl name="bgSibTrans2D1">
+    <dgm:scene3d>
+      <a:camera prst="orthographicFront"/>
+      <a:lightRig rig="threePt" dir="t"/>
+    </dgm:scene3d>
+    <dgm:sp3d/>
+    <dgm:txPr/>
+    <dgm:style>
+      <a:lnRef idx="0">
+        <a:scrgbClr r="0" g="0" b="0"/>
+      </a:lnRef>
+      <a:fillRef idx="1">
+        <a:scrgbClr r="0" g="0" b="0"/>
+      </a:fillRef>
+      <a:effectRef idx="0">
+        <a:scrgbClr r="0" g="0" b="0"/>
+      </a:effectRef>
+      <a:fontRef idx="minor">
+        <a:schemeClr val="lt1"/>
+      </a:fontRef>
+    </dgm:style>
+  </dgm:styleLbl>
+  <dgm:styleLbl name="sibTrans1D1">
+    <dgm:scene3d>
+      <a:camera prst="orthographicFront"/>
+      <a:lightRig rig="threePt" dir="t"/>
+    </dgm:scene3d>
+    <dgm:sp3d/>
+    <dgm:txPr/>
+    <dgm:style>
+      <a:lnRef idx="1">
+        <a:scrgbClr r="0" g="0" b="0"/>
+      </a:lnRef>
+      <a:fillRef idx="0">
+        <a:scrgbClr r="0" g="0" b="0"/>
+      </a:fillRef>
+      <a:effectRef idx="0">
+        <a:scrgbClr r="0" g="0" b="0"/>
+      </a:effectRef>
+      <a:fontRef idx="minor"/>
+    </dgm:style>
+  </dgm:styleLbl>
+  <dgm:styleLbl name="callout">
+    <dgm:scene3d>
+      <a:camera prst="orthographicFront"/>
+      <a:lightRig rig="threePt" dir="t"/>
+    </dgm:scene3d>
+    <dgm:sp3d/>
+    <dgm:txPr/>
+    <dgm:style>
+      <a:lnRef idx="2">
+        <a:scrgbClr r="0" g="0" b="0"/>
+      </a:lnRef>
+      <a:fillRef idx="1">
+        <a:scrgbClr r="0" g="0" b="0"/>
+      </a:fillRef>
+      <a:effectRef idx="0">
+        <a:scrgbClr r="0" g="0" b="0"/>
+      </a:effectRef>
+      <a:fontRef idx="minor"/>
+    </dgm:style>
+  </dgm:styleLbl>
+  <dgm:styleLbl name="asst0">
+    <dgm:scene3d>
+      <a:camera prst="orthographicFront"/>
+      <a:lightRig rig="threePt" dir="t"/>
+    </dgm:scene3d>
+    <dgm:sp3d/>
+    <dgm:txPr/>
+    <dgm:style>
+      <a:lnRef idx="2">
+        <a:scrgbClr r="0" g="0" b="0"/>
+      </a:lnRef>
+      <a:fillRef idx="1">
+        <a:scrgbClr r="0" g="0" b="0"/>
+      </a:fillRef>
+      <a:effectRef idx="0">
+        <a:scrgbClr r="0" g="0" b="0"/>
+      </a:effectRef>
+      <a:fontRef idx="minor">
+        <a:schemeClr val="lt1"/>
+      </a:fontRef>
+    </dgm:style>
+  </dgm:styleLbl>
+  <dgm:styleLbl name="asst1">
+    <dgm:scene3d>
+      <a:camera prst="orthographicFront"/>
+      <a:lightRig rig="threePt" dir="t"/>
+    </dgm:scene3d>
+    <dgm:sp3d/>
+    <dgm:txPr/>
+    <dgm:style>
+      <a:lnRef idx="2">
+        <a:scrgbClr r="0" g="0" b="0"/>
+      </a:lnRef>
+      <a:fillRef idx="1">
+        <a:scrgbClr r="0" g="0" b="0"/>
+      </a:fillRef>
+      <a:effectRef idx="0">
+        <a:scrgbClr r="0" g="0" b="0"/>
+      </a:effectRef>
+      <a:fontRef idx="minor">
+        <a:schemeClr val="lt1"/>
+      </a:fontRef>
+    </dgm:style>
+  </dgm:styleLbl>
+  <dgm:styleLbl name="asst2">
+    <dgm:scene3d>
+      <a:camera prst="orthographicFront"/>
+      <a:lightRig rig="threePt" dir="t"/>
+    </dgm:scene3d>
+    <dgm:sp3d/>
+    <dgm:txPr/>
+    <dgm:style>
+      <a:lnRef idx="2">
+        <a:scrgbClr r="0" g="0" b="0"/>
+      </a:lnRef>
+      <a:fillRef idx="1">
+        <a:scrgbClr r="0" g="0" b="0"/>
+      </a:fillRef>
+      <a:effectRef idx="0">
+        <a:scrgbClr r="0" g="0" b="0"/>
+      </a:effectRef>
+      <a:fontRef idx="minor">
+        <a:schemeClr val="lt1"/>
+      </a:fontRef>
+    </dgm:style>
+  </dgm:styleLbl>
+  <dgm:styleLbl name="asst3">
+    <dgm:scene3d>
+      <a:camera prst="orthographicFront"/>
+      <a:lightRig rig="threePt" dir="t"/>
+    </dgm:scene3d>
+    <dgm:sp3d/>
+    <dgm:txPr/>
+    <dgm:style>
+      <a:lnRef idx="2">
+        <a:scrgbClr r="0" g="0" b="0"/>
+      </a:lnRef>
+      <a:fillRef idx="1">
+        <a:scrgbClr r="0" g="0" b="0"/>
+      </a:fillRef>
+      <a:effectRef idx="0">
+        <a:scrgbClr r="0" g="0" b="0"/>
+      </a:effectRef>
+      <a:fontRef idx="minor">
+        <a:schemeClr val="lt1"/>
+      </a:fontRef>
+    </dgm:style>
+  </dgm:styleLbl>
+  <dgm:styleLbl name="asst4">
+    <dgm:scene3d>
+      <a:camera prst="orthographicFront"/>
+      <a:lightRig rig="threePt" dir="t"/>
+    </dgm:scene3d>
+    <dgm:sp3d/>
+    <dgm:txPr/>
+    <dgm:style>
+      <a:lnRef idx="2">
+        <a:scrgbClr r="0" g="0" b="0"/>
+      </a:lnRef>
+      <a:fillRef idx="1">
+        <a:scrgbClr r="0" g="0" b="0"/>
+      </a:fillRef>
+      <a:effectRef idx="0">
+        <a:scrgbClr r="0" g="0" b="0"/>
+      </a:effectRef>
+      <a:fontRef idx="minor">
+        <a:schemeClr val="lt1"/>
+      </a:fontRef>
+    </dgm:style>
+  </dgm:styleLbl>
+  <dgm:styleLbl name="parChTrans2D1">
+    <dgm:scene3d>
+      <a:camera prst="orthographicFront"/>
+      <a:lightRig rig="threePt" dir="t"/>
+    </dgm:scene3d>
+    <dgm:sp3d/>
+    <dgm:txPr/>
+    <dgm:style>
+      <a:lnRef idx="2">
+        <a:scrgbClr r="0" g="0" b="0"/>
+      </a:lnRef>
+      <a:fillRef idx="1">
+        <a:scrgbClr r="0" g="0" b="0"/>
+      </a:fillRef>
+      <a:effectRef idx="0">
+        <a:scrgbClr r="0" g="0" b="0"/>
+      </a:effectRef>
+      <a:fontRef idx="minor">
+        <a:schemeClr val="lt1"/>
+      </a:fontRef>
+    </dgm:style>
+  </dgm:styleLbl>
+  <dgm:styleLbl name="parChTrans2D2">
+    <dgm:scene3d>
+      <a:camera prst="orthographicFront"/>
+      <a:lightRig rig="threePt" dir="t"/>
+    </dgm:scene3d>
+    <dgm:sp3d/>
+    <dgm:txPr/>
+    <dgm:style>
+      <a:lnRef idx="2">
+        <a:scrgbClr r="0" g="0" b="0"/>
+      </a:lnRef>
+      <a:fillRef idx="1">
+        <a:scrgbClr r="0" g="0" b="0"/>
+      </a:fillRef>
+      <a:effectRef idx="0">
+        <a:scrgbClr r="0" g="0" b="0"/>
+      </a:effectRef>
+      <a:fontRef idx="minor">
+        <a:schemeClr val="lt1"/>
+      </a:fontRef>
+    </dgm:style>
+  </dgm:styleLbl>
+  <dgm:styleLbl name="parChTrans2D3">
+    <dgm:scene3d>
+      <a:camera prst="orthographicFront"/>
+      <a:lightRig rig="threePt" dir="t"/>
+    </dgm:scene3d>
+    <dgm:sp3d/>
+    <dgm:txPr/>
+    <dgm:style>
+      <a:lnRef idx="2">
+        <a:scrgbClr r="0" g="0" b="0"/>
+      </a:lnRef>
+      <a:fillRef idx="1">
+        <a:scrgbClr r="0" g="0" b="0"/>
+      </a:fillRef>
+      <a:effectRef idx="0">
+        <a:scrgbClr r="0" g="0" b="0"/>
+      </a:effectRef>
+      <a:fontRef idx="minor">
+        <a:schemeClr val="lt1"/>
+      </a:fontRef>
+    </dgm:style>
+  </dgm:styleLbl>
+  <dgm:styleLbl name="parChTrans2D4">
+    <dgm:scene3d>
+      <a:camera prst="orthographicFront"/>
+      <a:lightRig rig="threePt" dir="t"/>
+    </dgm:scene3d>
+    <dgm:sp3d/>
+    <dgm:txPr/>
+    <dgm:style>
+      <a:lnRef idx="2">
+        <a:scrgbClr r="0" g="0" b="0"/>
+      </a:lnRef>
+      <a:fillRef idx="1">
+        <a:scrgbClr r="0" g="0" b="0"/>
+      </a:fillRef>
+      <a:effectRef idx="0">
+        <a:scrgbClr r="0" g="0" b="0"/>
+      </a:effectRef>
+      <a:fontRef idx="minor">
+        <a:schemeClr val="lt1"/>
+      </a:fontRef>
+    </dgm:style>
+  </dgm:styleLbl>
+  <dgm:styleLbl name="parChTrans1D1">
+    <dgm:scene3d>
+      <a:camera prst="orthographicFront"/>
+      <a:lightRig rig="threePt" dir="t"/>
+    </dgm:scene3d>
+    <dgm:sp3d/>
+    <dgm:txPr/>
+    <dgm:style>
+      <a:lnRef idx="2">
+        <a:scrgbClr r="0" g="0" b="0"/>
+      </a:lnRef>
+      <a:fillRef idx="0">
+        <a:scrgbClr r="0" g="0" b="0"/>
+      </a:fillRef>
+      <a:effectRef idx="0">
+        <a:scrgbClr r="0" g="0" b="0"/>
+      </a:effectRef>
+      <a:fontRef idx="minor"/>
+    </dgm:style>
+  </dgm:styleLbl>
+  <dgm:styleLbl name="parChTrans1D2">
+    <dgm:scene3d>
+      <a:camera prst="orthographicFront"/>
+      <a:lightRig rig="threePt" dir="t"/>
+    </dgm:scene3d>
+    <dgm:sp3d/>
+    <dgm:txPr/>
+    <dgm:style>
+      <a:lnRef idx="2">
+        <a:scrgbClr r="0" g="0" b="0"/>
+      </a:lnRef>
+      <a:fillRef idx="0">
+        <a:scrgbClr r="0" g="0" b="0"/>
+      </a:fillRef>
+      <a:effectRef idx="0">
+        <a:scrgbClr r="0" g="0" b="0"/>
+      </a:effectRef>
+      <a:fontRef idx="minor"/>
+    </dgm:style>
+  </dgm:styleLbl>
+  <dgm:styleLbl name="parChTrans1D3">
+    <dgm:scene3d>
+      <a:camera prst="orthographicFront"/>
+      <a:lightRig rig="threePt" dir="t"/>
+    </dgm:scene3d>
+    <dgm:sp3d/>
+    <dgm:txPr/>
+    <dgm:style>
+      <a:lnRef idx="2">
+        <a:scrgbClr r="0" g="0" b="0"/>
+      </a:lnRef>
+      <a:fillRef idx="0">
+        <a:scrgbClr r="0" g="0" b="0"/>
+      </a:fillRef>
+      <a:effectRef idx="0">
+        <a:scrgbClr r="0" g="0" b="0"/>
+      </a:effectRef>
+      <a:fontRef idx="minor"/>
+    </dgm:style>
+  </dgm:styleLbl>
+  <dgm:styleLbl name="parChTrans1D4">
+    <dgm:scene3d>
+      <a:camera prst="orthographicFront"/>
+      <a:lightRig rig="threePt" dir="t"/>
+    </dgm:scene3d>
+    <dgm:sp3d/>
+    <dgm:txPr/>
+    <dgm:style>
+      <a:lnRef idx="2">
+        <a:scrgbClr r="0" g="0" b="0"/>
+      </a:lnRef>
+      <a:fillRef idx="0">
+        <a:scrgbClr r="0" g="0" b="0"/>
+      </a:fillRef>
+      <a:effectRef idx="0">
+        <a:scrgbClr r="0" g="0" b="0"/>
+      </a:effectRef>
+      <a:fontRef idx="minor"/>
+    </dgm:style>
+  </dgm:styleLbl>
+  <dgm:styleLbl name="fgAcc1">
+    <dgm:scene3d>
+      <a:camera prst="orthographicFront"/>
+      <a:lightRig rig="threePt" dir="t"/>
+    </dgm:scene3d>
+    <dgm:sp3d/>
+    <dgm:txPr/>
+    <dgm:style>
+      <a:lnRef idx="2">
+        <a:scrgbClr r="0" g="0" b="0"/>
+      </a:lnRef>
+      <a:fillRef idx="1">
+        <a:scrgbClr r="0" g="0" b="0"/>
+      </a:fillRef>
+      <a:effectRef idx="0">
+        <a:scrgbClr r="0" g="0" b="0"/>
+      </a:effectRef>
+      <a:fontRef idx="minor"/>
+    </dgm:style>
+  </dgm:styleLbl>
+  <dgm:styleLbl name="conFgAcc1">
+    <dgm:scene3d>
+      <a:camera prst="orthographicFront"/>
+      <a:lightRig rig="threePt" dir="t"/>
+    </dgm:scene3d>
+    <dgm:sp3d/>
+    <dgm:txPr/>
+    <dgm:style>
+      <a:lnRef idx="2">
+        <a:scrgbClr r="0" g="0" b="0"/>
+      </a:lnRef>
+      <a:fillRef idx="1">
+        <a:scrgbClr r="0" g="0" b="0"/>
+      </a:fillRef>
+      <a:effectRef idx="0">
+        <a:scrgbClr r="0" g="0" b="0"/>
+      </a:effectRef>
+      <a:fontRef idx="minor"/>
+    </dgm:style>
+  </dgm:styleLbl>
+  <dgm:styleLbl name="alignAcc1">
+    <dgm:scene3d>
+      <a:camera prst="orthographicFront"/>
+      <a:lightRig rig="threePt" dir="t"/>
+    </dgm:scene3d>
+    <dgm:sp3d/>
+    <dgm:txPr/>
+    <dgm:style>
+      <a:lnRef idx="2">
+        <a:scrgbClr r="0" g="0" b="0"/>
+      </a:lnRef>
+      <a:fillRef idx="1">
+        <a:scrgbClr r="0" g="0" b="0"/>
+      </a:fillRef>
+      <a:effectRef idx="0">
+        <a:scrgbClr r="0" g="0" b="0"/>
+      </a:effectRef>
+      <a:fontRef idx="minor"/>
+    </dgm:style>
+  </dgm:styleLbl>
+  <dgm:styleLbl name="trAlignAcc1">
+    <dgm:scene3d>
+      <a:camera prst="orthographicFront"/>
+      <a:lightRig rig="threePt" dir="t"/>
+    </dgm:scene3d>
+    <dgm:sp3d/>
+    <dgm:txPr/>
+    <dgm:style>
+      <a:lnRef idx="1">
+        <a:scrgbClr r="0" g="0" b="0"/>
+      </a:lnRef>
+      <a:fillRef idx="1">
+        <a:scrgbClr r="0" g="0" b="0"/>
+      </a:fillRef>
+      <a:effectRef idx="0">
+        <a:scrgbClr r="0" g="0" b="0"/>
+      </a:effectRef>
+      <a:fontRef idx="minor"/>
+    </dgm:style>
+  </dgm:styleLbl>
+  <dgm:styleLbl name="bgAcc1">
+    <dgm:scene3d>
+      <a:camera prst="orthographicFront"/>
+      <a:lightRig rig="threePt" dir="t"/>
+    </dgm:scene3d>
+    <dgm:sp3d/>
+    <dgm:txPr/>
+    <dgm:style>
+      <a:lnRef idx="2">
+        <a:scrgbClr r="0" g="0" b="0"/>
+      </a:lnRef>
+      <a:fillRef idx="1">
+        <a:scrgbClr r="0" g="0" b="0"/>
+      </a:fillRef>
+      <a:effectRef idx="0">
+        <a:scrgbClr r="0" g="0" b="0"/>
+      </a:effectRef>
+      <a:fontRef idx="minor"/>
+    </dgm:style>
+  </dgm:styleLbl>
+  <dgm:styleLbl name="solidFgAcc1">
+    <dgm:scene3d>
+      <a:camera prst="orthographicFront"/>
+      <a:lightRig rig="threePt" dir="t"/>
+    </dgm:scene3d>
+    <dgm:sp3d/>
+    <dgm:txPr/>
+    <dgm:style>
+      <a:lnRef idx="2">
+        <a:scrgbClr r="0" g="0" b="0"/>
+      </a:lnRef>
+      <a:fillRef idx="1">
+        <a:scrgbClr r="0" g="0" b="0"/>
+      </a:fillRef>
+      <a:effectRef idx="0">
+        <a:scrgbClr r="0" g="0" b="0"/>
+      </a:effectRef>
+      <a:fontRef idx="minor"/>
+    </dgm:style>
+  </dgm:styleLbl>
+  <dgm:styleLbl name="solidAlignAcc1">
+    <dgm:scene3d>
+      <a:camera prst="orthographicFront"/>
+      <a:lightRig rig="threePt" dir="t"/>
+    </dgm:scene3d>
+    <dgm:sp3d/>
+    <dgm:txPr/>
+    <dgm:style>
+      <a:lnRef idx="2">
+        <a:scrgbClr r="0" g="0" b="0"/>
+      </a:lnRef>
+      <a:fillRef idx="1">
+        <a:scrgbClr r="0" g="0" b="0"/>
+      </a:fillRef>
+      <a:effectRef idx="0">
+        <a:scrgbClr r="0" g="0" b="0"/>
+      </a:effectRef>
+      <a:fontRef idx="minor"/>
+    </dgm:style>
+  </dgm:styleLbl>
+  <dgm:styleLbl name="solidBgAcc1">
+    <dgm:scene3d>
+      <a:camera prst="orthographicFront"/>
+      <a:lightRig rig="threePt" dir="t"/>
+    </dgm:scene3d>
+    <dgm:sp3d/>
+    <dgm:txPr/>
+    <dgm:style>
+      <a:lnRef idx="2">
+        <a:scrgbClr r="0" g="0" b="0"/>
+      </a:lnRef>
+      <a:fillRef idx="1">
+        <a:scrgbClr r="0" g="0" b="0"/>
+      </a:fillRef>
+      <a:effectRef idx="0">
+        <a:scrgbClr r="0" g="0" b="0"/>
+      </a:effectRef>
+      <a:fontRef idx="minor"/>
+    </dgm:style>
+  </dgm:styleLbl>
+  <dgm:styleLbl name="fgAccFollowNode1">
+    <dgm:scene3d>
+      <a:camera prst="orthographicFront"/>
+      <a:lightRig rig="threePt" dir="t"/>
+    </dgm:scene3d>
+    <dgm:sp3d/>
+    <dgm:txPr/>
+    <dgm:style>
+      <a:lnRef idx="2">
+        <a:scrgbClr r="0" g="0" b="0"/>
+      </a:lnRef>
+      <a:fillRef idx="1">
+        <a:scrgbClr r="0" g="0" b="0"/>
+      </a:fillRef>
+      <a:effectRef idx="0">
+        <a:scrgbClr r="0" g="0" b="0"/>
+      </a:effectRef>
+      <a:fontRef idx="minor"/>
+    </dgm:style>
+  </dgm:styleLbl>
+  <dgm:styleLbl name="alignAccFollowNode1">
+    <dgm:scene3d>
+      <a:camera prst="orthographicFront"/>
+      <a:lightRig rig="threePt" dir="t"/>
+    </dgm:scene3d>
+    <dgm:sp3d/>
+    <dgm:txPr/>
+    <dgm:style>
+      <a:lnRef idx="2">
+        <a:scrgbClr r="0" g="0" b="0"/>
+      </a:lnRef>
+      <a:fillRef idx="1">
+        <a:scrgbClr r="0" g="0" b="0"/>
+      </a:fillRef>
+      <a:effectRef idx="0">
+        <a:scrgbClr r="0" g="0" b="0"/>
+      </a:effectRef>
+      <a:fontRef idx="minor"/>
+    </dgm:style>
+  </dgm:styleLbl>
+  <dgm:styleLbl name="bgAccFollowNode1">
+    <dgm:scene3d>
+      <a:camera prst="orthographicFront"/>
+      <a:lightRig rig="threePt" dir="t"/>
+    </dgm:scene3d>
+    <dgm:sp3d/>
+    <dgm:txPr/>
+    <dgm:style>
+      <a:lnRef idx="2">
+        <a:scrgbClr r="0" g="0" b="0"/>
+      </a:lnRef>
+      <a:fillRef idx="1">
+        <a:scrgbClr r="0" g="0" b="0"/>
+      </a:fillRef>
+      <a:effectRef idx="0">
+        <a:scrgbClr r="0" g="0" b="0"/>
+      </a:effectRef>
+      <a:fontRef idx="minor"/>
+    </dgm:style>
+  </dgm:styleLbl>
+  <dgm:styleLbl name="fgAcc0">
+    <dgm:scene3d>
+      <a:camera prst="orthographicFront"/>
+      <a:lightRig rig="threePt" dir="t"/>
+    </dgm:scene3d>
+    <dgm:sp3d/>
+    <dgm:txPr/>
+    <dgm:style>
+      <a:lnRef idx="2">
+        <a:scrgbClr r="0" g="0" b="0"/>
+      </a:lnRef>
+      <a:fillRef idx="1">
+        <a:scrgbClr r="0" g="0" b="0"/>
+      </a:fillRef>
+      <a:effectRef idx="0">
+        <a:scrgbClr r="0" g="0" b="0"/>
+      </a:effectRef>
+      <a:fontRef idx="minor"/>
+    </dgm:style>
+  </dgm:styleLbl>
+  <dgm:styleLbl name="fgAcc2">
+    <dgm:scene3d>
+      <a:camera prst="orthographicFront"/>
+      <a:lightRig rig="threePt" dir="t"/>
+    </dgm:scene3d>
+    <dgm:sp3d/>
+    <dgm:txPr/>
+    <dgm:style>
+      <a:lnRef idx="2">
+        <a:scrgbClr r="0" g="0" b="0"/>
+      </a:lnRef>
+      <a:fillRef idx="1">
+        <a:scrgbClr r="0" g="0" b="0"/>
+      </a:fillRef>
+      <a:effectRef idx="0">
+        <a:scrgbClr r="0" g="0" b="0"/>
+      </a:effectRef>
+      <a:fontRef idx="minor"/>
+    </dgm:style>
+  </dgm:styleLbl>
+  <dgm:styleLbl name="fgAcc3">
+    <dgm:scene3d>
+      <a:camera prst="orthographicFront"/>
+      <a:lightRig rig="threePt" dir="t"/>
+    </dgm:scene3d>
+    <dgm:sp3d/>
+    <dgm:txPr/>
+    <dgm:style>
+      <a:lnRef idx="2">
+        <a:scrgbClr r="0" g="0" b="0"/>
+      </a:lnRef>
+      <a:fillRef idx="1">
+        <a:scrgbClr r="0" g="0" b="0"/>
+      </a:fillRef>
+      <a:effectRef idx="0">
+        <a:scrgbClr r="0" g="0" b="0"/>
+      </a:effectRef>
+      <a:fontRef idx="minor"/>
+    </dgm:style>
+  </dgm:styleLbl>
+  <dgm:styleLbl name="fgAcc4">
+    <dgm:scene3d>
+      <a:camera prst="orthographicFront"/>
+      <a:lightRig rig="threePt" dir="t"/>
+    </dgm:scene3d>
+    <dgm:sp3d/>
+    <dgm:txPr/>
+    <dgm:style>
+      <a:lnRef idx="2">
+        <a:scrgbClr r="0" g="0" b="0"/>
+      </a:lnRef>
+      <a:fillRef idx="1">
+        <a:scrgbClr r="0" g="0" b="0"/>
+      </a:fillRef>
+      <a:effectRef idx="0">
+        <a:scrgbClr r="0" g="0" b="0"/>
+      </a:effectRef>
+      <a:fontRef idx="minor"/>
+    </dgm:style>
+  </dgm:styleLbl>
+  <dgm:styleLbl name="bgShp">
+    <dgm:scene3d>
+      <a:camera prst="orthographicFront"/>
+      <a:lightRig rig="threePt" dir="t"/>
+    </dgm:scene3d>
+    <dgm:sp3d/>
+    <dgm:txPr/>
+    <dgm:style>
+      <a:lnRef idx="0">
+        <a:scrgbClr r="0" g="0" b="0"/>
+      </a:lnRef>
+      <a:fillRef idx="1">
+        <a:scrgbClr r="0" g="0" b="0"/>
+      </a:fillRef>
+      <a:effectRef idx="0">
+        <a:scrgbClr r="0" g="0" b="0"/>
+      </a:effectRef>
+      <a:fontRef idx="minor"/>
+    </dgm:style>
+  </dgm:styleLbl>
+  <dgm:styleLbl name="dkBgShp">
+    <dgm:scene3d>
+      <a:camera prst="orthographicFront"/>
+      <a:lightRig rig="threePt" dir="t"/>
+    </dgm:scene3d>
+    <dgm:sp3d/>
+    <dgm:txPr/>
+    <dgm:style>
+      <a:lnRef idx="0">
+        <a:scrgbClr r="0" g="0" b="0"/>
+      </a:lnRef>
+      <a:fillRef idx="1">
+        <a:scrgbClr r="0" g="0" b="0"/>
+      </a:fillRef>
+      <a:effectRef idx="0">
+        <a:scrgbClr r="0" g="0" b="0"/>
+      </a:effectRef>
+      <a:fontRef idx="minor"/>
+    </dgm:style>
+  </dgm:styleLbl>
+  <dgm:styleLbl name="trBgShp">
+    <dgm:scene3d>
+      <a:camera prst="orthographicFront"/>
+      <a:lightRig rig="threePt" dir="t"/>
+    </dgm:scene3d>
+    <dgm:sp3d/>
+    <dgm:txPr/>
+    <dgm:style>
+      <a:lnRef idx="0">
+        <a:scrgbClr r="0" g="0" b="0"/>
+      </a:lnRef>
+      <a:fillRef idx="1">
+        <a:scrgbClr r="0" g="0" b="0"/>
+      </a:fillRef>
+      <a:effectRef idx="0">
+        <a:scrgbClr r="0" g="0" b="0"/>
+      </a:effectRef>
+      <a:fontRef idx="minor"/>
+    </dgm:style>
+  </dgm:styleLbl>
+  <dgm:styleLbl name="fgShp">
+    <dgm:scene3d>
+      <a:camera prst="orthographicFront"/>
+      <a:lightRig rig="threePt" dir="t"/>
+    </dgm:scene3d>
+    <dgm:sp3d/>
+    <dgm:txPr/>
+    <dgm:style>
+      <a:lnRef idx="2">
+        <a:scrgbClr r="0" g="0" b="0"/>
+      </a:lnRef>
+      <a:fillRef idx="1">
+        <a:scrgbClr r="0" g="0" b="0"/>
+      </a:fillRef>
+      <a:effectRef idx="0">
+        <a:scrgbClr r="0" g="0" b="0"/>
+      </a:effectRef>
+      <a:fontRef idx="minor"/>
+    </dgm:style>
+  </dgm:styleLbl>
+  <dgm:styleLbl name="revTx">
+    <dgm:scene3d>
+      <a:camera prst="orthographicFront"/>
+      <a:lightRig rig="threePt" dir="t"/>
+    </dgm:scene3d>
+    <dgm:sp3d/>
+    <dgm:txPr/>
+    <dgm:style>
+      <a:lnRef idx="0">
+        <a:scrgbClr r="0" g="0" b="0"/>
+      </a:lnRef>
+      <a:fillRef idx="0">
+        <a:scrgbClr r="0" g="0" b="0"/>
+      </a:fillRef>
+      <a:effectRef idx="0">
+        <a:scrgbClr r="0" g="0" b="0"/>
+      </a:effectRef>
+      <a:fontRef idx="minor"/>
+    </dgm:style>
+  </dgm:styleLbl>
+</dgm:styleDef>
 </file>
 
 <file path=ppt/slideLayouts/slideLayout1.xml><?xml version="1.0" encoding="utf-8"?>
@@ -258,7 +3330,7 @@
           <a:p>
             <a:fld id="{329ACBC3-3B33-4FD0-96E3-6280B8034DC6}" type="datetimeFigureOut">
               <a:rPr lang="bg-BG" smtClean="0"/>
-              <a:t>2.5.2020 г.</a:t>
+              <a:t>6.5.2020 г.</a:t>
             </a:fld>
             <a:endParaRPr lang="bg-BG"/>
           </a:p>
@@ -428,7 +3500,7 @@
           <a:p>
             <a:fld id="{329ACBC3-3B33-4FD0-96E3-6280B8034DC6}" type="datetimeFigureOut">
               <a:rPr lang="bg-BG" smtClean="0"/>
-              <a:t>2.5.2020 г.</a:t>
+              <a:t>6.5.2020 г.</a:t>
             </a:fld>
             <a:endParaRPr lang="bg-BG"/>
           </a:p>
@@ -608,7 +3680,7 @@
           <a:p>
             <a:fld id="{329ACBC3-3B33-4FD0-96E3-6280B8034DC6}" type="datetimeFigureOut">
               <a:rPr lang="bg-BG" smtClean="0"/>
-              <a:t>2.5.2020 г.</a:t>
+              <a:t>6.5.2020 г.</a:t>
             </a:fld>
             <a:endParaRPr lang="bg-BG"/>
           </a:p>
@@ -778,7 +3850,7 @@
           <a:p>
             <a:fld id="{329ACBC3-3B33-4FD0-96E3-6280B8034DC6}" type="datetimeFigureOut">
               <a:rPr lang="bg-BG" smtClean="0"/>
-              <a:t>2.5.2020 г.</a:t>
+              <a:t>6.5.2020 г.</a:t>
             </a:fld>
             <a:endParaRPr lang="bg-BG"/>
           </a:p>
@@ -1024,7 +4096,7 @@
           <a:p>
             <a:fld id="{329ACBC3-3B33-4FD0-96E3-6280B8034DC6}" type="datetimeFigureOut">
               <a:rPr lang="bg-BG" smtClean="0"/>
-              <a:t>2.5.2020 г.</a:t>
+              <a:t>6.5.2020 г.</a:t>
             </a:fld>
             <a:endParaRPr lang="bg-BG"/>
           </a:p>
@@ -1256,7 +4328,7 @@
           <a:p>
             <a:fld id="{329ACBC3-3B33-4FD0-96E3-6280B8034DC6}" type="datetimeFigureOut">
               <a:rPr lang="bg-BG" smtClean="0"/>
-              <a:t>2.5.2020 г.</a:t>
+              <a:t>6.5.2020 г.</a:t>
             </a:fld>
             <a:endParaRPr lang="bg-BG"/>
           </a:p>
@@ -1623,7 +4695,7 @@
           <a:p>
             <a:fld id="{329ACBC3-3B33-4FD0-96E3-6280B8034DC6}" type="datetimeFigureOut">
               <a:rPr lang="bg-BG" smtClean="0"/>
-              <a:t>2.5.2020 г.</a:t>
+              <a:t>6.5.2020 г.</a:t>
             </a:fld>
             <a:endParaRPr lang="bg-BG"/>
           </a:p>
@@ -1741,7 +4813,7 @@
           <a:p>
             <a:fld id="{329ACBC3-3B33-4FD0-96E3-6280B8034DC6}" type="datetimeFigureOut">
               <a:rPr lang="bg-BG" smtClean="0"/>
-              <a:t>2.5.2020 г.</a:t>
+              <a:t>6.5.2020 г.</a:t>
             </a:fld>
             <a:endParaRPr lang="bg-BG"/>
           </a:p>
@@ -1836,7 +4908,7 @@
           <a:p>
             <a:fld id="{329ACBC3-3B33-4FD0-96E3-6280B8034DC6}" type="datetimeFigureOut">
               <a:rPr lang="bg-BG" smtClean="0"/>
-              <a:t>2.5.2020 г.</a:t>
+              <a:t>6.5.2020 г.</a:t>
             </a:fld>
             <a:endParaRPr lang="bg-BG"/>
           </a:p>
@@ -2113,7 +5185,7 @@
           <a:p>
             <a:fld id="{329ACBC3-3B33-4FD0-96E3-6280B8034DC6}" type="datetimeFigureOut">
               <a:rPr lang="bg-BG" smtClean="0"/>
-              <a:t>2.5.2020 г.</a:t>
+              <a:t>6.5.2020 г.</a:t>
             </a:fld>
             <a:endParaRPr lang="bg-BG"/>
           </a:p>
@@ -2366,7 +5438,7 @@
           <a:p>
             <a:fld id="{329ACBC3-3B33-4FD0-96E3-6280B8034DC6}" type="datetimeFigureOut">
               <a:rPr lang="bg-BG" smtClean="0"/>
-              <a:t>2.5.2020 г.</a:t>
+              <a:t>6.5.2020 г.</a:t>
             </a:fld>
             <a:endParaRPr lang="bg-BG"/>
           </a:p>
@@ -2579,7 +5651,7 @@
           <a:p>
             <a:fld id="{329ACBC3-3B33-4FD0-96E3-6280B8034DC6}" type="datetimeFigureOut">
               <a:rPr lang="bg-BG" smtClean="0"/>
-              <a:t>2.5.2020 г.</a:t>
+              <a:t>6.5.2020 г.</a:t>
             </a:fld>
             <a:endParaRPr lang="bg-BG"/>
           </a:p>
@@ -3019,7 +6091,7 @@
           <a:lstStyle/>
           <a:p>
             <a:r>
-              <a:rPr lang="en-US"/>
+              <a:rPr lang="en-US" dirty="0" err="1"/>
               <a:t>DigiBitak</a:t>
             </a:r>
             <a:endParaRPr lang="bg-BG" dirty="0" err="1"/>
@@ -3068,6 +6140,813 @@
 </file>
 
 <file path=ppt/slides/slide2.xml><?xml version="1.0" encoding="utf-8"?>
+<p:sld xmlns:a="http://schemas.openxmlformats.org/drawingml/2006/main" xmlns:r="http://schemas.openxmlformats.org/officeDocument/2006/relationships" xmlns:p="http://schemas.openxmlformats.org/presentationml/2006/main">
+  <p:cSld>
+    <p:bg>
+      <p:bgPr>
+        <a:solidFill>
+          <a:schemeClr val="bg1"/>
+        </a:solidFill>
+        <a:effectLst/>
+      </p:bgPr>
+    </p:bg>
+    <p:spTree>
+      <p:nvGrpSpPr>
+        <p:cNvPr id="1" name=""/>
+        <p:cNvGrpSpPr/>
+        <p:nvPr/>
+      </p:nvGrpSpPr>
+      <p:grpSpPr>
+        <a:xfrm>
+          <a:off x="0" y="0"/>
+          <a:ext cx="0" cy="0"/>
+          <a:chOff x="0" y="0"/>
+          <a:chExt cx="0" cy="0"/>
+        </a:xfrm>
+      </p:grpSpPr>
+      <p:sp useBgFill="1">
+        <p:nvSpPr>
+          <p:cNvPr id="45" name="Rectangle 47">
+            <a:extLst>
+              <a:ext uri="{FF2B5EF4-FFF2-40B4-BE49-F238E27FC236}">
+                <a16:creationId xmlns:a16="http://schemas.microsoft.com/office/drawing/2014/main" id="{B1A4CC90-E81A-4B03-8C94-6821E5FDE5CC}"/>
+              </a:ext>
+              <a:ext uri="{C183D7F6-B498-43B3-948B-1728B52AA6E4}">
+                <adec:decorative xmlns:adec="http://schemas.microsoft.com/office/drawing/2017/decorative" val="1"/>
+              </a:ext>
+            </a:extLst>
+          </p:cNvPr>
+          <p:cNvSpPr>
+            <a:spLocks noGrp="1" noRot="1" noChangeAspect="1" noMove="1" noResize="1" noEditPoints="1" noAdjustHandles="1" noChangeArrowheads="1" noChangeShapeType="1" noTextEdit="1"/>
+          </p:cNvSpPr>
+          <p:nvPr>
+            <p:extLst>
+              <p:ext uri="{386F3935-93C4-4BCD-93E2-E3B085C9AB24}">
+                <p16:designElem xmlns:p16="http://schemas.microsoft.com/office/powerpoint/2015/main" val="1"/>
+              </p:ext>
+            </p:extLst>
+          </p:nvPr>
+        </p:nvSpPr>
+        <p:spPr>
+          <a:xfrm>
+            <a:off x="0" y="0"/>
+            <a:ext cx="12188952" cy="6858000"/>
+          </a:xfrm>
+          <a:prstGeom prst="rect">
+            <a:avLst/>
+          </a:prstGeom>
+          <a:ln>
+            <a:noFill/>
+          </a:ln>
+        </p:spPr>
+        <p:style>
+          <a:lnRef idx="2">
+            <a:schemeClr val="accent1">
+              <a:shade val="50000"/>
+            </a:schemeClr>
+          </a:lnRef>
+          <a:fillRef idx="1">
+            <a:schemeClr val="accent1"/>
+          </a:fillRef>
+          <a:effectRef idx="0">
+            <a:schemeClr val="accent1"/>
+          </a:effectRef>
+          <a:fontRef idx="minor">
+            <a:schemeClr val="lt1"/>
+          </a:fontRef>
+        </p:style>
+        <p:txBody>
+          <a:bodyPr rtlCol="0" anchor="ctr"/>
+          <a:lstStyle/>
+          <a:p>
+            <a:pPr algn="ctr"/>
+            <a:endParaRPr lang="en-US"/>
+          </a:p>
+        </p:txBody>
+      </p:sp>
+      <p:pic>
+        <p:nvPicPr>
+          <p:cNvPr id="3" name="Picture 3" descr="A picture containing toy&#10;&#10;Description generated with very high confidence">
+            <a:extLst>
+              <a:ext uri="{FF2B5EF4-FFF2-40B4-BE49-F238E27FC236}">
+                <a16:creationId xmlns:a16="http://schemas.microsoft.com/office/drawing/2014/main" id="{A25C6B60-D806-4423-822C-C0771689EC2C}"/>
+              </a:ext>
+            </a:extLst>
+          </p:cNvPr>
+          <p:cNvPicPr>
+            <a:picLocks noChangeAspect="1"/>
+          </p:cNvPicPr>
+          <p:nvPr/>
+        </p:nvPicPr>
+        <p:blipFill rotWithShape="1">
+          <a:blip r:embed="rId2"/>
+          <a:srcRect t="6759" r="-1" b="3239"/>
+          <a:stretch/>
+        </p:blipFill>
+        <p:spPr>
+          <a:xfrm>
+            <a:off x="-3048" y="10"/>
+            <a:ext cx="12192000" cy="6857990"/>
+          </a:xfrm>
+          <a:prstGeom prst="rect">
+            <a:avLst/>
+          </a:prstGeom>
+        </p:spPr>
+      </p:pic>
+      <p:sp>
+        <p:nvSpPr>
+          <p:cNvPr id="46" name="Freeform 6">
+            <a:extLst>
+              <a:ext uri="{FF2B5EF4-FFF2-40B4-BE49-F238E27FC236}">
+                <a16:creationId xmlns:a16="http://schemas.microsoft.com/office/drawing/2014/main" id="{38CD23D4-26BA-4E59-A55A-81578AFAAF46}"/>
+              </a:ext>
+              <a:ext uri="{C183D7F6-B498-43B3-948B-1728B52AA6E4}">
+                <adec:decorative xmlns:adec="http://schemas.microsoft.com/office/drawing/2017/decorative" val="1"/>
+              </a:ext>
+            </a:extLst>
+          </p:cNvPr>
+          <p:cNvSpPr>
+            <a:spLocks noGrp="1" noRot="1" noChangeAspect="1" noMove="1" noResize="1" noEditPoints="1" noAdjustHandles="1" noChangeArrowheads="1" noChangeShapeType="1" noTextEdit="1"/>
+          </p:cNvSpPr>
+          <p:nvPr>
+            <p:extLst>
+              <p:ext uri="{386F3935-93C4-4BCD-93E2-E3B085C9AB24}">
+                <p16:designElem xmlns:p16="http://schemas.microsoft.com/office/powerpoint/2015/main" val="1"/>
+              </p:ext>
+            </p:extLst>
+          </p:nvPr>
+        </p:nvSpPr>
+        <p:spPr bwMode="auto">
+          <a:xfrm flipH="1">
+            <a:off x="521144" y="911116"/>
+            <a:ext cx="687754" cy="5710965"/>
+          </a:xfrm>
+          <a:custGeom>
+            <a:avLst/>
+            <a:gdLst>
+              <a:gd name="T0" fmla="*/ 414 w 414"/>
+              <a:gd name="T1" fmla="*/ 2447 h 2447"/>
+              <a:gd name="T2" fmla="*/ 0 w 414"/>
+              <a:gd name="T3" fmla="*/ 2247 h 2447"/>
+              <a:gd name="T4" fmla="*/ 0 w 414"/>
+              <a:gd name="T5" fmla="*/ 0 h 2447"/>
+              <a:gd name="T6" fmla="*/ 414 w 414"/>
+              <a:gd name="T7" fmla="*/ 200 h 2447"/>
+              <a:gd name="T8" fmla="*/ 414 w 414"/>
+              <a:gd name="T9" fmla="*/ 2447 h 2447"/>
+            </a:gdLst>
+            <a:ahLst/>
+            <a:cxnLst>
+              <a:cxn ang="0">
+                <a:pos x="T0" y="T1"/>
+              </a:cxn>
+              <a:cxn ang="0">
+                <a:pos x="T2" y="T3"/>
+              </a:cxn>
+              <a:cxn ang="0">
+                <a:pos x="T4" y="T5"/>
+              </a:cxn>
+              <a:cxn ang="0">
+                <a:pos x="T6" y="T7"/>
+              </a:cxn>
+              <a:cxn ang="0">
+                <a:pos x="T8" y="T9"/>
+              </a:cxn>
+            </a:cxnLst>
+            <a:rect l="0" t="0" r="r" b="b"/>
+            <a:pathLst>
+              <a:path w="414" h="2447">
+                <a:moveTo>
+                  <a:pt x="414" y="2447"/>
+                </a:moveTo>
+                <a:lnTo>
+                  <a:pt x="0" y="2247"/>
+                </a:lnTo>
+                <a:lnTo>
+                  <a:pt x="0" y="0"/>
+                </a:lnTo>
+                <a:lnTo>
+                  <a:pt x="414" y="200"/>
+                </a:lnTo>
+                <a:lnTo>
+                  <a:pt x="414" y="2447"/>
+                </a:lnTo>
+                <a:close/>
+              </a:path>
+            </a:pathLst>
+          </a:custGeom>
+          <a:solidFill>
+            <a:schemeClr val="accent1">
+              <a:lumMod val="75000"/>
+            </a:schemeClr>
+          </a:solidFill>
+          <a:ln>
+            <a:noFill/>
+          </a:ln>
+        </p:spPr>
+        <p:txBody>
+          <a:bodyPr vert="horz" wrap="square" lIns="91440" tIns="45720" rIns="91440" bIns="45720" numCol="1" anchor="t" anchorCtr="0" compatLnSpc="1">
+            <a:prstTxWarp prst="textNoShape">
+              <a:avLst/>
+            </a:prstTxWarp>
+          </a:bodyPr>
+          <a:lstStyle/>
+          <a:p>
+            <a:endParaRPr lang="en-US"/>
+          </a:p>
+        </p:txBody>
+      </p:sp>
+      <p:sp>
+        <p:nvSpPr>
+          <p:cNvPr id="52" name="Rectangle 8">
+            <a:extLst>
+              <a:ext uri="{FF2B5EF4-FFF2-40B4-BE49-F238E27FC236}">
+                <a16:creationId xmlns:a16="http://schemas.microsoft.com/office/drawing/2014/main" id="{6F059731-63E0-422B-B3AA-680FC080EF8A}"/>
+              </a:ext>
+              <a:ext uri="{C183D7F6-B498-43B3-948B-1728B52AA6E4}">
+                <adec:decorative xmlns:adec="http://schemas.microsoft.com/office/drawing/2017/decorative" val="1"/>
+              </a:ext>
+            </a:extLst>
+          </p:cNvPr>
+          <p:cNvSpPr>
+            <a:spLocks noGrp="1" noRot="1" noChangeAspect="1" noMove="1" noResize="1" noEditPoints="1" noAdjustHandles="1" noChangeArrowheads="1" noChangeShapeType="1" noTextEdit="1"/>
+          </p:cNvSpPr>
+          <p:nvPr>
+            <p:extLst>
+              <p:ext uri="{386F3935-93C4-4BCD-93E2-E3B085C9AB24}">
+                <p16:designElem xmlns:p16="http://schemas.microsoft.com/office/powerpoint/2015/main" val="1"/>
+              </p:ext>
+            </p:extLst>
+          </p:nvPr>
+        </p:nvSpPr>
+        <p:spPr bwMode="auto">
+          <a:xfrm flipH="1">
+            <a:off x="0" y="1370435"/>
+            <a:ext cx="527226" cy="5251646"/>
+          </a:xfrm>
+          <a:prstGeom prst="rect">
+            <a:avLst/>
+          </a:prstGeom>
+          <a:solidFill>
+            <a:schemeClr val="accent1"/>
+          </a:solidFill>
+          <a:ln>
+            <a:noFill/>
+          </a:ln>
+        </p:spPr>
+        <p:txBody>
+          <a:bodyPr vert="horz" wrap="square" lIns="91440" tIns="45720" rIns="91440" bIns="45720" numCol="1" anchor="t" anchorCtr="0" compatLnSpc="1">
+            <a:prstTxWarp prst="textNoShape">
+              <a:avLst/>
+            </a:prstTxWarp>
+          </a:bodyPr>
+          <a:lstStyle/>
+          <a:p>
+            <a:endParaRPr lang="en-US"/>
+          </a:p>
+        </p:txBody>
+      </p:sp>
+      <p:sp>
+        <p:nvSpPr>
+          <p:cNvPr id="54" name="Freeform 7">
+            <a:extLst>
+              <a:ext uri="{FF2B5EF4-FFF2-40B4-BE49-F238E27FC236}">
+                <a16:creationId xmlns:a16="http://schemas.microsoft.com/office/drawing/2014/main" id="{D1A706C7-360D-4E89-98E4-289C5332F2C8}"/>
+              </a:ext>
+              <a:ext uri="{C183D7F6-B498-43B3-948B-1728B52AA6E4}">
+                <adec:decorative xmlns:adec="http://schemas.microsoft.com/office/drawing/2017/decorative" val="1"/>
+              </a:ext>
+            </a:extLst>
+          </p:cNvPr>
+          <p:cNvSpPr>
+            <a:spLocks noGrp="1" noRot="1" noChangeAspect="1" noMove="1" noResize="1" noEditPoints="1" noAdjustHandles="1" noChangeArrowheads="1" noChangeShapeType="1" noTextEdit="1"/>
+          </p:cNvSpPr>
+          <p:nvPr>
+            <p:extLst>
+              <p:ext uri="{386F3935-93C4-4BCD-93E2-E3B085C9AB24}">
+                <p16:designElem xmlns:p16="http://schemas.microsoft.com/office/powerpoint/2015/main" val="1"/>
+              </p:ext>
+            </p:extLst>
+          </p:nvPr>
+        </p:nvSpPr>
+        <p:spPr bwMode="auto">
+          <a:xfrm flipH="1">
+            <a:off x="800164" y="643467"/>
+            <a:ext cx="409371" cy="5521414"/>
+          </a:xfrm>
+          <a:custGeom>
+            <a:avLst/>
+            <a:gdLst>
+              <a:gd name="T0" fmla="*/ 209 w 209"/>
+              <a:gd name="T1" fmla="*/ 2246 h 2358"/>
+              <a:gd name="T2" fmla="*/ 0 w 209"/>
+              <a:gd name="T3" fmla="*/ 2358 h 2358"/>
+              <a:gd name="T4" fmla="*/ 0 w 209"/>
+              <a:gd name="T5" fmla="*/ 111 h 2358"/>
+              <a:gd name="T6" fmla="*/ 209 w 209"/>
+              <a:gd name="T7" fmla="*/ 0 h 2358"/>
+              <a:gd name="T8" fmla="*/ 209 w 209"/>
+              <a:gd name="T9" fmla="*/ 2246 h 2358"/>
+            </a:gdLst>
+            <a:ahLst/>
+            <a:cxnLst>
+              <a:cxn ang="0">
+                <a:pos x="T0" y="T1"/>
+              </a:cxn>
+              <a:cxn ang="0">
+                <a:pos x="T2" y="T3"/>
+              </a:cxn>
+              <a:cxn ang="0">
+                <a:pos x="T4" y="T5"/>
+              </a:cxn>
+              <a:cxn ang="0">
+                <a:pos x="T6" y="T7"/>
+              </a:cxn>
+              <a:cxn ang="0">
+                <a:pos x="T8" y="T9"/>
+              </a:cxn>
+            </a:cxnLst>
+            <a:rect l="0" t="0" r="r" b="b"/>
+            <a:pathLst>
+              <a:path w="209" h="2358">
+                <a:moveTo>
+                  <a:pt x="209" y="2246"/>
+                </a:moveTo>
+                <a:lnTo>
+                  <a:pt x="0" y="2358"/>
+                </a:lnTo>
+                <a:lnTo>
+                  <a:pt x="0" y="111"/>
+                </a:lnTo>
+                <a:lnTo>
+                  <a:pt x="209" y="0"/>
+                </a:lnTo>
+                <a:lnTo>
+                  <a:pt x="209" y="2246"/>
+                </a:lnTo>
+                <a:close/>
+              </a:path>
+            </a:pathLst>
+          </a:custGeom>
+          <a:solidFill>
+            <a:schemeClr val="accent1">
+              <a:lumMod val="50000"/>
+            </a:schemeClr>
+          </a:solidFill>
+          <a:ln>
+            <a:noFill/>
+          </a:ln>
+        </p:spPr>
+        <p:txBody>
+          <a:bodyPr vert="horz" wrap="square" lIns="91440" tIns="45720" rIns="91440" bIns="45720" numCol="1" anchor="t" anchorCtr="0" compatLnSpc="1">
+            <a:prstTxWarp prst="textNoShape">
+              <a:avLst/>
+            </a:prstTxWarp>
+          </a:bodyPr>
+          <a:lstStyle/>
+          <a:p>
+            <a:endParaRPr lang="en-US"/>
+          </a:p>
+        </p:txBody>
+      </p:sp>
+      <p:sp>
+        <p:nvSpPr>
+          <p:cNvPr id="56" name="Rectangle 8">
+            <a:extLst>
+              <a:ext uri="{FF2B5EF4-FFF2-40B4-BE49-F238E27FC236}">
+                <a16:creationId xmlns:a16="http://schemas.microsoft.com/office/drawing/2014/main" id="{6BA198B2-A78E-4D9C-A9E4-B0ED42B2E8B7}"/>
+              </a:ext>
+              <a:ext uri="{C183D7F6-B498-43B3-948B-1728B52AA6E4}">
+                <adec:decorative xmlns:adec="http://schemas.microsoft.com/office/drawing/2017/decorative" val="1"/>
+              </a:ext>
+            </a:extLst>
+          </p:cNvPr>
+          <p:cNvSpPr>
+            <a:spLocks noGrp="1" noRot="1" noChangeAspect="1" noMove="1" noResize="1" noEditPoints="1" noAdjustHandles="1" noChangeArrowheads="1" noChangeShapeType="1" noTextEdit="1"/>
+          </p:cNvSpPr>
+          <p:nvPr>
+            <p:extLst>
+              <p:ext uri="{386F3935-93C4-4BCD-93E2-E3B085C9AB24}">
+                <p16:designElem xmlns:p16="http://schemas.microsoft.com/office/powerpoint/2015/main" val="1"/>
+              </p:ext>
+            </p:extLst>
+          </p:nvPr>
+        </p:nvSpPr>
+        <p:spPr bwMode="auto">
+          <a:xfrm>
+            <a:off x="795529" y="644382"/>
+            <a:ext cx="3856024" cy="5251646"/>
+          </a:xfrm>
+          <a:prstGeom prst="rect">
+            <a:avLst/>
+          </a:prstGeom>
+          <a:solidFill>
+            <a:schemeClr val="accent1"/>
+          </a:solidFill>
+          <a:ln>
+            <a:noFill/>
+          </a:ln>
+        </p:spPr>
+        <p:txBody>
+          <a:bodyPr vert="horz" wrap="square" lIns="91440" tIns="45720" rIns="91440" bIns="45720" numCol="1" anchor="t" anchorCtr="0" compatLnSpc="1">
+            <a:prstTxWarp prst="textNoShape">
+              <a:avLst/>
+            </a:prstTxWarp>
+          </a:bodyPr>
+          <a:lstStyle/>
+          <a:p>
+            <a:endParaRPr lang="en-US"/>
+          </a:p>
+        </p:txBody>
+      </p:sp>
+      <p:sp>
+        <p:nvSpPr>
+          <p:cNvPr id="2" name="Title 1"/>
+          <p:cNvSpPr>
+            <a:spLocks noGrp="1"/>
+          </p:cNvSpPr>
+          <p:nvPr>
+            <p:ph type="title"/>
+          </p:nvPr>
+        </p:nvSpPr>
+        <p:spPr>
+          <a:xfrm>
+            <a:off x="1146879" y="914875"/>
+            <a:ext cx="3182940" cy="1471959"/>
+          </a:xfrm>
+        </p:spPr>
+        <p:txBody>
+          <a:bodyPr>
+            <a:normAutofit/>
+          </a:bodyPr>
+          <a:lstStyle/>
+          <a:p>
+            <a:r>
+              <a:rPr lang="en-US" sz="3600">
+                <a:solidFill>
+                  <a:srgbClr val="FFFFFF"/>
+                </a:solidFill>
+              </a:rPr>
+              <a:t>What is E-Commerce</a:t>
+            </a:r>
+            <a:endParaRPr lang="bg-BG" sz="3600">
+              <a:solidFill>
+                <a:srgbClr val="FFFFFF"/>
+              </a:solidFill>
+            </a:endParaRPr>
+          </a:p>
+        </p:txBody>
+      </p:sp>
+      <p:sp>
+        <p:nvSpPr>
+          <p:cNvPr id="5" name="Content Placeholder 4"/>
+          <p:cNvSpPr>
+            <a:spLocks noGrp="1"/>
+          </p:cNvSpPr>
+          <p:nvPr>
+            <p:ph idx="1"/>
+          </p:nvPr>
+        </p:nvSpPr>
+        <p:spPr>
+          <a:xfrm>
+            <a:off x="1070363" y="2324488"/>
+            <a:ext cx="3200451" cy="2985929"/>
+          </a:xfrm>
+        </p:spPr>
+        <p:txBody>
+          <a:bodyPr vert="horz" lIns="91440" tIns="45720" rIns="91440" bIns="45720" rtlCol="0" anchor="t">
+            <a:noAutofit/>
+          </a:bodyPr>
+          <a:lstStyle/>
+          <a:p>
+            <a:r>
+              <a:rPr lang="en-US" sz="1600" dirty="0">
+                <a:solidFill>
+                  <a:srgbClr val="FEFFFF"/>
+                </a:solidFill>
+                <a:ea typeface="+mn-lt"/>
+                <a:cs typeface="+mn-lt"/>
+              </a:rPr>
+              <a:t>E-Commerce refers the use of internet and other online services to be engaged in buying and selling of digital and non-digital products and services which require digital transportation or physical transportation.</a:t>
+            </a:r>
+            <a:r>
+              <a:rPr lang="en-US" sz="1600" dirty="0">
+                <a:solidFill>
+                  <a:srgbClr val="FEFFFF"/>
+                </a:solidFill>
+              </a:rPr>
+              <a:t> </a:t>
+            </a:r>
+            <a:endParaRPr lang="en-US" sz="1600" dirty="0">
+              <a:solidFill>
+                <a:srgbClr val="FEFFFF"/>
+              </a:solidFill>
+              <a:cs typeface="Calibri"/>
+            </a:endParaRPr>
+          </a:p>
+          <a:p>
+            <a:endParaRPr lang="en-US" sz="1400" dirty="0">
+              <a:solidFill>
+                <a:srgbClr val="FEFFFF"/>
+              </a:solidFill>
+              <a:cs typeface="Calibri"/>
+            </a:endParaRPr>
+          </a:p>
+          <a:p>
+            <a:r>
+              <a:rPr lang="en-US" sz="1600" dirty="0">
+                <a:solidFill>
+                  <a:srgbClr val="FEFFFF"/>
+                </a:solidFill>
+                <a:cs typeface="Calibri"/>
+              </a:rPr>
+              <a:t>Examples for </a:t>
+            </a:r>
+            <a:r>
+              <a:rPr lang="en-US" sz="1600" dirty="0">
+                <a:solidFill>
+                  <a:srgbClr val="FEFFFF"/>
+                </a:solidFill>
+                <a:ea typeface="+mn-lt"/>
+                <a:cs typeface="+mn-lt"/>
+              </a:rPr>
+              <a:t>E-Commerce are: </a:t>
+            </a:r>
+          </a:p>
+          <a:p>
+            <a:pPr marL="0" indent="0">
+              <a:buNone/>
+            </a:pPr>
+            <a:r>
+              <a:rPr lang="en-US" sz="1600" dirty="0">
+                <a:solidFill>
+                  <a:srgbClr val="FEFFFF"/>
+                </a:solidFill>
+                <a:ea typeface="+mn-lt"/>
+                <a:cs typeface="+mn-lt"/>
+              </a:rPr>
+              <a:t>1. eBay</a:t>
+            </a:r>
+          </a:p>
+          <a:p>
+            <a:pPr marL="0" indent="0">
+              <a:buNone/>
+            </a:pPr>
+            <a:r>
+              <a:rPr lang="en-US" sz="1600" dirty="0">
+                <a:solidFill>
+                  <a:srgbClr val="FEFFFF"/>
+                </a:solidFill>
+                <a:ea typeface="+mn-lt"/>
+                <a:cs typeface="+mn-lt"/>
+              </a:rPr>
+              <a:t>2. Amazon</a:t>
+            </a:r>
+          </a:p>
+          <a:p>
+            <a:pPr marL="0" indent="0">
+              <a:buNone/>
+            </a:pPr>
+            <a:r>
+              <a:rPr lang="en-US" sz="1600" dirty="0">
+                <a:solidFill>
+                  <a:srgbClr val="FEFFFF"/>
+                </a:solidFill>
+                <a:ea typeface="+mn-lt"/>
+                <a:cs typeface="+mn-lt"/>
+              </a:rPr>
+              <a:t>3. OLX</a:t>
+            </a:r>
+          </a:p>
+        </p:txBody>
+      </p:sp>
+    </p:spTree>
+    <p:extLst>
+      <p:ext uri="{BB962C8B-B14F-4D97-AF65-F5344CB8AC3E}">
+        <p14:creationId xmlns:p14="http://schemas.microsoft.com/office/powerpoint/2010/main" val="2693386454"/>
+      </p:ext>
+    </p:extLst>
+  </p:cSld>
+  <p:clrMapOvr>
+    <a:masterClrMapping/>
+  </p:clrMapOvr>
+</p:sld>
+</file>
+
+<file path=ppt/slides/slide3.xml><?xml version="1.0" encoding="utf-8"?>
+<p:sld xmlns:a="http://schemas.openxmlformats.org/drawingml/2006/main" xmlns:r="http://schemas.openxmlformats.org/officeDocument/2006/relationships" xmlns:p="http://schemas.openxmlformats.org/presentationml/2006/main">
+  <p:cSld>
+    <p:bg>
+      <p:bgPr>
+        <a:solidFill>
+          <a:schemeClr val="bg1"/>
+        </a:solidFill>
+        <a:effectLst/>
+      </p:bgPr>
+    </p:bg>
+    <p:spTree>
+      <p:nvGrpSpPr>
+        <p:cNvPr id="1" name=""/>
+        <p:cNvGrpSpPr/>
+        <p:nvPr/>
+      </p:nvGrpSpPr>
+      <p:grpSpPr>
+        <a:xfrm>
+          <a:off x="0" y="0"/>
+          <a:ext cx="0" cy="0"/>
+          <a:chOff x="0" y="0"/>
+          <a:chExt cx="0" cy="0"/>
+        </a:xfrm>
+      </p:grpSpPr>
+      <p:pic>
+        <p:nvPicPr>
+          <p:cNvPr id="5" name="Picture 5" descr="A close up of a sign&#10;&#10;Description generated with high confidence">
+            <a:extLst>
+              <a:ext uri="{FF2B5EF4-FFF2-40B4-BE49-F238E27FC236}">
+                <a16:creationId xmlns:a16="http://schemas.microsoft.com/office/drawing/2014/main" id="{9ADFDB42-E47B-4DBB-8CAF-AD75C02B66CB}"/>
+              </a:ext>
+            </a:extLst>
+          </p:cNvPr>
+          <p:cNvPicPr>
+            <a:picLocks noChangeAspect="1"/>
+          </p:cNvPicPr>
+          <p:nvPr/>
+        </p:nvPicPr>
+        <p:blipFill rotWithShape="1">
+          <a:blip r:embed="rId2">
+            <a:alphaModFix/>
+          </a:blip>
+          <a:srcRect l="23772" r="22384" b="-1"/>
+          <a:stretch/>
+        </p:blipFill>
+        <p:spPr>
+          <a:xfrm>
+            <a:off x="5797543" y="10"/>
+            <a:ext cx="6394152" cy="6857990"/>
+          </a:xfrm>
+          <a:prstGeom prst="rect">
+            <a:avLst/>
+          </a:prstGeom>
+        </p:spPr>
+      </p:pic>
+      <p:pic>
+        <p:nvPicPr>
+          <p:cNvPr id="18" name="Picture 17">
+            <a:extLst>
+              <a:ext uri="{FF2B5EF4-FFF2-40B4-BE49-F238E27FC236}">
+                <a16:creationId xmlns:a16="http://schemas.microsoft.com/office/drawing/2014/main" id="{54DDEBDD-D8BD-41A6-8A0D-B00E3768B0F9}"/>
+              </a:ext>
+              <a:ext uri="{C183D7F6-B498-43B3-948B-1728B52AA6E4}">
+                <adec:decorative xmlns:adec="http://schemas.microsoft.com/office/drawing/2017/decorative" val="1"/>
+              </a:ext>
+            </a:extLst>
+          </p:cNvPr>
+          <p:cNvPicPr>
+            <a:picLocks noGrp="1" noRot="1" noChangeAspect="1" noMove="1" noResize="1" noEditPoints="1" noAdjustHandles="1" noChangeArrowheads="1" noChangeShapeType="1" noCrop="1"/>
+          </p:cNvPicPr>
+          <p:nvPr>
+            <p:extLst>
+              <p:ext uri="{386F3935-93C4-4BCD-93E2-E3B085C9AB24}">
+                <p16:designElem xmlns:p16="http://schemas.microsoft.com/office/powerpoint/2015/main" val="1"/>
+              </p:ext>
+            </p:extLst>
+          </p:nvPr>
+        </p:nvPicPr>
+        <p:blipFill>
+          <a:blip r:embed="rId3">
+            <a:extLst>
+              <a:ext uri="{28A0092B-C50C-407E-A947-70E740481C1C}">
+                <a14:useLocalDpi xmlns:a14="http://schemas.microsoft.com/office/drawing/2010/main" val="0"/>
+              </a:ext>
+            </a:extLst>
+          </a:blip>
+          <a:stretch>
+            <a:fillRect/>
+          </a:stretch>
+        </p:blipFill>
+        <p:spPr>
+          <a:xfrm flipH="1" flipV="1">
+            <a:off x="0" y="0"/>
+            <a:ext cx="12192000" cy="6858000"/>
+          </a:xfrm>
+          <a:prstGeom prst="rect">
+            <a:avLst/>
+          </a:prstGeom>
+        </p:spPr>
+      </p:pic>
+      <p:sp>
+        <p:nvSpPr>
+          <p:cNvPr id="2" name="Title 1">
+            <a:extLst>
+              <a:ext uri="{FF2B5EF4-FFF2-40B4-BE49-F238E27FC236}">
+                <a16:creationId xmlns:a16="http://schemas.microsoft.com/office/drawing/2014/main" id="{D0217BA6-B69C-49F2-9EE8-FCBA85E9C03A}"/>
+              </a:ext>
+            </a:extLst>
+          </p:cNvPr>
+          <p:cNvSpPr>
+            <a:spLocks noGrp="1"/>
+          </p:cNvSpPr>
+          <p:nvPr>
+            <p:ph type="title"/>
+          </p:nvPr>
+        </p:nvSpPr>
+        <p:spPr>
+          <a:xfrm>
+            <a:off x="804998" y="798445"/>
+            <a:ext cx="4803636" cy="1311664"/>
+          </a:xfrm>
+        </p:spPr>
+        <p:txBody>
+          <a:bodyPr>
+            <a:normAutofit/>
+          </a:bodyPr>
+          <a:lstStyle/>
+          <a:p>
+            <a:r>
+              <a:rPr lang="en-US" dirty="0">
+                <a:solidFill>
+                  <a:srgbClr val="000000"/>
+                </a:solidFill>
+                <a:cs typeface="Calibri Light"/>
+              </a:rPr>
+              <a:t>About the project</a:t>
+            </a:r>
+          </a:p>
+        </p:txBody>
+      </p:sp>
+      <p:sp>
+        <p:nvSpPr>
+          <p:cNvPr id="8" name="Content Placeholder 7">
+            <a:extLst>
+              <a:ext uri="{FF2B5EF4-FFF2-40B4-BE49-F238E27FC236}">
+                <a16:creationId xmlns:a16="http://schemas.microsoft.com/office/drawing/2014/main" id="{A5842D4D-0209-4282-96E2-6EA8D2385064}"/>
+              </a:ext>
+            </a:extLst>
+          </p:cNvPr>
+          <p:cNvSpPr>
+            <a:spLocks noGrp="1"/>
+          </p:cNvSpPr>
+          <p:nvPr>
+            <p:ph idx="1"/>
+          </p:nvPr>
+        </p:nvSpPr>
+        <p:spPr>
+          <a:xfrm>
+            <a:off x="804997" y="2272143"/>
+            <a:ext cx="4706803" cy="3788830"/>
+          </a:xfrm>
+        </p:spPr>
+        <p:txBody>
+          <a:bodyPr vert="horz" lIns="91440" tIns="45720" rIns="91440" bIns="45720" rtlCol="0" anchor="ctr">
+            <a:normAutofit/>
+          </a:bodyPr>
+          <a:lstStyle/>
+          <a:p>
+            <a:r>
+              <a:rPr lang="en-US" sz="2000" dirty="0">
+                <a:solidFill>
+                  <a:srgbClr val="000000"/>
+                </a:solidFill>
+                <a:cs typeface="Calibri"/>
+              </a:rPr>
+              <a:t>Our project is a C++ program which aims to help people sell or buy goods and services online.</a:t>
+            </a:r>
+          </a:p>
+          <a:p>
+            <a:endParaRPr lang="en-US" sz="2000" dirty="0">
+              <a:solidFill>
+                <a:srgbClr val="000000"/>
+              </a:solidFill>
+              <a:cs typeface="Calibri"/>
+            </a:endParaRPr>
+          </a:p>
+          <a:p>
+            <a:r>
+              <a:rPr lang="en-US" sz="2000" dirty="0">
+                <a:solidFill>
+                  <a:srgbClr val="000000"/>
+                </a:solidFill>
+                <a:cs typeface="Calibri"/>
+              </a:rPr>
+              <a:t>There are many functions in the program which can help users to find customers and offers easy and fast. </a:t>
+            </a:r>
+          </a:p>
+        </p:txBody>
+      </p:sp>
+    </p:spTree>
+    <p:extLst>
+      <p:ext uri="{BB962C8B-B14F-4D97-AF65-F5344CB8AC3E}">
+        <p14:creationId xmlns:p14="http://schemas.microsoft.com/office/powerpoint/2010/main" val="1141936255"/>
+      </p:ext>
+    </p:extLst>
+  </p:cSld>
+  <p:clrMapOvr>
+    <a:masterClrMapping/>
+  </p:clrMapOvr>
+</p:sld>
+</file>
+
+<file path=ppt/slides/slide4.xml><?xml version="1.0" encoding="utf-8"?>
 <p:sld xmlns:a="http://schemas.openxmlformats.org/drawingml/2006/main" xmlns:r="http://schemas.openxmlformats.org/officeDocument/2006/relationships" xmlns:p="http://schemas.openxmlformats.org/presentationml/2006/main">
   <p:cSld>
     <p:bg>
@@ -3937,8 +7816,8 @@
         </p:nvSpPr>
         <p:spPr>
           <a:xfrm>
-            <a:off x="6734684" y="2421682"/>
-            <a:ext cx="4333468" cy="3639289"/>
+            <a:off x="6734683" y="2421682"/>
+            <a:ext cx="4534207" cy="3639289"/>
           </a:xfrm>
         </p:spPr>
         <p:txBody>
@@ -3954,19 +7833,11 @@
                 </a:solidFill>
                 <a:cs typeface="Calibri"/>
               </a:rPr>
-              <a:t>For the creation of the program we used C++. The program is written on Visual Studio 2019.</a:t>
+              <a:t>Our program is written on C++. The IDE which we use is Visual Studio 2019 </a:t>
             </a:r>
           </a:p>
           <a:p>
-            <a:endParaRPr lang="en-US" sz="2000">
-              <a:solidFill>
-                <a:srgbClr val="000000"/>
-              </a:solidFill>
-              <a:cs typeface="Calibri"/>
-            </a:endParaRPr>
-          </a:p>
-          <a:p>
-            <a:endParaRPr lang="en-US" sz="2000">
+            <a:endParaRPr lang="en-US" sz="2000" dirty="0">
               <a:solidFill>
                 <a:srgbClr val="000000"/>
               </a:solidFill>
@@ -3999,7 +7870,480 @@
 </p:sld>
 </file>
 
-<file path=ppt/slides/slide3.xml><?xml version="1.0" encoding="utf-8"?>
+<file path=ppt/slides/slide5.xml><?xml version="1.0" encoding="utf-8"?>
+<p:sld xmlns:a="http://schemas.openxmlformats.org/drawingml/2006/main" xmlns:r="http://schemas.openxmlformats.org/officeDocument/2006/relationships" xmlns:p="http://schemas.openxmlformats.org/presentationml/2006/main">
+  <p:cSld>
+    <p:spTree>
+      <p:nvGrpSpPr>
+        <p:cNvPr id="1" name=""/>
+        <p:cNvGrpSpPr/>
+        <p:nvPr/>
+      </p:nvGrpSpPr>
+      <p:grpSpPr>
+        <a:xfrm>
+          <a:off x="0" y="0"/>
+          <a:ext cx="0" cy="0"/>
+          <a:chOff x="0" y="0"/>
+          <a:chExt cx="0" cy="0"/>
+        </a:xfrm>
+      </p:grpSpPr>
+      <p:sp>
+        <p:nvSpPr>
+          <p:cNvPr id="2" name="Title 1">
+            <a:extLst>
+              <a:ext uri="{FF2B5EF4-FFF2-40B4-BE49-F238E27FC236}">
+                <a16:creationId xmlns:a16="http://schemas.microsoft.com/office/drawing/2014/main" id="{316CB4EF-216E-42B4-AD7E-7301B2372841}"/>
+              </a:ext>
+            </a:extLst>
+          </p:cNvPr>
+          <p:cNvSpPr>
+            <a:spLocks noGrp="1"/>
+          </p:cNvSpPr>
+          <p:nvPr>
+            <p:ph type="title"/>
+          </p:nvPr>
+        </p:nvSpPr>
+        <p:spPr/>
+        <p:txBody>
+          <a:bodyPr/>
+          <a:lstStyle/>
+          <a:p>
+            <a:endParaRPr lang="bg-BG"/>
+          </a:p>
+        </p:txBody>
+      </p:sp>
+      <p:sp>
+        <p:nvSpPr>
+          <p:cNvPr id="3" name="Content Placeholder 2"/>
+          <p:cNvSpPr>
+            <a:spLocks noGrp="1"/>
+          </p:cNvSpPr>
+          <p:nvPr>
+            <p:ph idx="1"/>
+          </p:nvPr>
+        </p:nvSpPr>
+        <p:spPr/>
+        <p:txBody>
+          <a:bodyPr/>
+          <a:lstStyle/>
+          <a:p>
+            <a:endParaRPr lang="en-US"/>
+          </a:p>
+        </p:txBody>
+      </p:sp>
+      <p:pic>
+        <p:nvPicPr>
+          <p:cNvPr id="4" name="Picture 3"/>
+          <p:cNvPicPr>
+            <a:picLocks noChangeAspect="1"/>
+          </p:cNvPicPr>
+          <p:nvPr/>
+        </p:nvPicPr>
+        <p:blipFill>
+          <a:blip r:embed="rId2"/>
+          <a:stretch>
+            <a:fillRect/>
+          </a:stretch>
+        </p:blipFill>
+        <p:spPr>
+          <a:xfrm>
+            <a:off x="123583" y="303441"/>
+            <a:ext cx="11857748" cy="6233700"/>
+          </a:xfrm>
+          <a:prstGeom prst="rect">
+            <a:avLst/>
+          </a:prstGeom>
+        </p:spPr>
+      </p:pic>
+      <p:pic>
+        <p:nvPicPr>
+          <p:cNvPr id="5" name="Picture 4"/>
+          <p:cNvPicPr>
+            <a:picLocks noChangeAspect="1"/>
+          </p:cNvPicPr>
+          <p:nvPr/>
+        </p:nvPicPr>
+        <p:blipFill>
+          <a:blip r:embed="rId3"/>
+          <a:stretch>
+            <a:fillRect/>
+          </a:stretch>
+        </p:blipFill>
+        <p:spPr>
+          <a:xfrm>
+            <a:off x="-1094093" y="460753"/>
+            <a:ext cx="14380186" cy="5936494"/>
+          </a:xfrm>
+          <a:prstGeom prst="rect">
+            <a:avLst/>
+          </a:prstGeom>
+        </p:spPr>
+      </p:pic>
+    </p:spTree>
+    <p:extLst>
+      <p:ext uri="{BB962C8B-B14F-4D97-AF65-F5344CB8AC3E}">
+        <p14:creationId xmlns:p14="http://schemas.microsoft.com/office/powerpoint/2010/main" val="1984873261"/>
+      </p:ext>
+    </p:extLst>
+  </p:cSld>
+  <p:clrMapOvr>
+    <a:masterClrMapping/>
+  </p:clrMapOvr>
+</p:sld>
+</file>
+
+<file path=ppt/slides/slide6.xml><?xml version="1.0" encoding="utf-8"?>
+<p:sld xmlns:a="http://schemas.openxmlformats.org/drawingml/2006/main" xmlns:r="http://schemas.openxmlformats.org/officeDocument/2006/relationships" xmlns:p="http://schemas.openxmlformats.org/presentationml/2006/main">
+  <p:cSld>
+    <p:spTree>
+      <p:nvGrpSpPr>
+        <p:cNvPr id="1" name=""/>
+        <p:cNvGrpSpPr/>
+        <p:nvPr/>
+      </p:nvGrpSpPr>
+      <p:grpSpPr>
+        <a:xfrm>
+          <a:off x="0" y="0"/>
+          <a:ext cx="0" cy="0"/>
+          <a:chOff x="0" y="0"/>
+          <a:chExt cx="0" cy="0"/>
+        </a:xfrm>
+      </p:grpSpPr>
+      <p:sp>
+        <p:nvSpPr>
+          <p:cNvPr id="2" name="Title 1">
+            <a:extLst>
+              <a:ext uri="{FF2B5EF4-FFF2-40B4-BE49-F238E27FC236}">
+                <a16:creationId xmlns:a16="http://schemas.microsoft.com/office/drawing/2014/main" id="{ED7926AA-C9CB-4499-BBD2-04F0D67F2756}"/>
+              </a:ext>
+            </a:extLst>
+          </p:cNvPr>
+          <p:cNvSpPr>
+            <a:spLocks noGrp="1"/>
+          </p:cNvSpPr>
+          <p:nvPr>
+            <p:ph type="title"/>
+          </p:nvPr>
+        </p:nvSpPr>
+        <p:spPr/>
+        <p:txBody>
+          <a:bodyPr/>
+          <a:lstStyle/>
+          <a:p>
+            <a:endParaRPr lang="bg-BG"/>
+          </a:p>
+        </p:txBody>
+      </p:sp>
+      <p:pic>
+        <p:nvPicPr>
+          <p:cNvPr id="5" name="Content Placeholder 4">
+            <a:extLst>
+              <a:ext uri="{FF2B5EF4-FFF2-40B4-BE49-F238E27FC236}">
+                <a16:creationId xmlns:a16="http://schemas.microsoft.com/office/drawing/2014/main" id="{19F7273D-E4F6-4329-AA98-F642DA7CFF9D}"/>
+              </a:ext>
+            </a:extLst>
+          </p:cNvPr>
+          <p:cNvPicPr>
+            <a:picLocks noGrp="1" noChangeAspect="1"/>
+          </p:cNvPicPr>
+          <p:nvPr>
+            <p:ph sz="half" idx="1"/>
+          </p:nvPr>
+        </p:nvPicPr>
+        <p:blipFill>
+          <a:blip r:embed="rId2"/>
+          <a:stretch>
+            <a:fillRect/>
+          </a:stretch>
+        </p:blipFill>
+        <p:spPr>
+          <a:xfrm>
+            <a:off x="643179" y="687343"/>
+            <a:ext cx="4973287" cy="2206458"/>
+          </a:xfrm>
+          <a:prstGeom prst="rect">
+            <a:avLst/>
+          </a:prstGeom>
+        </p:spPr>
+      </p:pic>
+      <p:pic>
+        <p:nvPicPr>
+          <p:cNvPr id="8" name="Content Placeholder 7">
+            <a:extLst>
+              <a:ext uri="{FF2B5EF4-FFF2-40B4-BE49-F238E27FC236}">
+                <a16:creationId xmlns:a16="http://schemas.microsoft.com/office/drawing/2014/main" id="{6ED8FF46-DBB0-4652-9F68-DF636D37999D}"/>
+              </a:ext>
+            </a:extLst>
+          </p:cNvPr>
+          <p:cNvPicPr>
+            <a:picLocks noGrp="1" noChangeAspect="1"/>
+          </p:cNvPicPr>
+          <p:nvPr>
+            <p:ph sz="half" idx="2"/>
+          </p:nvPr>
+        </p:nvPicPr>
+        <p:blipFill>
+          <a:blip r:embed="rId3"/>
+          <a:stretch>
+            <a:fillRect/>
+          </a:stretch>
+        </p:blipFill>
+        <p:spPr>
+          <a:xfrm>
+            <a:off x="5963936" y="3601561"/>
+            <a:ext cx="4997614" cy="3209368"/>
+          </a:xfrm>
+          <a:prstGeom prst="rect">
+            <a:avLst/>
+          </a:prstGeom>
+        </p:spPr>
+      </p:pic>
+      <p:pic>
+        <p:nvPicPr>
+          <p:cNvPr id="6" name="Picture 5">
+            <a:extLst>
+              <a:ext uri="{FF2B5EF4-FFF2-40B4-BE49-F238E27FC236}">
+                <a16:creationId xmlns:a16="http://schemas.microsoft.com/office/drawing/2014/main" id="{4F4F4CB5-551F-4D72-A782-87E0E53AEA9B}"/>
+              </a:ext>
+            </a:extLst>
+          </p:cNvPr>
+          <p:cNvPicPr>
+            <a:picLocks noChangeAspect="1"/>
+          </p:cNvPicPr>
+          <p:nvPr/>
+        </p:nvPicPr>
+        <p:blipFill>
+          <a:blip r:embed="rId4"/>
+          <a:stretch>
+            <a:fillRect/>
+          </a:stretch>
+        </p:blipFill>
+        <p:spPr>
+          <a:xfrm>
+            <a:off x="5803274" y="902243"/>
+            <a:ext cx="5550526" cy="2162200"/>
+          </a:xfrm>
+          <a:prstGeom prst="rect">
+            <a:avLst/>
+          </a:prstGeom>
+        </p:spPr>
+      </p:pic>
+      <p:pic>
+        <p:nvPicPr>
+          <p:cNvPr id="7" name="Picture 6">
+            <a:extLst>
+              <a:ext uri="{FF2B5EF4-FFF2-40B4-BE49-F238E27FC236}">
+                <a16:creationId xmlns:a16="http://schemas.microsoft.com/office/drawing/2014/main" id="{E507C9FD-4493-4810-8669-165D41FAEF0A}"/>
+              </a:ext>
+            </a:extLst>
+          </p:cNvPr>
+          <p:cNvPicPr>
+            <a:picLocks noChangeAspect="1"/>
+          </p:cNvPicPr>
+          <p:nvPr/>
+        </p:nvPicPr>
+        <p:blipFill>
+          <a:blip r:embed="rId5"/>
+          <a:stretch>
+            <a:fillRect/>
+          </a:stretch>
+        </p:blipFill>
+        <p:spPr>
+          <a:xfrm>
+            <a:off x="364505" y="3406759"/>
+            <a:ext cx="4973287" cy="2206458"/>
+          </a:xfrm>
+          <a:prstGeom prst="rect">
+            <a:avLst/>
+          </a:prstGeom>
+        </p:spPr>
+      </p:pic>
+    </p:spTree>
+    <p:extLst>
+      <p:ext uri="{BB962C8B-B14F-4D97-AF65-F5344CB8AC3E}">
+        <p14:creationId xmlns:p14="http://schemas.microsoft.com/office/powerpoint/2010/main" val="2949904098"/>
+      </p:ext>
+    </p:extLst>
+  </p:cSld>
+  <p:clrMapOvr>
+    <a:masterClrMapping/>
+  </p:clrMapOvr>
+</p:sld>
+</file>
+
+<file path=ppt/slides/slide7.xml><?xml version="1.0" encoding="utf-8"?>
+<p:sld xmlns:a="http://schemas.openxmlformats.org/drawingml/2006/main" xmlns:r="http://schemas.openxmlformats.org/officeDocument/2006/relationships" xmlns:p="http://schemas.openxmlformats.org/presentationml/2006/main">
+  <p:cSld>
+    <p:spTree>
+      <p:nvGrpSpPr>
+        <p:cNvPr id="1" name=""/>
+        <p:cNvGrpSpPr/>
+        <p:nvPr/>
+      </p:nvGrpSpPr>
+      <p:grpSpPr>
+        <a:xfrm>
+          <a:off x="0" y="0"/>
+          <a:ext cx="0" cy="0"/>
+          <a:chOff x="0" y="0"/>
+          <a:chExt cx="0" cy="0"/>
+        </a:xfrm>
+      </p:grpSpPr>
+      <p:sp>
+        <p:nvSpPr>
+          <p:cNvPr id="2" name="Title 1">
+            <a:extLst>
+              <a:ext uri="{FF2B5EF4-FFF2-40B4-BE49-F238E27FC236}">
+                <a16:creationId xmlns:a16="http://schemas.microsoft.com/office/drawing/2014/main" id="{ED7926AA-C9CB-4499-BBD2-04F0D67F2756}"/>
+              </a:ext>
+            </a:extLst>
+          </p:cNvPr>
+          <p:cNvSpPr>
+            <a:spLocks noGrp="1"/>
+          </p:cNvSpPr>
+          <p:nvPr>
+            <p:ph type="title"/>
+          </p:nvPr>
+        </p:nvSpPr>
+        <p:spPr/>
+        <p:txBody>
+          <a:bodyPr/>
+          <a:lstStyle/>
+          <a:p>
+            <a:endParaRPr lang="bg-BG"/>
+          </a:p>
+        </p:txBody>
+      </p:sp>
+      <p:pic>
+        <p:nvPicPr>
+          <p:cNvPr id="11" name="Content Placeholder 10">
+            <a:extLst>
+              <a:ext uri="{FF2B5EF4-FFF2-40B4-BE49-F238E27FC236}">
+                <a16:creationId xmlns:a16="http://schemas.microsoft.com/office/drawing/2014/main" id="{C6314416-48CC-4B01-9D10-9CE25C5759DE}"/>
+              </a:ext>
+            </a:extLst>
+          </p:cNvPr>
+          <p:cNvPicPr>
+            <a:picLocks noGrp="1" noChangeAspect="1"/>
+          </p:cNvPicPr>
+          <p:nvPr>
+            <p:ph sz="half" idx="1"/>
+          </p:nvPr>
+        </p:nvPicPr>
+        <p:blipFill>
+          <a:blip r:embed="rId2"/>
+          <a:stretch>
+            <a:fillRect/>
+          </a:stretch>
+        </p:blipFill>
+        <p:spPr>
+          <a:xfrm>
+            <a:off x="296155" y="576973"/>
+            <a:ext cx="5416701" cy="2227429"/>
+          </a:xfrm>
+          <a:prstGeom prst="rect">
+            <a:avLst/>
+          </a:prstGeom>
+        </p:spPr>
+      </p:pic>
+      <p:sp>
+        <p:nvSpPr>
+          <p:cNvPr id="10" name="Content Placeholder 9">
+            <a:extLst>
+              <a:ext uri="{FF2B5EF4-FFF2-40B4-BE49-F238E27FC236}">
+                <a16:creationId xmlns:a16="http://schemas.microsoft.com/office/drawing/2014/main" id="{A8F871C4-EE34-4267-9A17-E2D4C175A233}"/>
+              </a:ext>
+            </a:extLst>
+          </p:cNvPr>
+          <p:cNvSpPr>
+            <a:spLocks noGrp="1"/>
+          </p:cNvSpPr>
+          <p:nvPr>
+            <p:ph sz="half" idx="2"/>
+          </p:nvPr>
+        </p:nvSpPr>
+        <p:spPr/>
+        <p:txBody>
+          <a:bodyPr/>
+          <a:lstStyle/>
+          <a:p>
+            <a:endParaRPr lang="bg-BG"/>
+          </a:p>
+        </p:txBody>
+      </p:sp>
+      <p:pic>
+        <p:nvPicPr>
+          <p:cNvPr id="12" name="Picture 11">
+            <a:extLst>
+              <a:ext uri="{FF2B5EF4-FFF2-40B4-BE49-F238E27FC236}">
+                <a16:creationId xmlns:a16="http://schemas.microsoft.com/office/drawing/2014/main" id="{124ABF73-AD53-4AC2-91F7-6A869CF4943D}"/>
+              </a:ext>
+            </a:extLst>
+          </p:cNvPr>
+          <p:cNvPicPr>
+            <a:picLocks noChangeAspect="1"/>
+          </p:cNvPicPr>
+          <p:nvPr/>
+        </p:nvPicPr>
+        <p:blipFill>
+          <a:blip r:embed="rId3"/>
+          <a:stretch>
+            <a:fillRect/>
+          </a:stretch>
+        </p:blipFill>
+        <p:spPr>
+          <a:xfrm>
+            <a:off x="5865971" y="1726322"/>
+            <a:ext cx="5794057" cy="2022454"/>
+          </a:xfrm>
+          <a:prstGeom prst="rect">
+            <a:avLst/>
+          </a:prstGeom>
+        </p:spPr>
+      </p:pic>
+      <p:pic>
+        <p:nvPicPr>
+          <p:cNvPr id="13" name="Picture 12">
+            <a:extLst>
+              <a:ext uri="{FF2B5EF4-FFF2-40B4-BE49-F238E27FC236}">
+                <a16:creationId xmlns:a16="http://schemas.microsoft.com/office/drawing/2014/main" id="{5A6A82C9-2657-4ABE-9DBE-A3EC75DFB2B1}"/>
+              </a:ext>
+            </a:extLst>
+          </p:cNvPr>
+          <p:cNvPicPr>
+            <a:picLocks noChangeAspect="1"/>
+          </p:cNvPicPr>
+          <p:nvPr/>
+        </p:nvPicPr>
+        <p:blipFill>
+          <a:blip r:embed="rId4"/>
+          <a:stretch>
+            <a:fillRect/>
+          </a:stretch>
+        </p:blipFill>
+        <p:spPr>
+          <a:xfrm>
+            <a:off x="1329210" y="4094173"/>
+            <a:ext cx="5354908" cy="2182093"/>
+          </a:xfrm>
+          <a:prstGeom prst="rect">
+            <a:avLst/>
+          </a:prstGeom>
+        </p:spPr>
+      </p:pic>
+    </p:spTree>
+    <p:extLst>
+      <p:ext uri="{BB962C8B-B14F-4D97-AF65-F5344CB8AC3E}">
+        <p14:creationId xmlns:p14="http://schemas.microsoft.com/office/powerpoint/2010/main" val="189041914"/>
+      </p:ext>
+    </p:extLst>
+  </p:cSld>
+  <p:clrMapOvr>
+    <a:masterClrMapping/>
+  </p:clrMapOvr>
+</p:sld>
+</file>
+
+<file path=ppt/slides/slide8.xml><?xml version="1.0" encoding="utf-8"?>
 <p:sld xmlns:a="http://schemas.openxmlformats.org/drawingml/2006/main" xmlns:r="http://schemas.openxmlformats.org/officeDocument/2006/relationships" xmlns:p="http://schemas.openxmlformats.org/presentationml/2006/main">
   <p:cSld>
     <p:bg>
@@ -4024,225 +8368,12 @@
           <a:chExt cx="0" cy="0"/>
         </a:xfrm>
       </p:grpSpPr>
-      <p:pic>
-        <p:nvPicPr>
-          <p:cNvPr id="5" name="Picture 5" descr="A close up of a sign&#10;&#10;Description generated with high confidence">
+      <p:sp>
+        <p:nvSpPr>
+          <p:cNvPr id="6" name="Freeform: Shape 9">
             <a:extLst>
               <a:ext uri="{FF2B5EF4-FFF2-40B4-BE49-F238E27FC236}">
-                <a16:creationId xmlns:a16="http://schemas.microsoft.com/office/drawing/2014/main" id="{9ADFDB42-E47B-4DBB-8CAF-AD75C02B66CB}"/>
-              </a:ext>
-            </a:extLst>
-          </p:cNvPr>
-          <p:cNvPicPr>
-            <a:picLocks noChangeAspect="1"/>
-          </p:cNvPicPr>
-          <p:nvPr/>
-        </p:nvPicPr>
-        <p:blipFill rotWithShape="1">
-          <a:blip r:embed="rId2">
-            <a:alphaModFix/>
-          </a:blip>
-          <a:srcRect l="23772" r="22384" b="-1"/>
-          <a:stretch/>
-        </p:blipFill>
-        <p:spPr>
-          <a:xfrm>
-            <a:off x="5797543" y="10"/>
-            <a:ext cx="6394152" cy="6857990"/>
-          </a:xfrm>
-          <a:prstGeom prst="rect">
-            <a:avLst/>
-          </a:prstGeom>
-        </p:spPr>
-      </p:pic>
-      <p:pic>
-        <p:nvPicPr>
-          <p:cNvPr id="18" name="Picture 17">
-            <a:extLst>
-              <a:ext uri="{FF2B5EF4-FFF2-40B4-BE49-F238E27FC236}">
-                <a16:creationId xmlns:a16="http://schemas.microsoft.com/office/drawing/2014/main" id="{54DDEBDD-D8BD-41A6-8A0D-B00E3768B0F9}"/>
-              </a:ext>
-              <a:ext uri="{C183D7F6-B498-43B3-948B-1728B52AA6E4}">
-                <adec:decorative xmlns:adec="http://schemas.microsoft.com/office/drawing/2017/decorative" val="1"/>
-              </a:ext>
-            </a:extLst>
-          </p:cNvPr>
-          <p:cNvPicPr>
-            <a:picLocks noGrp="1" noRot="1" noChangeAspect="1" noMove="1" noResize="1" noEditPoints="1" noAdjustHandles="1" noChangeArrowheads="1" noChangeShapeType="1" noCrop="1"/>
-          </p:cNvPicPr>
-          <p:nvPr>
-            <p:extLst>
-              <p:ext uri="{386F3935-93C4-4BCD-93E2-E3B085C9AB24}">
-                <p16:designElem xmlns:p16="http://schemas.microsoft.com/office/powerpoint/2015/main" val="1"/>
-              </p:ext>
-            </p:extLst>
-          </p:nvPr>
-        </p:nvPicPr>
-        <p:blipFill>
-          <a:blip r:embed="rId3">
-            <a:extLst>
-              <a:ext uri="{28A0092B-C50C-407E-A947-70E740481C1C}">
-                <a14:useLocalDpi xmlns:a14="http://schemas.microsoft.com/office/drawing/2010/main" val="0"/>
-              </a:ext>
-            </a:extLst>
-          </a:blip>
-          <a:stretch>
-            <a:fillRect/>
-          </a:stretch>
-        </p:blipFill>
-        <p:spPr>
-          <a:xfrm flipH="1" flipV="1">
-            <a:off x="0" y="0"/>
-            <a:ext cx="12192000" cy="6858000"/>
-          </a:xfrm>
-          <a:prstGeom prst="rect">
-            <a:avLst/>
-          </a:prstGeom>
-        </p:spPr>
-      </p:pic>
-      <p:sp>
-        <p:nvSpPr>
-          <p:cNvPr id="2" name="Title 1">
-            <a:extLst>
-              <a:ext uri="{FF2B5EF4-FFF2-40B4-BE49-F238E27FC236}">
-                <a16:creationId xmlns:a16="http://schemas.microsoft.com/office/drawing/2014/main" id="{D0217BA6-B69C-49F2-9EE8-FCBA85E9C03A}"/>
-              </a:ext>
-            </a:extLst>
-          </p:cNvPr>
-          <p:cNvSpPr>
-            <a:spLocks noGrp="1"/>
-          </p:cNvSpPr>
-          <p:nvPr>
-            <p:ph type="title"/>
-          </p:nvPr>
-        </p:nvSpPr>
-        <p:spPr>
-          <a:xfrm>
-            <a:off x="804998" y="798445"/>
-            <a:ext cx="4803636" cy="1311664"/>
-          </a:xfrm>
-        </p:spPr>
-        <p:txBody>
-          <a:bodyPr>
-            <a:normAutofit/>
-          </a:bodyPr>
-          <a:lstStyle/>
-          <a:p>
-            <a:r>
-              <a:rPr lang="en-US">
-                <a:solidFill>
-                  <a:srgbClr val="000000"/>
-                </a:solidFill>
-                <a:cs typeface="Calibri Light"/>
-              </a:rPr>
-              <a:t>About the project</a:t>
-            </a:r>
-          </a:p>
-        </p:txBody>
-      </p:sp>
-      <p:sp>
-        <p:nvSpPr>
-          <p:cNvPr id="8" name="Content Placeholder 7">
-            <a:extLst>
-              <a:ext uri="{FF2B5EF4-FFF2-40B4-BE49-F238E27FC236}">
-                <a16:creationId xmlns:a16="http://schemas.microsoft.com/office/drawing/2014/main" id="{A5842D4D-0209-4282-96E2-6EA8D2385064}"/>
-              </a:ext>
-            </a:extLst>
-          </p:cNvPr>
-          <p:cNvSpPr>
-            <a:spLocks noGrp="1"/>
-          </p:cNvSpPr>
-          <p:nvPr>
-            <p:ph idx="1"/>
-          </p:nvPr>
-        </p:nvSpPr>
-        <p:spPr>
-          <a:xfrm>
-            <a:off x="804997" y="2272143"/>
-            <a:ext cx="4706803" cy="3788830"/>
-          </a:xfrm>
-        </p:spPr>
-        <p:txBody>
-          <a:bodyPr vert="horz" lIns="91440" tIns="45720" rIns="91440" bIns="45720" rtlCol="0" anchor="ctr">
-            <a:normAutofit/>
-          </a:bodyPr>
-          <a:lstStyle/>
-          <a:p>
-            <a:r>
-              <a:rPr lang="en-US" sz="2000" dirty="0">
-                <a:solidFill>
-                  <a:srgbClr val="000000"/>
-                </a:solidFill>
-                <a:cs typeface="Calibri"/>
-              </a:rPr>
-              <a:t>Our project is a C++ program which aims to help people sell or buy goods and services online.</a:t>
-            </a:r>
-          </a:p>
-          <a:p>
-            <a:endParaRPr lang="en-US" sz="2000">
-              <a:solidFill>
-                <a:srgbClr val="000000"/>
-              </a:solidFill>
-              <a:cs typeface="Calibri"/>
-            </a:endParaRPr>
-          </a:p>
-          <a:p>
-            <a:r>
-              <a:rPr lang="en-US" sz="2000" dirty="0">
-                <a:solidFill>
-                  <a:srgbClr val="000000"/>
-                </a:solidFill>
-                <a:cs typeface="Calibri"/>
-              </a:rPr>
-              <a:t>There are many functions in the program which can help users  find customers and offers easy and fast. </a:t>
-            </a:r>
-          </a:p>
-        </p:txBody>
-      </p:sp>
-    </p:spTree>
-    <p:extLst>
-      <p:ext uri="{BB962C8B-B14F-4D97-AF65-F5344CB8AC3E}">
-        <p14:creationId xmlns:p14="http://schemas.microsoft.com/office/powerpoint/2010/main" val="1141936255"/>
-      </p:ext>
-    </p:extLst>
-  </p:cSld>
-  <p:clrMapOvr>
-    <a:masterClrMapping/>
-  </p:clrMapOvr>
-</p:sld>
-</file>
-
-<file path=ppt/slides/slide4.xml><?xml version="1.0" encoding="utf-8"?>
-<p:sld xmlns:a="http://schemas.openxmlformats.org/drawingml/2006/main" xmlns:r="http://schemas.openxmlformats.org/officeDocument/2006/relationships" xmlns:p="http://schemas.openxmlformats.org/presentationml/2006/main">
-  <p:cSld>
-    <p:bg>
-      <p:bgPr>
-        <a:solidFill>
-          <a:schemeClr val="bg1"/>
-        </a:solidFill>
-        <a:effectLst/>
-      </p:bgPr>
-    </p:bg>
-    <p:spTree>
-      <p:nvGrpSpPr>
-        <p:cNvPr id="1" name=""/>
-        <p:cNvGrpSpPr/>
-        <p:nvPr/>
-      </p:nvGrpSpPr>
-      <p:grpSpPr>
-        <a:xfrm>
-          <a:off x="0" y="0"/>
-          <a:ext cx="0" cy="0"/>
-          <a:chOff x="0" y="0"/>
-          <a:chExt cx="0" cy="0"/>
-        </a:xfrm>
-      </p:grpSpPr>
-      <p:sp useBgFill="1">
-        <p:nvSpPr>
-          <p:cNvPr id="45" name="Rectangle 47">
-            <a:extLst>
-              <a:ext uri="{FF2B5EF4-FFF2-40B4-BE49-F238E27FC236}">
-                <a16:creationId xmlns:a16="http://schemas.microsoft.com/office/drawing/2014/main" id="{B1A4CC90-E81A-4B03-8C94-6821E5FDE5CC}"/>
+                <a16:creationId xmlns:a16="http://schemas.microsoft.com/office/drawing/2014/main" id="{46C2E80F-49A6-4372-B103-219D417A55ED}"/>
               </a:ext>
               <a:ext uri="{C183D7F6-B498-43B3-948B-1728B52AA6E4}">
                 <adec:decorative xmlns:adec="http://schemas.microsoft.com/office/drawing/2017/decorative" val="1"/>
@@ -4262,12 +8393,402 @@
         </p:nvSpPr>
         <p:spPr>
           <a:xfrm>
-            <a:off x="0" y="0"/>
-            <a:ext cx="12188952" cy="6858000"/>
+            <a:off x="484096" y="470925"/>
+            <a:ext cx="4381009" cy="5892104"/>
           </a:xfrm>
-          <a:prstGeom prst="rect">
+          <a:custGeom>
             <a:avLst/>
-          </a:prstGeom>
+            <a:gdLst>
+              <a:gd name="connsiteX0" fmla="*/ 0 w 4381009"/>
+              <a:gd name="connsiteY0" fmla="*/ 0 h 5892104"/>
+              <a:gd name="connsiteX1" fmla="*/ 4157628 w 4381009"/>
+              <a:gd name="connsiteY1" fmla="*/ 0 h 5892104"/>
+              <a:gd name="connsiteX2" fmla="*/ 4169302 w 4381009"/>
+              <a:gd name="connsiteY2" fmla="*/ 68659 h 5892104"/>
+              <a:gd name="connsiteX3" fmla="*/ 4191571 w 4381009"/>
+              <a:gd name="connsiteY3" fmla="*/ 205472 h 5892104"/>
+              <a:gd name="connsiteX4" fmla="*/ 4213368 w 4381009"/>
+              <a:gd name="connsiteY4" fmla="*/ 342890 h 5892104"/>
+              <a:gd name="connsiteX5" fmla="*/ 4232030 w 4381009"/>
+              <a:gd name="connsiteY5" fmla="*/ 480913 h 5892104"/>
+              <a:gd name="connsiteX6" fmla="*/ 4250848 w 4381009"/>
+              <a:gd name="connsiteY6" fmla="*/ 618332 h 5892104"/>
+              <a:gd name="connsiteX7" fmla="*/ 4268412 w 4381009"/>
+              <a:gd name="connsiteY7" fmla="*/ 756355 h 5892104"/>
+              <a:gd name="connsiteX8" fmla="*/ 4283467 w 4381009"/>
+              <a:gd name="connsiteY8" fmla="*/ 892563 h 5892104"/>
+              <a:gd name="connsiteX9" fmla="*/ 4297737 w 4381009"/>
+              <a:gd name="connsiteY9" fmla="*/ 1030587 h 5892104"/>
+              <a:gd name="connsiteX10" fmla="*/ 4310754 w 4381009"/>
+              <a:gd name="connsiteY10" fmla="*/ 1168005 h 5892104"/>
+              <a:gd name="connsiteX11" fmla="*/ 4322045 w 4381009"/>
+              <a:gd name="connsiteY11" fmla="*/ 1303002 h 5892104"/>
+              <a:gd name="connsiteX12" fmla="*/ 4333336 w 4381009"/>
+              <a:gd name="connsiteY12" fmla="*/ 1439815 h 5892104"/>
+              <a:gd name="connsiteX13" fmla="*/ 4342745 w 4381009"/>
+              <a:gd name="connsiteY13" fmla="*/ 1574812 h 5892104"/>
+              <a:gd name="connsiteX14" fmla="*/ 4350115 w 4381009"/>
+              <a:gd name="connsiteY14" fmla="*/ 1709808 h 5892104"/>
+              <a:gd name="connsiteX15" fmla="*/ 4357799 w 4381009"/>
+              <a:gd name="connsiteY15" fmla="*/ 1844200 h 5892104"/>
+              <a:gd name="connsiteX16" fmla="*/ 4364229 w 4381009"/>
+              <a:gd name="connsiteY16" fmla="*/ 1977381 h 5892104"/>
+              <a:gd name="connsiteX17" fmla="*/ 4368777 w 4381009"/>
+              <a:gd name="connsiteY17" fmla="*/ 2109351 h 5892104"/>
+              <a:gd name="connsiteX18" fmla="*/ 4372697 w 4381009"/>
+              <a:gd name="connsiteY18" fmla="*/ 2241321 h 5892104"/>
+              <a:gd name="connsiteX19" fmla="*/ 4376461 w 4381009"/>
+              <a:gd name="connsiteY19" fmla="*/ 2372080 h 5892104"/>
+              <a:gd name="connsiteX20" fmla="*/ 4378186 w 4381009"/>
+              <a:gd name="connsiteY20" fmla="*/ 2501023 h 5892104"/>
+              <a:gd name="connsiteX21" fmla="*/ 4380068 w 4381009"/>
+              <a:gd name="connsiteY21" fmla="*/ 2629966 h 5892104"/>
+              <a:gd name="connsiteX22" fmla="*/ 4381009 w 4381009"/>
+              <a:gd name="connsiteY22" fmla="*/ 2757093 h 5892104"/>
+              <a:gd name="connsiteX23" fmla="*/ 4380068 w 4381009"/>
+              <a:gd name="connsiteY23" fmla="*/ 2883010 h 5892104"/>
+              <a:gd name="connsiteX24" fmla="*/ 4380068 w 4381009"/>
+              <a:gd name="connsiteY24" fmla="*/ 3007715 h 5892104"/>
+              <a:gd name="connsiteX25" fmla="*/ 4378186 w 4381009"/>
+              <a:gd name="connsiteY25" fmla="*/ 3131210 h 5892104"/>
+              <a:gd name="connsiteX26" fmla="*/ 4375363 w 4381009"/>
+              <a:gd name="connsiteY26" fmla="*/ 3252283 h 5892104"/>
+              <a:gd name="connsiteX27" fmla="*/ 4372697 w 4381009"/>
+              <a:gd name="connsiteY27" fmla="*/ 3372146 h 5892104"/>
+              <a:gd name="connsiteX28" fmla="*/ 4369718 w 4381009"/>
+              <a:gd name="connsiteY28" fmla="*/ 3489587 h 5892104"/>
+              <a:gd name="connsiteX29" fmla="*/ 4365170 w 4381009"/>
+              <a:gd name="connsiteY29" fmla="*/ 3606423 h 5892104"/>
+              <a:gd name="connsiteX30" fmla="*/ 4360309 w 4381009"/>
+              <a:gd name="connsiteY30" fmla="*/ 3721443 h 5892104"/>
+              <a:gd name="connsiteX31" fmla="*/ 4355918 w 4381009"/>
+              <a:gd name="connsiteY31" fmla="*/ 3834041 h 5892104"/>
+              <a:gd name="connsiteX32" fmla="*/ 4343529 w 4381009"/>
+              <a:gd name="connsiteY32" fmla="*/ 4053789 h 5892104"/>
+              <a:gd name="connsiteX33" fmla="*/ 4330356 w 4381009"/>
+              <a:gd name="connsiteY33" fmla="*/ 4264457 h 5892104"/>
+              <a:gd name="connsiteX34" fmla="*/ 4316556 w 4381009"/>
+              <a:gd name="connsiteY34" fmla="*/ 4466650 h 5892104"/>
+              <a:gd name="connsiteX35" fmla="*/ 4301344 w 4381009"/>
+              <a:gd name="connsiteY35" fmla="*/ 4657946 h 5892104"/>
+              <a:gd name="connsiteX36" fmla="*/ 4285506 w 4381009"/>
+              <a:gd name="connsiteY36" fmla="*/ 4840767 h 5892104"/>
+              <a:gd name="connsiteX37" fmla="*/ 4268412 w 4381009"/>
+              <a:gd name="connsiteY37" fmla="*/ 5010269 h 5892104"/>
+              <a:gd name="connsiteX38" fmla="*/ 4251633 w 4381009"/>
+              <a:gd name="connsiteY38" fmla="*/ 5169481 h 5892104"/>
+              <a:gd name="connsiteX39" fmla="*/ 4234853 w 4381009"/>
+              <a:gd name="connsiteY39" fmla="*/ 5315980 h 5892104"/>
+              <a:gd name="connsiteX40" fmla="*/ 4219014 w 4381009"/>
+              <a:gd name="connsiteY40" fmla="*/ 5450371 h 5892104"/>
+              <a:gd name="connsiteX41" fmla="*/ 4203959 w 4381009"/>
+              <a:gd name="connsiteY41" fmla="*/ 5569628 h 5892104"/>
+              <a:gd name="connsiteX42" fmla="*/ 4189689 w 4381009"/>
+              <a:gd name="connsiteY42" fmla="*/ 5677384 h 5892104"/>
+              <a:gd name="connsiteX43" fmla="*/ 4177770 w 4381009"/>
+              <a:gd name="connsiteY43" fmla="*/ 5768189 h 5892104"/>
+              <a:gd name="connsiteX44" fmla="*/ 4166479 w 4381009"/>
+              <a:gd name="connsiteY44" fmla="*/ 5844465 h 5892104"/>
+              <a:gd name="connsiteX45" fmla="*/ 4159132 w 4381009"/>
+              <a:gd name="connsiteY45" fmla="*/ 5892104 h 5892104"/>
+              <a:gd name="connsiteX46" fmla="*/ 0 w 4381009"/>
+              <a:gd name="connsiteY46" fmla="*/ 5892104 h 5892104"/>
+            </a:gdLst>
+            <a:ahLst/>
+            <a:cxnLst>
+              <a:cxn ang="0">
+                <a:pos x="connsiteX0" y="connsiteY0"/>
+              </a:cxn>
+              <a:cxn ang="0">
+                <a:pos x="connsiteX1" y="connsiteY1"/>
+              </a:cxn>
+              <a:cxn ang="0">
+                <a:pos x="connsiteX2" y="connsiteY2"/>
+              </a:cxn>
+              <a:cxn ang="0">
+                <a:pos x="connsiteX3" y="connsiteY3"/>
+              </a:cxn>
+              <a:cxn ang="0">
+                <a:pos x="connsiteX4" y="connsiteY4"/>
+              </a:cxn>
+              <a:cxn ang="0">
+                <a:pos x="connsiteX5" y="connsiteY5"/>
+              </a:cxn>
+              <a:cxn ang="0">
+                <a:pos x="connsiteX6" y="connsiteY6"/>
+              </a:cxn>
+              <a:cxn ang="0">
+                <a:pos x="connsiteX7" y="connsiteY7"/>
+              </a:cxn>
+              <a:cxn ang="0">
+                <a:pos x="connsiteX8" y="connsiteY8"/>
+              </a:cxn>
+              <a:cxn ang="0">
+                <a:pos x="connsiteX9" y="connsiteY9"/>
+              </a:cxn>
+              <a:cxn ang="0">
+                <a:pos x="connsiteX10" y="connsiteY10"/>
+              </a:cxn>
+              <a:cxn ang="0">
+                <a:pos x="connsiteX11" y="connsiteY11"/>
+              </a:cxn>
+              <a:cxn ang="0">
+                <a:pos x="connsiteX12" y="connsiteY12"/>
+              </a:cxn>
+              <a:cxn ang="0">
+                <a:pos x="connsiteX13" y="connsiteY13"/>
+              </a:cxn>
+              <a:cxn ang="0">
+                <a:pos x="connsiteX14" y="connsiteY14"/>
+              </a:cxn>
+              <a:cxn ang="0">
+                <a:pos x="connsiteX15" y="connsiteY15"/>
+              </a:cxn>
+              <a:cxn ang="0">
+                <a:pos x="connsiteX16" y="connsiteY16"/>
+              </a:cxn>
+              <a:cxn ang="0">
+                <a:pos x="connsiteX17" y="connsiteY17"/>
+              </a:cxn>
+              <a:cxn ang="0">
+                <a:pos x="connsiteX18" y="connsiteY18"/>
+              </a:cxn>
+              <a:cxn ang="0">
+                <a:pos x="connsiteX19" y="connsiteY19"/>
+              </a:cxn>
+              <a:cxn ang="0">
+                <a:pos x="connsiteX20" y="connsiteY20"/>
+              </a:cxn>
+              <a:cxn ang="0">
+                <a:pos x="connsiteX21" y="connsiteY21"/>
+              </a:cxn>
+              <a:cxn ang="0">
+                <a:pos x="connsiteX22" y="connsiteY22"/>
+              </a:cxn>
+              <a:cxn ang="0">
+                <a:pos x="connsiteX23" y="connsiteY23"/>
+              </a:cxn>
+              <a:cxn ang="0">
+                <a:pos x="connsiteX24" y="connsiteY24"/>
+              </a:cxn>
+              <a:cxn ang="0">
+                <a:pos x="connsiteX25" y="connsiteY25"/>
+              </a:cxn>
+              <a:cxn ang="0">
+                <a:pos x="connsiteX26" y="connsiteY26"/>
+              </a:cxn>
+              <a:cxn ang="0">
+                <a:pos x="connsiteX27" y="connsiteY27"/>
+              </a:cxn>
+              <a:cxn ang="0">
+                <a:pos x="connsiteX28" y="connsiteY28"/>
+              </a:cxn>
+              <a:cxn ang="0">
+                <a:pos x="connsiteX29" y="connsiteY29"/>
+              </a:cxn>
+              <a:cxn ang="0">
+                <a:pos x="connsiteX30" y="connsiteY30"/>
+              </a:cxn>
+              <a:cxn ang="0">
+                <a:pos x="connsiteX31" y="connsiteY31"/>
+              </a:cxn>
+              <a:cxn ang="0">
+                <a:pos x="connsiteX32" y="connsiteY32"/>
+              </a:cxn>
+              <a:cxn ang="0">
+                <a:pos x="connsiteX33" y="connsiteY33"/>
+              </a:cxn>
+              <a:cxn ang="0">
+                <a:pos x="connsiteX34" y="connsiteY34"/>
+              </a:cxn>
+              <a:cxn ang="0">
+                <a:pos x="connsiteX35" y="connsiteY35"/>
+              </a:cxn>
+              <a:cxn ang="0">
+                <a:pos x="connsiteX36" y="connsiteY36"/>
+              </a:cxn>
+              <a:cxn ang="0">
+                <a:pos x="connsiteX37" y="connsiteY37"/>
+              </a:cxn>
+              <a:cxn ang="0">
+                <a:pos x="connsiteX38" y="connsiteY38"/>
+              </a:cxn>
+              <a:cxn ang="0">
+                <a:pos x="connsiteX39" y="connsiteY39"/>
+              </a:cxn>
+              <a:cxn ang="0">
+                <a:pos x="connsiteX40" y="connsiteY40"/>
+              </a:cxn>
+              <a:cxn ang="0">
+                <a:pos x="connsiteX41" y="connsiteY41"/>
+              </a:cxn>
+              <a:cxn ang="0">
+                <a:pos x="connsiteX42" y="connsiteY42"/>
+              </a:cxn>
+              <a:cxn ang="0">
+                <a:pos x="connsiteX43" y="connsiteY43"/>
+              </a:cxn>
+              <a:cxn ang="0">
+                <a:pos x="connsiteX44" y="connsiteY44"/>
+              </a:cxn>
+              <a:cxn ang="0">
+                <a:pos x="connsiteX45" y="connsiteY45"/>
+              </a:cxn>
+              <a:cxn ang="0">
+                <a:pos x="connsiteX46" y="connsiteY46"/>
+              </a:cxn>
+            </a:cxnLst>
+            <a:rect l="l" t="t" r="r" b="b"/>
+            <a:pathLst>
+              <a:path w="4381009" h="5892104">
+                <a:moveTo>
+                  <a:pt x="0" y="0"/>
+                </a:moveTo>
+                <a:lnTo>
+                  <a:pt x="4157628" y="0"/>
+                </a:lnTo>
+                <a:lnTo>
+                  <a:pt x="4169302" y="68659"/>
+                </a:lnTo>
+                <a:lnTo>
+                  <a:pt x="4191571" y="205472"/>
+                </a:lnTo>
+                <a:lnTo>
+                  <a:pt x="4213368" y="342890"/>
+                </a:lnTo>
+                <a:lnTo>
+                  <a:pt x="4232030" y="480913"/>
+                </a:lnTo>
+                <a:lnTo>
+                  <a:pt x="4250848" y="618332"/>
+                </a:lnTo>
+                <a:lnTo>
+                  <a:pt x="4268412" y="756355"/>
+                </a:lnTo>
+                <a:lnTo>
+                  <a:pt x="4283467" y="892563"/>
+                </a:lnTo>
+                <a:lnTo>
+                  <a:pt x="4297737" y="1030587"/>
+                </a:lnTo>
+                <a:lnTo>
+                  <a:pt x="4310754" y="1168005"/>
+                </a:lnTo>
+                <a:lnTo>
+                  <a:pt x="4322045" y="1303002"/>
+                </a:lnTo>
+                <a:lnTo>
+                  <a:pt x="4333336" y="1439815"/>
+                </a:lnTo>
+                <a:lnTo>
+                  <a:pt x="4342745" y="1574812"/>
+                </a:lnTo>
+                <a:lnTo>
+                  <a:pt x="4350115" y="1709808"/>
+                </a:lnTo>
+                <a:lnTo>
+                  <a:pt x="4357799" y="1844200"/>
+                </a:lnTo>
+                <a:lnTo>
+                  <a:pt x="4364229" y="1977381"/>
+                </a:lnTo>
+                <a:lnTo>
+                  <a:pt x="4368777" y="2109351"/>
+                </a:lnTo>
+                <a:lnTo>
+                  <a:pt x="4372697" y="2241321"/>
+                </a:lnTo>
+                <a:lnTo>
+                  <a:pt x="4376461" y="2372080"/>
+                </a:lnTo>
+                <a:lnTo>
+                  <a:pt x="4378186" y="2501023"/>
+                </a:lnTo>
+                <a:lnTo>
+                  <a:pt x="4380068" y="2629966"/>
+                </a:lnTo>
+                <a:lnTo>
+                  <a:pt x="4381009" y="2757093"/>
+                </a:lnTo>
+                <a:lnTo>
+                  <a:pt x="4380068" y="2883010"/>
+                </a:lnTo>
+                <a:lnTo>
+                  <a:pt x="4380068" y="3007715"/>
+                </a:lnTo>
+                <a:lnTo>
+                  <a:pt x="4378186" y="3131210"/>
+                </a:lnTo>
+                <a:lnTo>
+                  <a:pt x="4375363" y="3252283"/>
+                </a:lnTo>
+                <a:lnTo>
+                  <a:pt x="4372697" y="3372146"/>
+                </a:lnTo>
+                <a:lnTo>
+                  <a:pt x="4369718" y="3489587"/>
+                </a:lnTo>
+                <a:lnTo>
+                  <a:pt x="4365170" y="3606423"/>
+                </a:lnTo>
+                <a:lnTo>
+                  <a:pt x="4360309" y="3721443"/>
+                </a:lnTo>
+                <a:lnTo>
+                  <a:pt x="4355918" y="3834041"/>
+                </a:lnTo>
+                <a:lnTo>
+                  <a:pt x="4343529" y="4053789"/>
+                </a:lnTo>
+                <a:lnTo>
+                  <a:pt x="4330356" y="4264457"/>
+                </a:lnTo>
+                <a:lnTo>
+                  <a:pt x="4316556" y="4466650"/>
+                </a:lnTo>
+                <a:lnTo>
+                  <a:pt x="4301344" y="4657946"/>
+                </a:lnTo>
+                <a:lnTo>
+                  <a:pt x="4285506" y="4840767"/>
+                </a:lnTo>
+                <a:lnTo>
+                  <a:pt x="4268412" y="5010269"/>
+                </a:lnTo>
+                <a:lnTo>
+                  <a:pt x="4251633" y="5169481"/>
+                </a:lnTo>
+                <a:lnTo>
+                  <a:pt x="4234853" y="5315980"/>
+                </a:lnTo>
+                <a:lnTo>
+                  <a:pt x="4219014" y="5450371"/>
+                </a:lnTo>
+                <a:lnTo>
+                  <a:pt x="4203959" y="5569628"/>
+                </a:lnTo>
+                <a:lnTo>
+                  <a:pt x="4189689" y="5677384"/>
+                </a:lnTo>
+                <a:lnTo>
+                  <a:pt x="4177770" y="5768189"/>
+                </a:lnTo>
+                <a:lnTo>
+                  <a:pt x="4166479" y="5844465"/>
+                </a:lnTo>
+                <a:lnTo>
+                  <a:pt x="4159132" y="5892104"/>
+                </a:lnTo>
+                <a:lnTo>
+                  <a:pt x="0" y="5892104"/>
+                </a:lnTo>
+                <a:close/>
+              </a:path>
+            </a:pathLst>
+          </a:custGeom>
+          <a:solidFill>
+            <a:srgbClr val="404040"/>
+          </a:solidFill>
           <a:ln>
             <a:noFill/>
           </a:ln>
@@ -4289,353 +8810,55 @@
           </a:fontRef>
         </p:style>
         <p:txBody>
-          <a:bodyPr rtlCol="0" anchor="ctr"/>
+          <a:bodyPr wrap="square" rtlCol="0" anchor="ctr">
+            <a:noAutofit/>
+          </a:bodyPr>
           <a:lstStyle/>
           <a:p>
-            <a:pPr algn="ctr"/>
-            <a:endParaRPr lang="en-US"/>
+            <a:pPr marL="0" marR="0" lvl="0" indent="0" algn="ctr" defTabSz="457200" rtl="0" eaLnBrk="1" fontAlgn="auto" latinLnBrk="0" hangingPunct="1">
+              <a:lnSpc>
+                <a:spcPct val="100000"/>
+              </a:lnSpc>
+              <a:spcBef>
+                <a:spcPts val="0"/>
+              </a:spcBef>
+              <a:spcAft>
+                <a:spcPts val="0"/>
+              </a:spcAft>
+              <a:buClrTx/>
+              <a:buSzTx/>
+              <a:buFontTx/>
+              <a:buNone/>
+              <a:tabLst/>
+              <a:defRPr/>
+            </a:pPr>
+            <a:endParaRPr kumimoji="0" lang="en-US" sz="1800" b="0" i="0" u="none" strike="noStrike" kern="1200" cap="none" spc="0" normalizeH="0" baseline="0" noProof="0">
+              <a:ln>
+                <a:noFill/>
+              </a:ln>
+              <a:solidFill>
+                <a:prstClr val="white"/>
+              </a:solidFill>
+              <a:effectLst/>
+              <a:uLnTx/>
+              <a:uFillTx/>
+              <a:latin typeface="Calibri" panose="020F0502020204030204"/>
+              <a:ea typeface="+mn-ea"/>
+              <a:cs typeface="+mn-cs"/>
+            </a:endParaRPr>
           </a:p>
         </p:txBody>
       </p:sp>
-      <p:pic>
-        <p:nvPicPr>
-          <p:cNvPr id="3" name="Picture 3" descr="A picture containing toy&#10;&#10;Description generated with very high confidence">
+      <p:sp>
+        <p:nvSpPr>
+          <p:cNvPr id="2" name="Title 1">
             <a:extLst>
               <a:ext uri="{FF2B5EF4-FFF2-40B4-BE49-F238E27FC236}">
-                <a16:creationId xmlns:a16="http://schemas.microsoft.com/office/drawing/2014/main" id="{A25C6B60-D806-4423-822C-C0771689EC2C}"/>
-              </a:ext>
-            </a:extLst>
-          </p:cNvPr>
-          <p:cNvPicPr>
-            <a:picLocks noChangeAspect="1"/>
-          </p:cNvPicPr>
-          <p:nvPr/>
-        </p:nvPicPr>
-        <p:blipFill rotWithShape="1">
-          <a:blip r:embed="rId2"/>
-          <a:srcRect t="6759" r="-1" b="3239"/>
-          <a:stretch/>
-        </p:blipFill>
-        <p:spPr>
-          <a:xfrm>
-            <a:off x="-1" y="10"/>
-            <a:ext cx="12192000" cy="6857990"/>
-          </a:xfrm>
-          <a:prstGeom prst="rect">
-            <a:avLst/>
-          </a:prstGeom>
-        </p:spPr>
-      </p:pic>
-      <p:sp>
-        <p:nvSpPr>
-          <p:cNvPr id="46" name="Freeform 6">
-            <a:extLst>
-              <a:ext uri="{FF2B5EF4-FFF2-40B4-BE49-F238E27FC236}">
-                <a16:creationId xmlns:a16="http://schemas.microsoft.com/office/drawing/2014/main" id="{38CD23D4-26BA-4E59-A55A-81578AFAAF46}"/>
-              </a:ext>
-              <a:ext uri="{C183D7F6-B498-43B3-948B-1728B52AA6E4}">
-                <adec:decorative xmlns:adec="http://schemas.microsoft.com/office/drawing/2017/decorative" val="1"/>
+                <a16:creationId xmlns:a16="http://schemas.microsoft.com/office/drawing/2014/main" id="{95BADE36-5F6D-45A2-B61F-C77463B17EB0}"/>
               </a:ext>
             </a:extLst>
           </p:cNvPr>
           <p:cNvSpPr>
-            <a:spLocks noGrp="1" noRot="1" noChangeAspect="1" noMove="1" noResize="1" noEditPoints="1" noAdjustHandles="1" noChangeArrowheads="1" noChangeShapeType="1" noTextEdit="1"/>
-          </p:cNvSpPr>
-          <p:nvPr>
-            <p:extLst>
-              <p:ext uri="{386F3935-93C4-4BCD-93E2-E3B085C9AB24}">
-                <p16:designElem xmlns:p16="http://schemas.microsoft.com/office/powerpoint/2015/main" val="1"/>
-              </p:ext>
-            </p:extLst>
-          </p:nvPr>
-        </p:nvSpPr>
-        <p:spPr bwMode="auto">
-          <a:xfrm flipH="1">
-            <a:off x="521144" y="911116"/>
-            <a:ext cx="687754" cy="5710965"/>
-          </a:xfrm>
-          <a:custGeom>
-            <a:avLst/>
-            <a:gdLst>
-              <a:gd name="T0" fmla="*/ 414 w 414"/>
-              <a:gd name="T1" fmla="*/ 2447 h 2447"/>
-              <a:gd name="T2" fmla="*/ 0 w 414"/>
-              <a:gd name="T3" fmla="*/ 2247 h 2447"/>
-              <a:gd name="T4" fmla="*/ 0 w 414"/>
-              <a:gd name="T5" fmla="*/ 0 h 2447"/>
-              <a:gd name="T6" fmla="*/ 414 w 414"/>
-              <a:gd name="T7" fmla="*/ 200 h 2447"/>
-              <a:gd name="T8" fmla="*/ 414 w 414"/>
-              <a:gd name="T9" fmla="*/ 2447 h 2447"/>
-            </a:gdLst>
-            <a:ahLst/>
-            <a:cxnLst>
-              <a:cxn ang="0">
-                <a:pos x="T0" y="T1"/>
-              </a:cxn>
-              <a:cxn ang="0">
-                <a:pos x="T2" y="T3"/>
-              </a:cxn>
-              <a:cxn ang="0">
-                <a:pos x="T4" y="T5"/>
-              </a:cxn>
-              <a:cxn ang="0">
-                <a:pos x="T6" y="T7"/>
-              </a:cxn>
-              <a:cxn ang="0">
-                <a:pos x="T8" y="T9"/>
-              </a:cxn>
-            </a:cxnLst>
-            <a:rect l="0" t="0" r="r" b="b"/>
-            <a:pathLst>
-              <a:path w="414" h="2447">
-                <a:moveTo>
-                  <a:pt x="414" y="2447"/>
-                </a:moveTo>
-                <a:lnTo>
-                  <a:pt x="0" y="2247"/>
-                </a:lnTo>
-                <a:lnTo>
-                  <a:pt x="0" y="0"/>
-                </a:lnTo>
-                <a:lnTo>
-                  <a:pt x="414" y="200"/>
-                </a:lnTo>
-                <a:lnTo>
-                  <a:pt x="414" y="2447"/>
-                </a:lnTo>
-                <a:close/>
-              </a:path>
-            </a:pathLst>
-          </a:custGeom>
-          <a:solidFill>
-            <a:schemeClr val="accent1">
-              <a:lumMod val="75000"/>
-            </a:schemeClr>
-          </a:solidFill>
-          <a:ln>
-            <a:noFill/>
-          </a:ln>
-        </p:spPr>
-        <p:txBody>
-          <a:bodyPr vert="horz" wrap="square" lIns="91440" tIns="45720" rIns="91440" bIns="45720" numCol="1" anchor="t" anchorCtr="0" compatLnSpc="1">
-            <a:prstTxWarp prst="textNoShape">
-              <a:avLst/>
-            </a:prstTxWarp>
-          </a:bodyPr>
-          <a:lstStyle/>
-          <a:p>
-            <a:endParaRPr lang="en-US"/>
-          </a:p>
-        </p:txBody>
-      </p:sp>
-      <p:sp>
-        <p:nvSpPr>
-          <p:cNvPr id="52" name="Rectangle 8">
-            <a:extLst>
-              <a:ext uri="{FF2B5EF4-FFF2-40B4-BE49-F238E27FC236}">
-                <a16:creationId xmlns:a16="http://schemas.microsoft.com/office/drawing/2014/main" id="{6F059731-63E0-422B-B3AA-680FC080EF8A}"/>
-              </a:ext>
-              <a:ext uri="{C183D7F6-B498-43B3-948B-1728B52AA6E4}">
-                <adec:decorative xmlns:adec="http://schemas.microsoft.com/office/drawing/2017/decorative" val="1"/>
-              </a:ext>
-            </a:extLst>
-          </p:cNvPr>
-          <p:cNvSpPr>
-            <a:spLocks noGrp="1" noRot="1" noChangeAspect="1" noMove="1" noResize="1" noEditPoints="1" noAdjustHandles="1" noChangeArrowheads="1" noChangeShapeType="1" noTextEdit="1"/>
-          </p:cNvSpPr>
-          <p:nvPr>
-            <p:extLst>
-              <p:ext uri="{386F3935-93C4-4BCD-93E2-E3B085C9AB24}">
-                <p16:designElem xmlns:p16="http://schemas.microsoft.com/office/powerpoint/2015/main" val="1"/>
-              </p:ext>
-            </p:extLst>
-          </p:nvPr>
-        </p:nvSpPr>
-        <p:spPr bwMode="auto">
-          <a:xfrm flipH="1">
-            <a:off x="0" y="1370435"/>
-            <a:ext cx="527226" cy="5251646"/>
-          </a:xfrm>
-          <a:prstGeom prst="rect">
-            <a:avLst/>
-          </a:prstGeom>
-          <a:solidFill>
-            <a:schemeClr val="accent1"/>
-          </a:solidFill>
-          <a:ln>
-            <a:noFill/>
-          </a:ln>
-        </p:spPr>
-        <p:txBody>
-          <a:bodyPr vert="horz" wrap="square" lIns="91440" tIns="45720" rIns="91440" bIns="45720" numCol="1" anchor="t" anchorCtr="0" compatLnSpc="1">
-            <a:prstTxWarp prst="textNoShape">
-              <a:avLst/>
-            </a:prstTxWarp>
-          </a:bodyPr>
-          <a:lstStyle/>
-          <a:p>
-            <a:endParaRPr lang="en-US"/>
-          </a:p>
-        </p:txBody>
-      </p:sp>
-      <p:sp>
-        <p:nvSpPr>
-          <p:cNvPr id="54" name="Freeform 7">
-            <a:extLst>
-              <a:ext uri="{FF2B5EF4-FFF2-40B4-BE49-F238E27FC236}">
-                <a16:creationId xmlns:a16="http://schemas.microsoft.com/office/drawing/2014/main" id="{D1A706C7-360D-4E89-98E4-289C5332F2C8}"/>
-              </a:ext>
-              <a:ext uri="{C183D7F6-B498-43B3-948B-1728B52AA6E4}">
-                <adec:decorative xmlns:adec="http://schemas.microsoft.com/office/drawing/2017/decorative" val="1"/>
-              </a:ext>
-            </a:extLst>
-          </p:cNvPr>
-          <p:cNvSpPr>
-            <a:spLocks noGrp="1" noRot="1" noChangeAspect="1" noMove="1" noResize="1" noEditPoints="1" noAdjustHandles="1" noChangeArrowheads="1" noChangeShapeType="1" noTextEdit="1"/>
-          </p:cNvSpPr>
-          <p:nvPr>
-            <p:extLst>
-              <p:ext uri="{386F3935-93C4-4BCD-93E2-E3B085C9AB24}">
-                <p16:designElem xmlns:p16="http://schemas.microsoft.com/office/powerpoint/2015/main" val="1"/>
-              </p:ext>
-            </p:extLst>
-          </p:nvPr>
-        </p:nvSpPr>
-        <p:spPr bwMode="auto">
-          <a:xfrm flipH="1">
-            <a:off x="800164" y="643467"/>
-            <a:ext cx="409371" cy="5521414"/>
-          </a:xfrm>
-          <a:custGeom>
-            <a:avLst/>
-            <a:gdLst>
-              <a:gd name="T0" fmla="*/ 209 w 209"/>
-              <a:gd name="T1" fmla="*/ 2246 h 2358"/>
-              <a:gd name="T2" fmla="*/ 0 w 209"/>
-              <a:gd name="T3" fmla="*/ 2358 h 2358"/>
-              <a:gd name="T4" fmla="*/ 0 w 209"/>
-              <a:gd name="T5" fmla="*/ 111 h 2358"/>
-              <a:gd name="T6" fmla="*/ 209 w 209"/>
-              <a:gd name="T7" fmla="*/ 0 h 2358"/>
-              <a:gd name="T8" fmla="*/ 209 w 209"/>
-              <a:gd name="T9" fmla="*/ 2246 h 2358"/>
-            </a:gdLst>
-            <a:ahLst/>
-            <a:cxnLst>
-              <a:cxn ang="0">
-                <a:pos x="T0" y="T1"/>
-              </a:cxn>
-              <a:cxn ang="0">
-                <a:pos x="T2" y="T3"/>
-              </a:cxn>
-              <a:cxn ang="0">
-                <a:pos x="T4" y="T5"/>
-              </a:cxn>
-              <a:cxn ang="0">
-                <a:pos x="T6" y="T7"/>
-              </a:cxn>
-              <a:cxn ang="0">
-                <a:pos x="T8" y="T9"/>
-              </a:cxn>
-            </a:cxnLst>
-            <a:rect l="0" t="0" r="r" b="b"/>
-            <a:pathLst>
-              <a:path w="209" h="2358">
-                <a:moveTo>
-                  <a:pt x="209" y="2246"/>
-                </a:moveTo>
-                <a:lnTo>
-                  <a:pt x="0" y="2358"/>
-                </a:lnTo>
-                <a:lnTo>
-                  <a:pt x="0" y="111"/>
-                </a:lnTo>
-                <a:lnTo>
-                  <a:pt x="209" y="0"/>
-                </a:lnTo>
-                <a:lnTo>
-                  <a:pt x="209" y="2246"/>
-                </a:lnTo>
-                <a:close/>
-              </a:path>
-            </a:pathLst>
-          </a:custGeom>
-          <a:solidFill>
-            <a:schemeClr val="accent1">
-              <a:lumMod val="50000"/>
-            </a:schemeClr>
-          </a:solidFill>
-          <a:ln>
-            <a:noFill/>
-          </a:ln>
-        </p:spPr>
-        <p:txBody>
-          <a:bodyPr vert="horz" wrap="square" lIns="91440" tIns="45720" rIns="91440" bIns="45720" numCol="1" anchor="t" anchorCtr="0" compatLnSpc="1">
-            <a:prstTxWarp prst="textNoShape">
-              <a:avLst/>
-            </a:prstTxWarp>
-          </a:bodyPr>
-          <a:lstStyle/>
-          <a:p>
-            <a:endParaRPr lang="en-US"/>
-          </a:p>
-        </p:txBody>
-      </p:sp>
-      <p:sp>
-        <p:nvSpPr>
-          <p:cNvPr id="56" name="Rectangle 8">
-            <a:extLst>
-              <a:ext uri="{FF2B5EF4-FFF2-40B4-BE49-F238E27FC236}">
-                <a16:creationId xmlns:a16="http://schemas.microsoft.com/office/drawing/2014/main" id="{6BA198B2-A78E-4D9C-A9E4-B0ED42B2E8B7}"/>
-              </a:ext>
-              <a:ext uri="{C183D7F6-B498-43B3-948B-1728B52AA6E4}">
-                <adec:decorative xmlns:adec="http://schemas.microsoft.com/office/drawing/2017/decorative" val="1"/>
-              </a:ext>
-            </a:extLst>
-          </p:cNvPr>
-          <p:cNvSpPr>
-            <a:spLocks noGrp="1" noRot="1" noChangeAspect="1" noMove="1" noResize="1" noEditPoints="1" noAdjustHandles="1" noChangeArrowheads="1" noChangeShapeType="1" noTextEdit="1"/>
-          </p:cNvSpPr>
-          <p:nvPr>
-            <p:extLst>
-              <p:ext uri="{386F3935-93C4-4BCD-93E2-E3B085C9AB24}">
-                <p16:designElem xmlns:p16="http://schemas.microsoft.com/office/powerpoint/2015/main" val="1"/>
-              </p:ext>
-            </p:extLst>
-          </p:nvPr>
-        </p:nvSpPr>
-        <p:spPr bwMode="auto">
-          <a:xfrm>
-            <a:off x="795529" y="644382"/>
-            <a:ext cx="3856024" cy="5251646"/>
-          </a:xfrm>
-          <a:prstGeom prst="rect">
-            <a:avLst/>
-          </a:prstGeom>
-          <a:solidFill>
-            <a:schemeClr val="accent1"/>
-          </a:solidFill>
-          <a:ln>
-            <a:noFill/>
-          </a:ln>
-        </p:spPr>
-        <p:txBody>
-          <a:bodyPr vert="horz" wrap="square" lIns="91440" tIns="45720" rIns="91440" bIns="45720" numCol="1" anchor="t" anchorCtr="0" compatLnSpc="1">
-            <a:prstTxWarp prst="textNoShape">
-              <a:avLst/>
-            </a:prstTxWarp>
-          </a:bodyPr>
-          <a:lstStyle/>
-          <a:p>
-            <a:endParaRPr lang="en-US"/>
-          </a:p>
-        </p:txBody>
-      </p:sp>
-      <p:sp>
-        <p:nvSpPr>
-          <p:cNvPr id="2" name="Title 1"/>
-          <p:cNvSpPr>
             <a:spLocks noGrp="1"/>
           </p:cNvSpPr>
           <p:nvPr>
@@ -4644,8 +8867,8 @@
         </p:nvSpPr>
         <p:spPr>
           <a:xfrm>
-            <a:off x="1146879" y="914875"/>
-            <a:ext cx="3182940" cy="1471959"/>
+            <a:off x="863029" y="1012004"/>
+            <a:ext cx="3416158" cy="4795408"/>
           </a:xfrm>
         </p:spPr>
         <p:txBody>
@@ -4655,14 +8878,15 @@
           <a:lstStyle/>
           <a:p>
             <a:r>
-              <a:rPr lang="en-US" sz="3600">
+              <a:rPr lang="en-US" dirty="0">
                 <a:solidFill>
                   <a:srgbClr val="FFFFFF"/>
                 </a:solidFill>
+                <a:cs typeface="Calibri Light"/>
               </a:rPr>
-              <a:t>What is E-Commerce</a:t>
+              <a:t>Future Ideas</a:t>
             </a:r>
-            <a:endParaRPr lang="bg-BG" sz="3600">
+            <a:endParaRPr lang="en-US" dirty="0">
               <a:solidFill>
                 <a:srgbClr val="FFFFFF"/>
               </a:solidFill>
@@ -4670,133 +8894,41 @@
           </a:p>
         </p:txBody>
       </p:sp>
-      <p:sp>
-        <p:nvSpPr>
-          <p:cNvPr id="5" name="Content Placeholder 4"/>
-          <p:cNvSpPr>
-            <a:spLocks noGrp="1"/>
-          </p:cNvSpPr>
+      <p:graphicFrame>
+        <p:nvGraphicFramePr>
+          <p:cNvPr id="7" name="Content Placeholder 2">
+            <a:extLst>
+              <a:ext uri="{FF2B5EF4-FFF2-40B4-BE49-F238E27FC236}">
+                <a16:creationId xmlns:a16="http://schemas.microsoft.com/office/drawing/2014/main" id="{1C4691E4-E566-4CD0-9636-BC4EB9E0D9EA}"/>
+              </a:ext>
+            </a:extLst>
+          </p:cNvPr>
+          <p:cNvGraphicFramePr>
+            <a:graphicFrameLocks noGrp="1"/>
+          </p:cNvGraphicFramePr>
           <p:nvPr>
             <p:ph idx="1"/>
-          </p:nvPr>
-        </p:nvSpPr>
-        <p:spPr>
-          <a:xfrm>
-            <a:off x="1070363" y="2324488"/>
-            <a:ext cx="3200451" cy="2985929"/>
-          </a:xfrm>
-        </p:spPr>
-        <p:txBody>
-          <a:bodyPr vert="horz" lIns="91440" tIns="45720" rIns="91440" bIns="45720" rtlCol="0" anchor="t">
-            <a:noAutofit/>
-          </a:bodyPr>
-          <a:lstStyle/>
-          <a:p>
-            <a:r>
-              <a:rPr lang="en-US" sz="1600" dirty="0">
-                <a:solidFill>
-                  <a:srgbClr val="FEFFFF"/>
-                </a:solidFill>
-                <a:ea typeface="+mn-lt"/>
-                <a:cs typeface="+mn-lt"/>
-              </a:rPr>
-              <a:t>E-Commerce refers the use of internet and other online services to be engaged in buying and selling of digital and non-digital products and services which require digital transportation or physical transportation.</a:t>
-            </a:r>
-            <a:r>
-              <a:rPr lang="en-US" sz="1600" dirty="0">
-                <a:solidFill>
-                  <a:srgbClr val="FEFFFF"/>
-                </a:solidFill>
-              </a:rPr>
-              <a:t> </a:t>
-            </a:r>
-            <a:endParaRPr lang="en-US" sz="1600" dirty="0">
-              <a:solidFill>
-                <a:srgbClr val="FEFFFF"/>
-              </a:solidFill>
-              <a:cs typeface="Calibri"/>
-            </a:endParaRPr>
-          </a:p>
-          <a:p>
-            <a:endParaRPr lang="en-US" sz="1400" dirty="0">
-              <a:solidFill>
-                <a:srgbClr val="FEFFFF"/>
-              </a:solidFill>
-              <a:cs typeface="Calibri"/>
-            </a:endParaRPr>
-          </a:p>
-          <a:p>
-            <a:r>
-              <a:rPr lang="en-US" sz="1600" dirty="0">
-                <a:solidFill>
-                  <a:srgbClr val="FEFFFF"/>
-                </a:solidFill>
-                <a:cs typeface="Calibri"/>
-              </a:rPr>
-              <a:t>Examples for </a:t>
-            </a:r>
-            <a:r>
-              <a:rPr lang="en-US" sz="1600" dirty="0">
-                <a:solidFill>
-                  <a:srgbClr val="FEFFFF"/>
-                </a:solidFill>
-                <a:ea typeface="+mn-lt"/>
-                <a:cs typeface="+mn-lt"/>
-              </a:rPr>
-              <a:t>E-Commerce are: </a:t>
-            </a:r>
-          </a:p>
-          <a:p>
-            <a:pPr marL="0" indent="0">
-              <a:buNone/>
-            </a:pPr>
-            <a:r>
-              <a:rPr lang="en-US" sz="1600" dirty="0">
-                <a:solidFill>
-                  <a:srgbClr val="FEFFFF"/>
-                </a:solidFill>
-                <a:ea typeface="+mn-lt"/>
-                <a:cs typeface="+mn-lt"/>
-              </a:rPr>
-              <a:t>1. eBay</a:t>
-            </a:r>
-          </a:p>
-          <a:p>
-            <a:pPr marL="0" indent="0">
-              <a:buNone/>
-            </a:pPr>
-            <a:r>
-              <a:rPr lang="en-US" sz="1600" dirty="0">
-                <a:solidFill>
-                  <a:srgbClr val="FEFFFF"/>
-                </a:solidFill>
-                <a:ea typeface="+mn-lt"/>
-                <a:cs typeface="+mn-lt"/>
-              </a:rPr>
-              <a:t>2. Amazon</a:t>
-            </a:r>
-          </a:p>
-          <a:p>
-            <a:pPr marL="0" indent="0">
-              <a:buNone/>
-            </a:pPr>
-            <a:r>
-              <a:rPr lang="en-US" sz="1600" dirty="0">
-                <a:solidFill>
-                  <a:srgbClr val="FEFFFF"/>
-                </a:solidFill>
-                <a:ea typeface="+mn-lt"/>
-                <a:cs typeface="+mn-lt"/>
-              </a:rPr>
-              <a:t>3. OLX</a:t>
-            </a:r>
-          </a:p>
-        </p:txBody>
-      </p:sp>
+            <p:extLst>
+              <p:ext uri="{D42A27DB-BD31-4B8C-83A1-F6EECF244321}">
+                <p14:modId xmlns:p14="http://schemas.microsoft.com/office/powerpoint/2010/main" val="3694589806"/>
+              </p:ext>
+            </p:extLst>
+          </p:nvPr>
+        </p:nvGraphicFramePr>
+        <p:xfrm>
+          <a:off x="5194300" y="470924"/>
+          <a:ext cx="6513604" cy="5885426"/>
+        </p:xfrm>
+        <a:graphic>
+          <a:graphicData uri="http://schemas.openxmlformats.org/drawingml/2006/diagram">
+            <dgm:relIds xmlns:dgm="http://schemas.openxmlformats.org/drawingml/2006/diagram" xmlns:r="http://schemas.openxmlformats.org/officeDocument/2006/relationships" r:dm="rId2" r:lo="rId3" r:qs="rId4" r:cs="rId5"/>
+          </a:graphicData>
+        </a:graphic>
+      </p:graphicFrame>
     </p:spTree>
     <p:extLst>
       <p:ext uri="{BB962C8B-B14F-4D97-AF65-F5344CB8AC3E}">
-        <p14:creationId xmlns:p14="http://schemas.microsoft.com/office/powerpoint/2010/main" val="2693386454"/>
+        <p14:creationId xmlns:p14="http://schemas.microsoft.com/office/powerpoint/2010/main" val="1306850508"/>
       </p:ext>
     </p:extLst>
   </p:cSld>
@@ -4806,7 +8938,7 @@
 </p:sld>
 </file>
 
-<file path=ppt/slides/slide5.xml><?xml version="1.0" encoding="utf-8"?>
+<file path=ppt/slides/slide9.xml><?xml version="1.0" encoding="utf-8"?>
 <p:sld xmlns:a="http://schemas.openxmlformats.org/drawingml/2006/main" xmlns:r="http://schemas.openxmlformats.org/officeDocument/2006/relationships" xmlns:p="http://schemas.openxmlformats.org/presentationml/2006/main">
   <p:cSld>
     <p:bg>
